--- a/Study/statistics/PPT/54. 균일최강력검정.pptx
+++ b/Study/statistics/PPT/54. 균일최강력검정.pptx
@@ -10,6 +10,8 @@
     <p:sldId id="258" r:id="rId4"/>
     <p:sldId id="259" r:id="rId5"/>
     <p:sldId id="260" r:id="rId6"/>
+    <p:sldId id="261" r:id="rId7"/>
+    <p:sldId id="262" r:id="rId8"/>
   </p:sldIdLst>
   <p:sldSz cx="12192000" cy="6858000"/>
   <p:notesSz cx="6858000" cy="9144000"/>
@@ -3460,8 +3462,8 @@
           </a:p>
         </p:txBody>
       </p:sp>
-      <mc:AlternateContent xmlns:mc="http://schemas.openxmlformats.org/markup-compatibility/2006">
-        <mc:Choice xmlns:a14="http://schemas.microsoft.com/office/drawing/2010/main" Requires="a14">
+      <mc:AlternateContent xmlns:mc="http://schemas.openxmlformats.org/markup-compatibility/2006" xmlns:a14="http://schemas.microsoft.com/office/drawing/2010/main">
+        <mc:Choice Requires="a14">
           <p:sp>
             <p:nvSpPr>
               <p:cNvPr id="3" name="내용 개체 틀 2">
@@ -3715,7 +3717,7 @@
             </p:txBody>
           </p:sp>
         </mc:Choice>
-        <mc:Fallback>
+        <mc:Fallback xmlns="">
           <p:sp>
             <p:nvSpPr>
               <p:cNvPr id="3" name="내용 개체 틀 2">
@@ -3813,8 +3815,8 @@
           </a:p>
         </p:txBody>
       </p:sp>
-      <mc:AlternateContent xmlns:mc="http://schemas.openxmlformats.org/markup-compatibility/2006">
-        <mc:Choice xmlns:a14="http://schemas.microsoft.com/office/drawing/2010/main" Requires="a14">
+      <mc:AlternateContent xmlns:mc="http://schemas.openxmlformats.org/markup-compatibility/2006" xmlns:a14="http://schemas.microsoft.com/office/drawing/2010/main">
+        <mc:Choice Requires="a14">
           <p:sp>
             <p:nvSpPr>
               <p:cNvPr id="3" name="내용 개체 틀 2">
@@ -4464,6 +4466,7 @@
                     </m:r>
                     <m:r>
                       <a:rPr lang="en-US" altLang="ko-KR" sz="2000" dirty="0">
+                        <a:latin typeface="Cambria Math" panose="02040503050406030204" pitchFamily="18" charset="0"/>
                         <a:ea typeface="Cambria Math" panose="02040503050406030204" pitchFamily="18" charset="0"/>
                       </a:rPr>
                       <m:t>≠</m:t>
@@ -4510,7 +4513,7 @@
                     <m:f>
                       <m:fPr>
                         <m:ctrlPr>
-                          <a:rPr lang="en-US" altLang="ko-KR" sz="2000" b="0" i="0" smtClean="0">
+                          <a:rPr lang="en-US" altLang="ko-KR" sz="2000" b="0" i="1" smtClean="0">
                             <a:latin typeface="Cambria Math" panose="02040503050406030204" pitchFamily="18" charset="0"/>
                           </a:rPr>
                         </m:ctrlPr>
@@ -5701,7 +5704,7 @@
             </p:txBody>
           </p:sp>
         </mc:Choice>
-        <mc:Fallback>
+        <mc:Fallback xmlns="">
           <p:sp>
             <p:nvSpPr>
               <p:cNvPr id="3" name="내용 개체 틀 2">
@@ -5799,8 +5802,8 @@
           </a:p>
         </p:txBody>
       </p:sp>
-      <mc:AlternateContent xmlns:mc="http://schemas.openxmlformats.org/markup-compatibility/2006">
-        <mc:Choice xmlns:a14="http://schemas.microsoft.com/office/drawing/2010/main" Requires="a14">
+      <mc:AlternateContent xmlns:mc="http://schemas.openxmlformats.org/markup-compatibility/2006" xmlns:a14="http://schemas.microsoft.com/office/drawing/2010/main">
+        <mc:Choice Requires="a14">
           <p:sp>
             <p:nvSpPr>
               <p:cNvPr id="3" name="내용 개체 틀 2">
@@ -7230,13 +7233,7 @@
                       <a:rPr lang="en-US" altLang="ko-KR" sz="2000" b="0" i="1" smtClean="0">
                         <a:latin typeface="Cambria Math" panose="02040503050406030204" pitchFamily="18" charset="0"/>
                       </a:rPr>
-                      <m:t>)</m:t>
-                    </m:r>
-                    <m:r>
-                      <a:rPr lang="en-US" altLang="ko-KR" sz="2000" b="0" i="1" smtClean="0">
-                        <a:latin typeface="Cambria Math" panose="02040503050406030204" pitchFamily="18" charset="0"/>
-                      </a:rPr>
-                      <m:t>]</m:t>
+                      <m:t>)]</m:t>
                     </m:r>
                   </m:oMath>
                 </a14:m>
@@ -7293,7 +7290,7 @@
             </p:txBody>
           </p:sp>
         </mc:Choice>
-        <mc:Fallback>
+        <mc:Fallback xmlns="">
           <p:sp>
             <p:nvSpPr>
               <p:cNvPr id="3" name="내용 개체 틀 2">
@@ -7391,8 +7388,8 @@
           </a:p>
         </p:txBody>
       </p:sp>
-      <mc:AlternateContent xmlns:mc="http://schemas.openxmlformats.org/markup-compatibility/2006">
-        <mc:Choice xmlns:a14="http://schemas.microsoft.com/office/drawing/2010/main" Requires="a14">
+      <mc:AlternateContent xmlns:mc="http://schemas.openxmlformats.org/markup-compatibility/2006" xmlns:a14="http://schemas.microsoft.com/office/drawing/2010/main">
+        <mc:Choice Requires="a14">
           <p:sp>
             <p:nvSpPr>
               <p:cNvPr id="3" name="내용 개체 틀 2">
@@ -8202,7 +8199,7 @@
                         <m:nor/>
                       </m:rPr>
                       <a:rPr lang="en-US" altLang="ko-KR" sz="2000" b="0" i="0" dirty="0" smtClean="0"/>
-                      <m:t> -</m:t>
+                      <m:t> −</m:t>
                     </m:r>
                     <m:r>
                       <m:rPr>
@@ -8378,7 +8375,7 @@
                         <m:nor/>
                       </m:rPr>
                       <a:rPr lang="en-US" altLang="ko-KR" sz="2000" b="0" i="0" dirty="0" smtClean="0"/>
-                      <m:t>-</m:t>
+                      <m:t>−</m:t>
                     </m:r>
                     <m:r>
                       <m:rPr>
@@ -8962,7 +8959,7 @@
             </p:txBody>
           </p:sp>
         </mc:Choice>
-        <mc:Fallback>
+        <mc:Fallback xmlns="">
           <p:sp>
             <p:nvSpPr>
               <p:cNvPr id="3" name="내용 개체 틀 2">
@@ -9006,6 +9003,3966 @@
     <p:extLst>
       <p:ext uri="{BB962C8B-B14F-4D97-AF65-F5344CB8AC3E}">
         <p14:creationId xmlns:p14="http://schemas.microsoft.com/office/powerpoint/2010/main" val="1272126937"/>
+      </p:ext>
+    </p:extLst>
+  </p:cSld>
+  <p:clrMapOvr>
+    <a:masterClrMapping/>
+  </p:clrMapOvr>
+</p:sld>
+</file>
+
+<file path=ppt/slides/slide6.xml><?xml version="1.0" encoding="utf-8"?>
+<p:sld xmlns:a="http://schemas.openxmlformats.org/drawingml/2006/main" xmlns:r="http://schemas.openxmlformats.org/officeDocument/2006/relationships" xmlns:p="http://schemas.openxmlformats.org/presentationml/2006/main">
+  <p:cSld>
+    <p:spTree>
+      <p:nvGrpSpPr>
+        <p:cNvPr id="1" name=""/>
+        <p:cNvGrpSpPr/>
+        <p:nvPr/>
+      </p:nvGrpSpPr>
+      <p:grpSpPr>
+        <a:xfrm>
+          <a:off x="0" y="0"/>
+          <a:ext cx="0" cy="0"/>
+          <a:chOff x="0" y="0"/>
+          <a:chExt cx="0" cy="0"/>
+        </a:xfrm>
+      </p:grpSpPr>
+      <p:sp>
+        <p:nvSpPr>
+          <p:cNvPr id="2" name="제목 1">
+            <a:extLst>
+              <a:ext uri="{FF2B5EF4-FFF2-40B4-BE49-F238E27FC236}">
+                <a16:creationId xmlns:a16="http://schemas.microsoft.com/office/drawing/2014/main" id="{4BC294F5-A7B6-4DF4-9DDD-73C67518AFC8}"/>
+              </a:ext>
+            </a:extLst>
+          </p:cNvPr>
+          <p:cNvSpPr>
+            <a:spLocks noGrp="1"/>
+          </p:cNvSpPr>
+          <p:nvPr>
+            <p:ph type="title"/>
+          </p:nvPr>
+        </p:nvSpPr>
+        <p:spPr/>
+        <p:txBody>
+          <a:bodyPr/>
+          <a:lstStyle/>
+          <a:p>
+            <a:r>
+              <a:rPr lang="ko-KR" altLang="en-US" dirty="0"/>
+              <a:t>예제</a:t>
+            </a:r>
+          </a:p>
+        </p:txBody>
+      </p:sp>
+      <mc:AlternateContent xmlns:mc="http://schemas.openxmlformats.org/markup-compatibility/2006" xmlns:a14="http://schemas.microsoft.com/office/drawing/2010/main">
+        <mc:Choice Requires="a14">
+          <p:sp>
+            <p:nvSpPr>
+              <p:cNvPr id="3" name="내용 개체 틀 2">
+                <a:extLst>
+                  <a:ext uri="{FF2B5EF4-FFF2-40B4-BE49-F238E27FC236}">
+                    <a16:creationId xmlns:a16="http://schemas.microsoft.com/office/drawing/2014/main" id="{0A55A7CF-CFA2-415D-9A88-9589E9B92620}"/>
+                  </a:ext>
+                </a:extLst>
+              </p:cNvPr>
+              <p:cNvSpPr>
+                <a:spLocks noGrp="1"/>
+              </p:cNvSpPr>
+              <p:nvPr>
+                <p:ph idx="1"/>
+              </p:nvPr>
+            </p:nvSpPr>
+            <p:spPr/>
+            <p:txBody>
+              <a:bodyPr>
+                <a:normAutofit/>
+              </a:bodyPr>
+              <a:lstStyle/>
+              <a:p>
+                <a:r>
+                  <a:rPr lang="en-US" altLang="ko-KR" sz="2000" dirty="0"/>
+                  <a:t>pdf </a:t>
+                </a:r>
+                <a14:m>
+                  <m:oMath xmlns:m="http://schemas.openxmlformats.org/officeDocument/2006/math">
+                    <m:r>
+                      <a:rPr lang="en-US" altLang="ko-KR" sz="2000" i="1">
+                        <a:latin typeface="Cambria Math" panose="02040503050406030204" pitchFamily="18" charset="0"/>
+                      </a:rPr>
+                      <m:t>𝑓</m:t>
+                    </m:r>
+                    <m:r>
+                      <a:rPr lang="en-US" altLang="ko-KR" sz="2000" i="1">
+                        <a:latin typeface="Cambria Math" panose="02040503050406030204" pitchFamily="18" charset="0"/>
+                      </a:rPr>
+                      <m:t>(</m:t>
+                    </m:r>
+                    <m:r>
+                      <a:rPr lang="en-US" altLang="ko-KR" sz="2000" i="1">
+                        <a:latin typeface="Cambria Math" panose="02040503050406030204" pitchFamily="18" charset="0"/>
+                      </a:rPr>
+                      <m:t>𝑥</m:t>
+                    </m:r>
+                    <m:r>
+                      <a:rPr lang="en-US" altLang="ko-KR" sz="2000" i="1">
+                        <a:latin typeface="Cambria Math" panose="02040503050406030204" pitchFamily="18" charset="0"/>
+                      </a:rPr>
+                      <m:t>;</m:t>
+                    </m:r>
+                    <m:r>
+                      <a:rPr lang="ko-KR" altLang="en-US" sz="2000" i="1" dirty="0">
+                        <a:latin typeface="Cambria Math" panose="02040503050406030204" pitchFamily="18" charset="0"/>
+                      </a:rPr>
+                      <m:t>𝜃</m:t>
+                    </m:r>
+                  </m:oMath>
+                </a14:m>
+                <a:r>
+                  <a:rPr lang="en-US" altLang="ko-KR" sz="2000" dirty="0"/>
+                  <a:t>) = </a:t>
+                </a:r>
+                <a14:m>
+                  <m:oMath xmlns:m="http://schemas.openxmlformats.org/officeDocument/2006/math">
+                    <m:f>
+                      <m:fPr>
+                        <m:ctrlPr>
+                          <a:rPr lang="en-US" altLang="ko-KR" sz="2000" b="0" i="1" dirty="0" smtClean="0">
+                            <a:latin typeface="Cambria Math" panose="02040503050406030204" pitchFamily="18" charset="0"/>
+                          </a:rPr>
+                        </m:ctrlPr>
+                      </m:fPr>
+                      <m:num>
+                        <m:r>
+                          <a:rPr lang="en-US" altLang="ko-KR" sz="2000" b="0" i="0" dirty="0" smtClean="0">
+                            <a:latin typeface="Cambria Math" panose="02040503050406030204" pitchFamily="18" charset="0"/>
+                          </a:rPr>
+                          <m:t>1</m:t>
+                        </m:r>
+                      </m:num>
+                      <m:den>
+                        <m:r>
+                          <a:rPr lang="ko-KR" altLang="en-US" sz="2000" i="1" dirty="0">
+                            <a:latin typeface="Cambria Math" panose="02040503050406030204" pitchFamily="18" charset="0"/>
+                          </a:rPr>
+                          <m:t>𝜃</m:t>
+                        </m:r>
+                      </m:den>
+                    </m:f>
+                  </m:oMath>
+                </a14:m>
+                <a:r>
+                  <a:rPr lang="en-US" altLang="ko-KR" sz="2000" dirty="0"/>
+                  <a:t> </a:t>
+                </a:r>
+                <a14:m>
+                  <m:oMath xmlns:m="http://schemas.openxmlformats.org/officeDocument/2006/math">
+                    <m:sSup>
+                      <m:sSupPr>
+                        <m:ctrlPr>
+                          <a:rPr lang="en-US" altLang="ko-KR" sz="2000" i="1">
+                            <a:latin typeface="Cambria Math" panose="02040503050406030204" pitchFamily="18" charset="0"/>
+                          </a:rPr>
+                        </m:ctrlPr>
+                      </m:sSupPr>
+                      <m:e>
+                        <m:r>
+                          <a:rPr lang="en-US" altLang="ko-KR" sz="2000" i="1">
+                            <a:latin typeface="Cambria Math" panose="02040503050406030204" pitchFamily="18" charset="0"/>
+                          </a:rPr>
+                          <m:t>𝑒</m:t>
+                        </m:r>
+                      </m:e>
+                      <m:sup>
+                        <m:r>
+                          <a:rPr lang="en-US" altLang="ko-KR" sz="2000" b="0" i="1" smtClean="0">
+                            <a:latin typeface="Cambria Math" panose="02040503050406030204" pitchFamily="18" charset="0"/>
+                          </a:rPr>
+                          <m:t>−</m:t>
+                        </m:r>
+                        <m:f>
+                          <m:fPr>
+                            <m:ctrlPr>
+                              <a:rPr lang="en-US" altLang="ko-KR" sz="2000" b="0" i="1" smtClean="0">
+                                <a:latin typeface="Cambria Math" panose="02040503050406030204" pitchFamily="18" charset="0"/>
+                              </a:rPr>
+                            </m:ctrlPr>
+                          </m:fPr>
+                          <m:num>
+                            <m:r>
+                              <a:rPr lang="en-US" altLang="ko-KR" sz="2000" b="0" i="1" smtClean="0">
+                                <a:latin typeface="Cambria Math" panose="02040503050406030204" pitchFamily="18" charset="0"/>
+                              </a:rPr>
+                              <m:t>𝑥</m:t>
+                            </m:r>
+                          </m:num>
+                          <m:den>
+                            <m:r>
+                              <a:rPr lang="ko-KR" altLang="en-US" sz="2000" i="1" dirty="0">
+                                <a:latin typeface="Cambria Math" panose="02040503050406030204" pitchFamily="18" charset="0"/>
+                              </a:rPr>
+                              <m:t>𝜃</m:t>
+                            </m:r>
+                          </m:den>
+                        </m:f>
+                      </m:sup>
+                    </m:sSup>
+                  </m:oMath>
+                </a14:m>
+                <a:r>
+                  <a:rPr lang="ko-KR" altLang="en-US" sz="2000" dirty="0"/>
+                  <a:t> 에서 </a:t>
+                </a:r>
+                <a:r>
+                  <a:rPr lang="en-US" altLang="ko-KR" sz="2000" dirty="0"/>
+                  <a:t>n=2</a:t>
+                </a:r>
+                <a:r>
+                  <a:rPr lang="ko-KR" altLang="en-US" sz="2000" dirty="0"/>
+                  <a:t>인 확률표본 </a:t>
+                </a:r>
+                <a14:m>
+                  <m:oMath xmlns:m="http://schemas.openxmlformats.org/officeDocument/2006/math">
+                    <m:sSub>
+                      <m:sSubPr>
+                        <m:ctrlPr>
+                          <a:rPr lang="ko-KR" altLang="en-US" sz="2000" i="1">
+                            <a:latin typeface="Cambria Math" panose="02040503050406030204" pitchFamily="18" charset="0"/>
+                          </a:rPr>
+                        </m:ctrlPr>
+                      </m:sSubPr>
+                      <m:e>
+                        <m:r>
+                          <a:rPr lang="en-US" altLang="ko-KR" sz="2000" i="1">
+                            <a:latin typeface="Cambria Math" panose="02040503050406030204" pitchFamily="18" charset="0"/>
+                          </a:rPr>
+                          <m:t>𝑋</m:t>
+                        </m:r>
+                      </m:e>
+                      <m:sub>
+                        <m:r>
+                          <a:rPr lang="ko-KR" altLang="en-US" sz="2000" i="1">
+                            <a:latin typeface="Cambria Math" panose="02040503050406030204" pitchFamily="18" charset="0"/>
+                          </a:rPr>
+                          <m:t>1</m:t>
+                        </m:r>
+                      </m:sub>
+                    </m:sSub>
+                  </m:oMath>
+                </a14:m>
+                <a:r>
+                  <a:rPr lang="en-US" altLang="ko-KR" sz="2000" dirty="0"/>
+                  <a:t>,</a:t>
+                </a:r>
+                <a:r>
+                  <a:rPr lang="ko-KR" altLang="en-US" sz="2000" dirty="0"/>
+                  <a:t> </a:t>
+                </a:r>
+                <a14:m>
+                  <m:oMath xmlns:m="http://schemas.openxmlformats.org/officeDocument/2006/math">
+                    <m:sSub>
+                      <m:sSubPr>
+                        <m:ctrlPr>
+                          <a:rPr lang="ko-KR" altLang="en-US" sz="2000" i="1">
+                            <a:latin typeface="Cambria Math" panose="02040503050406030204" pitchFamily="18" charset="0"/>
+                          </a:rPr>
+                        </m:ctrlPr>
+                      </m:sSubPr>
+                      <m:e>
+                        <m:r>
+                          <a:rPr lang="en-US" altLang="ko-KR" sz="2000" i="1">
+                            <a:latin typeface="Cambria Math" panose="02040503050406030204" pitchFamily="18" charset="0"/>
+                          </a:rPr>
+                          <m:t>𝑋</m:t>
+                        </m:r>
+                      </m:e>
+                      <m:sub>
+                        <m:r>
+                          <a:rPr lang="en-US" altLang="ko-KR" sz="2000" b="0" i="1" smtClean="0">
+                            <a:latin typeface="Cambria Math" panose="02040503050406030204" pitchFamily="18" charset="0"/>
+                          </a:rPr>
+                          <m:t>2</m:t>
+                        </m:r>
+                      </m:sub>
+                    </m:sSub>
+                  </m:oMath>
+                </a14:m>
+                <a:r>
+                  <a:rPr lang="ko-KR" altLang="en-US" sz="2000" dirty="0" err="1"/>
+                  <a:t>를</a:t>
+                </a:r>
+                <a:r>
+                  <a:rPr lang="ko-KR" altLang="en-US" sz="2000" dirty="0"/>
+                  <a:t> 추출했다고 하자</a:t>
+                </a:r>
+                <a:r>
+                  <a:rPr lang="en-US" altLang="ko-KR" sz="2000" dirty="0"/>
+                  <a:t>.</a:t>
+                </a:r>
+              </a:p>
+              <a:p>
+                <a:pPr marL="457200" indent="-457200">
+                  <a:buAutoNum type="arabicPeriod"/>
+                </a:pPr>
+                <a:r>
+                  <a:rPr lang="ko-KR" altLang="en-US" sz="2000" dirty="0"/>
+                  <a:t>복합가설 </a:t>
+                </a:r>
+                <a14:m>
+                  <m:oMath xmlns:m="http://schemas.openxmlformats.org/officeDocument/2006/math">
+                    <m:sSub>
+                      <m:sSubPr>
+                        <m:ctrlPr>
+                          <a:rPr lang="ko-KR" altLang="en-US" sz="2000" i="1">
+                            <a:latin typeface="Cambria Math" panose="02040503050406030204" pitchFamily="18" charset="0"/>
+                          </a:rPr>
+                        </m:ctrlPr>
+                      </m:sSubPr>
+                      <m:e>
+                        <m:r>
+                          <a:rPr lang="en-US" altLang="ko-KR" sz="2000" i="1">
+                            <a:latin typeface="Cambria Math" panose="02040503050406030204" pitchFamily="18" charset="0"/>
+                          </a:rPr>
+                          <m:t>𝐻</m:t>
+                        </m:r>
+                      </m:e>
+                      <m:sub>
+                        <m:r>
+                          <a:rPr lang="en-US" altLang="ko-KR" sz="2000" i="1">
+                            <a:latin typeface="Cambria Math" panose="02040503050406030204" pitchFamily="18" charset="0"/>
+                          </a:rPr>
+                          <m:t>0</m:t>
+                        </m:r>
+                      </m:sub>
+                    </m:sSub>
+                  </m:oMath>
+                </a14:m>
+                <a:r>
+                  <a:rPr lang="en-US" altLang="ko-KR" sz="2000" dirty="0"/>
+                  <a:t> : </a:t>
+                </a:r>
+                <a14:m>
+                  <m:oMath xmlns:m="http://schemas.openxmlformats.org/officeDocument/2006/math">
+                    <m:r>
+                      <a:rPr lang="ko-KR" altLang="en-US" sz="2000" i="1" dirty="0">
+                        <a:latin typeface="Cambria Math" panose="02040503050406030204" pitchFamily="18" charset="0"/>
+                      </a:rPr>
+                      <m:t>𝜃</m:t>
+                    </m:r>
+                  </m:oMath>
+                </a14:m>
+                <a:r>
+                  <a:rPr lang="en-US" altLang="ko-KR" sz="2000" dirty="0"/>
+                  <a:t>=2 VS </a:t>
+                </a:r>
+                <a14:m>
+                  <m:oMath xmlns:m="http://schemas.openxmlformats.org/officeDocument/2006/math">
+                    <m:sSub>
+                      <m:sSubPr>
+                        <m:ctrlPr>
+                          <a:rPr lang="ko-KR" altLang="en-US" sz="2000" i="1">
+                            <a:latin typeface="Cambria Math" panose="02040503050406030204" pitchFamily="18" charset="0"/>
+                          </a:rPr>
+                        </m:ctrlPr>
+                      </m:sSubPr>
+                      <m:e>
+                        <m:r>
+                          <a:rPr lang="en-US" altLang="ko-KR" sz="2000" i="1">
+                            <a:latin typeface="Cambria Math" panose="02040503050406030204" pitchFamily="18" charset="0"/>
+                          </a:rPr>
+                          <m:t>𝐻</m:t>
+                        </m:r>
+                      </m:e>
+                      <m:sub>
+                        <m:r>
+                          <a:rPr lang="en-US" altLang="ko-KR" sz="2000" i="1">
+                            <a:latin typeface="Cambria Math" panose="02040503050406030204" pitchFamily="18" charset="0"/>
+                          </a:rPr>
+                          <m:t>1</m:t>
+                        </m:r>
+                      </m:sub>
+                    </m:sSub>
+                  </m:oMath>
+                </a14:m>
+                <a:r>
+                  <a:rPr lang="en-US" altLang="ko-KR" sz="2000" dirty="0"/>
+                  <a:t> : </a:t>
+                </a:r>
+                <a14:m>
+                  <m:oMath xmlns:m="http://schemas.openxmlformats.org/officeDocument/2006/math">
+                    <m:r>
+                      <a:rPr lang="ko-KR" altLang="en-US" sz="2000" i="1" dirty="0">
+                        <a:latin typeface="Cambria Math" panose="02040503050406030204" pitchFamily="18" charset="0"/>
+                      </a:rPr>
+                      <m:t>𝜃</m:t>
+                    </m:r>
+                    <m:r>
+                      <a:rPr lang="en-US" altLang="ko-KR" sz="2000" b="0" i="0" dirty="0" smtClean="0">
+                        <a:latin typeface="Cambria Math" panose="02040503050406030204" pitchFamily="18" charset="0"/>
+                      </a:rPr>
+                      <m:t>&gt;2</m:t>
+                    </m:r>
+                  </m:oMath>
+                </a14:m>
+                <a:r>
+                  <a:rPr lang="ko-KR" altLang="en-US" sz="2000" dirty="0"/>
+                  <a:t> 를 검정하면</a:t>
+                </a:r>
+                <a:endParaRPr lang="en-US" altLang="ko-KR" sz="2000" dirty="0"/>
+              </a:p>
+              <a:p>
+                <a:pPr marL="457200" indent="-457200">
+                  <a:buAutoNum type="arabicParenR"/>
+                </a:pPr>
+                <a14:m>
+                  <m:oMath xmlns:m="http://schemas.openxmlformats.org/officeDocument/2006/math">
+                    <m:r>
+                      <a:rPr lang="en-US" altLang="ko-KR" sz="2000" i="1" smtClean="0">
+                        <a:latin typeface="Cambria Math" panose="02040503050406030204" pitchFamily="18" charset="0"/>
+                      </a:rPr>
+                      <m:t>𝛺</m:t>
+                    </m:r>
+                  </m:oMath>
+                </a14:m>
+                <a:r>
+                  <a:rPr lang="ko-KR" altLang="en-US" sz="2000" dirty="0"/>
+                  <a:t> </a:t>
+                </a:r>
+                <a:r>
+                  <a:rPr lang="en-US" altLang="ko-KR" sz="2000" dirty="0"/>
+                  <a:t>= {</a:t>
+                </a:r>
+                <a14:m>
+                  <m:oMath xmlns:m="http://schemas.openxmlformats.org/officeDocument/2006/math">
+                    <m:r>
+                      <a:rPr lang="ko-KR" altLang="en-US" sz="2000" i="1" dirty="0">
+                        <a:latin typeface="Cambria Math" panose="02040503050406030204" pitchFamily="18" charset="0"/>
+                      </a:rPr>
+                      <m:t>𝜃</m:t>
+                    </m:r>
+                  </m:oMath>
+                </a14:m>
+                <a:r>
+                  <a:rPr lang="ko-KR" altLang="en-US" sz="2000" dirty="0"/>
+                  <a:t> </a:t>
+                </a:r>
+                <a:r>
+                  <a:rPr lang="en-US" altLang="ko-KR" sz="2000" dirty="0"/>
+                  <a:t>: </a:t>
+                </a:r>
+                <a14:m>
+                  <m:oMath xmlns:m="http://schemas.openxmlformats.org/officeDocument/2006/math">
+                    <m:r>
+                      <a:rPr lang="ko-KR" altLang="en-US" sz="2000" i="1" dirty="0">
+                        <a:latin typeface="Cambria Math" panose="02040503050406030204" pitchFamily="18" charset="0"/>
+                      </a:rPr>
+                      <m:t>𝜃</m:t>
+                    </m:r>
+                    <m:r>
+                      <a:rPr lang="en-US" altLang="ko-KR" sz="2000" b="0" i="0" dirty="0" smtClean="0">
+                        <a:latin typeface="Cambria Math" panose="02040503050406030204" pitchFamily="18" charset="0"/>
+                      </a:rPr>
+                      <m:t>≥2}</m:t>
+                    </m:r>
+                  </m:oMath>
+                </a14:m>
+                <a:r>
+                  <a:rPr lang="ko-KR" altLang="en-US" sz="2000" dirty="0"/>
+                  <a:t> 이고</a:t>
+                </a:r>
+                <a:endParaRPr lang="en-US" altLang="ko-KR" sz="2000" dirty="0"/>
+              </a:p>
+              <a:p>
+                <a:pPr marL="457200" indent="-457200">
+                  <a:buAutoNum type="arabicParenR"/>
+                </a:pPr>
+                <a:r>
+                  <a:rPr lang="en-US" altLang="ko-KR" sz="2000" b="0" dirty="0"/>
+                  <a:t>C = </a:t>
+                </a:r>
+                <a14:m>
+                  <m:oMath xmlns:m="http://schemas.openxmlformats.org/officeDocument/2006/math">
+                    <m:r>
+                      <a:rPr lang="en-US" altLang="ko-KR" sz="2000" b="0" i="1" dirty="0" smtClean="0">
+                        <a:latin typeface="Cambria Math" panose="02040503050406030204" pitchFamily="18" charset="0"/>
+                      </a:rPr>
+                      <m:t>{(</m:t>
+                    </m:r>
+                    <m:sSub>
+                      <m:sSubPr>
+                        <m:ctrlPr>
+                          <a:rPr lang="ko-KR" altLang="en-US" sz="2000" i="1">
+                            <a:latin typeface="Cambria Math" panose="02040503050406030204" pitchFamily="18" charset="0"/>
+                          </a:rPr>
+                        </m:ctrlPr>
+                      </m:sSubPr>
+                      <m:e>
+                        <m:r>
+                          <a:rPr lang="en-US" altLang="ko-KR" sz="2000" b="0" i="1" smtClean="0">
+                            <a:latin typeface="Cambria Math" panose="02040503050406030204" pitchFamily="18" charset="0"/>
+                          </a:rPr>
+                          <m:t>𝑥</m:t>
+                        </m:r>
+                      </m:e>
+                      <m:sub>
+                        <m:r>
+                          <a:rPr lang="ko-KR" altLang="en-US" sz="2000" i="1">
+                            <a:latin typeface="Cambria Math" panose="02040503050406030204" pitchFamily="18" charset="0"/>
+                          </a:rPr>
+                          <m:t>1</m:t>
+                        </m:r>
+                      </m:sub>
+                    </m:sSub>
+                  </m:oMath>
+                </a14:m>
+                <a:r>
+                  <a:rPr lang="en-US" altLang="ko-KR" sz="2000" dirty="0"/>
+                  <a:t>,</a:t>
+                </a:r>
+                <a:r>
+                  <a:rPr lang="ko-KR" altLang="en-US" sz="2000" dirty="0"/>
+                  <a:t> </a:t>
+                </a:r>
+                <a14:m>
+                  <m:oMath xmlns:m="http://schemas.openxmlformats.org/officeDocument/2006/math">
+                    <m:sSub>
+                      <m:sSubPr>
+                        <m:ctrlPr>
+                          <a:rPr lang="ko-KR" altLang="en-US" sz="2000" i="1">
+                            <a:latin typeface="Cambria Math" panose="02040503050406030204" pitchFamily="18" charset="0"/>
+                          </a:rPr>
+                        </m:ctrlPr>
+                      </m:sSubPr>
+                      <m:e>
+                        <m:r>
+                          <a:rPr lang="en-US" altLang="ko-KR" sz="2000" b="0" i="1" smtClean="0">
+                            <a:latin typeface="Cambria Math" panose="02040503050406030204" pitchFamily="18" charset="0"/>
+                          </a:rPr>
+                          <m:t>𝑥</m:t>
+                        </m:r>
+                      </m:e>
+                      <m:sub>
+                        <m:r>
+                          <a:rPr lang="en-US" altLang="ko-KR" sz="2000" i="1">
+                            <a:latin typeface="Cambria Math" panose="02040503050406030204" pitchFamily="18" charset="0"/>
+                          </a:rPr>
+                          <m:t>2</m:t>
+                        </m:r>
+                      </m:sub>
+                    </m:sSub>
+                  </m:oMath>
+                </a14:m>
+                <a:r>
+                  <a:rPr lang="en-US" altLang="ko-KR" sz="2000" dirty="0"/>
+                  <a:t>: 9.5 &lt; </a:t>
+                </a:r>
+                <a14:m>
+                  <m:oMath xmlns:m="http://schemas.openxmlformats.org/officeDocument/2006/math">
+                    <m:sSub>
+                      <m:sSubPr>
+                        <m:ctrlPr>
+                          <a:rPr lang="ko-KR" altLang="en-US" sz="2000" i="1">
+                            <a:latin typeface="Cambria Math" panose="02040503050406030204" pitchFamily="18" charset="0"/>
+                          </a:rPr>
+                        </m:ctrlPr>
+                      </m:sSubPr>
+                      <m:e>
+                        <m:r>
+                          <a:rPr lang="en-US" altLang="ko-KR" sz="2000" i="1">
+                            <a:latin typeface="Cambria Math" panose="02040503050406030204" pitchFamily="18" charset="0"/>
+                          </a:rPr>
+                          <m:t>𝑥</m:t>
+                        </m:r>
+                      </m:e>
+                      <m:sub>
+                        <m:r>
+                          <a:rPr lang="ko-KR" altLang="en-US" sz="2000" i="1">
+                            <a:latin typeface="Cambria Math" panose="02040503050406030204" pitchFamily="18" charset="0"/>
+                          </a:rPr>
+                          <m:t>1</m:t>
+                        </m:r>
+                      </m:sub>
+                    </m:sSub>
+                  </m:oMath>
+                </a14:m>
+                <a:r>
+                  <a:rPr lang="en-US" altLang="ko-KR" sz="2000" dirty="0"/>
+                  <a:t>,</a:t>
+                </a:r>
+                <a:r>
+                  <a:rPr lang="ko-KR" altLang="en-US" sz="2000" dirty="0"/>
+                  <a:t> </a:t>
+                </a:r>
+                <a14:m>
+                  <m:oMath xmlns:m="http://schemas.openxmlformats.org/officeDocument/2006/math">
+                    <m:sSub>
+                      <m:sSubPr>
+                        <m:ctrlPr>
+                          <a:rPr lang="ko-KR" altLang="en-US" sz="2000" i="1">
+                            <a:latin typeface="Cambria Math" panose="02040503050406030204" pitchFamily="18" charset="0"/>
+                          </a:rPr>
+                        </m:ctrlPr>
+                      </m:sSubPr>
+                      <m:e>
+                        <m:r>
+                          <a:rPr lang="en-US" altLang="ko-KR" sz="2000" i="1">
+                            <a:latin typeface="Cambria Math" panose="02040503050406030204" pitchFamily="18" charset="0"/>
+                          </a:rPr>
+                          <m:t>𝑥</m:t>
+                        </m:r>
+                      </m:e>
+                      <m:sub>
+                        <m:r>
+                          <a:rPr lang="en-US" altLang="ko-KR" sz="2000" i="1">
+                            <a:latin typeface="Cambria Math" panose="02040503050406030204" pitchFamily="18" charset="0"/>
+                          </a:rPr>
+                          <m:t>2</m:t>
+                        </m:r>
+                      </m:sub>
+                    </m:sSub>
+                    <m:r>
+                      <a:rPr lang="en-US" altLang="ko-KR" sz="2000" b="0" i="0" smtClean="0">
+                        <a:latin typeface="Cambria Math" panose="02040503050406030204" pitchFamily="18" charset="0"/>
+                      </a:rPr>
+                      <m:t>&lt;</m:t>
+                    </m:r>
+                    <m:r>
+                      <a:rPr lang="en-US" altLang="ko-KR" sz="2000" b="0" i="1" smtClean="0">
+                        <a:latin typeface="Cambria Math" panose="02040503050406030204" pitchFamily="18" charset="0"/>
+                        <a:ea typeface="Cambria Math" panose="02040503050406030204" pitchFamily="18" charset="0"/>
+                      </a:rPr>
+                      <m:t>∞</m:t>
+                    </m:r>
+                    <m:r>
+                      <a:rPr lang="en-US" altLang="ko-KR" sz="2000" dirty="0">
+                        <a:latin typeface="Cambria Math" panose="02040503050406030204" pitchFamily="18" charset="0"/>
+                      </a:rPr>
+                      <m:t>}</m:t>
+                    </m:r>
+                  </m:oMath>
+                </a14:m>
+                <a:r>
+                  <a:rPr lang="ko-KR" altLang="en-US" sz="2000" dirty="0"/>
+                  <a:t> 이며</a:t>
+                </a:r>
+                <a:endParaRPr lang="en-US" altLang="ko-KR" sz="2000" dirty="0"/>
+              </a:p>
+              <a:p>
+                <a:pPr marL="457200" indent="-457200">
+                  <a:buFont typeface="Arial" panose="020B0604020202020204" pitchFamily="34" charset="0"/>
+                  <a:buAutoNum type="arabicParenR"/>
+                </a:pPr>
+                <a:r>
+                  <a:rPr lang="ko-KR" altLang="en-US" sz="2000" dirty="0"/>
+                  <a:t>이 때 </a:t>
+                </a:r>
+                <a14:m>
+                  <m:oMath xmlns:m="http://schemas.openxmlformats.org/officeDocument/2006/math">
+                    <m:sSub>
+                      <m:sSubPr>
+                        <m:ctrlPr>
+                          <a:rPr lang="en-US" altLang="ko-KR" sz="2000" i="1" dirty="0" smtClean="0">
+                            <a:latin typeface="Cambria Math" panose="02040503050406030204" pitchFamily="18" charset="0"/>
+                          </a:rPr>
+                        </m:ctrlPr>
+                      </m:sSubPr>
+                      <m:e>
+                        <m:r>
+                          <a:rPr lang="en-US" altLang="ko-KR" sz="2000" i="1" dirty="0">
+                            <a:latin typeface="Cambria Math" panose="02040503050406030204" pitchFamily="18" charset="0"/>
+                          </a:rPr>
+                          <m:t>𝑃</m:t>
+                        </m:r>
+                      </m:e>
+                      <m:sub>
+                        <m:r>
+                          <a:rPr lang="ko-KR" altLang="en-US" sz="2000" i="1" dirty="0">
+                            <a:latin typeface="Cambria Math" panose="02040503050406030204" pitchFamily="18" charset="0"/>
+                          </a:rPr>
+                          <m:t>𝜃</m:t>
+                        </m:r>
+                        <m:r>
+                          <a:rPr lang="en-US" altLang="ko-KR" sz="2000" b="0" i="0" dirty="0" smtClean="0">
+                            <a:latin typeface="Cambria Math" panose="02040503050406030204" pitchFamily="18" charset="0"/>
+                          </a:rPr>
+                          <m:t>=</m:t>
+                        </m:r>
+                        <m:r>
+                          <a:rPr lang="en-US" altLang="ko-KR" sz="2000" dirty="0">
+                            <a:latin typeface="Cambria Math" panose="02040503050406030204" pitchFamily="18" charset="0"/>
+                          </a:rPr>
+                          <m:t>2</m:t>
+                        </m:r>
+                      </m:sub>
+                    </m:sSub>
+                    <m:d>
+                      <m:dPr>
+                        <m:begChr m:val="["/>
+                        <m:endChr m:val="]"/>
+                        <m:ctrlPr>
+                          <a:rPr lang="en-US" altLang="ko-KR" sz="2000" b="0" i="1" dirty="0" smtClean="0">
+                            <a:latin typeface="Cambria Math" panose="02040503050406030204" pitchFamily="18" charset="0"/>
+                          </a:rPr>
+                        </m:ctrlPr>
+                      </m:dPr>
+                      <m:e>
+                        <m:r>
+                          <a:rPr lang="en-US" altLang="ko-KR" sz="2000" b="0" i="1" dirty="0" smtClean="0">
+                            <a:latin typeface="Cambria Math" panose="02040503050406030204" pitchFamily="18" charset="0"/>
+                          </a:rPr>
+                          <m:t>𝑋</m:t>
+                        </m:r>
+                        <m:r>
+                          <a:rPr lang="ko-KR" altLang="en-US" sz="2000" i="1">
+                            <a:latin typeface="Cambria Math" panose="02040503050406030204" pitchFamily="18" charset="0"/>
+                          </a:rPr>
+                          <m:t>∈</m:t>
+                        </m:r>
+                        <m:r>
+                          <a:rPr lang="en-US" altLang="ko-KR" sz="2000" b="0" i="1" smtClean="0">
+                            <a:latin typeface="Cambria Math" panose="02040503050406030204" pitchFamily="18" charset="0"/>
+                          </a:rPr>
+                          <m:t>𝐶</m:t>
+                        </m:r>
+                      </m:e>
+                    </m:d>
+                  </m:oMath>
+                </a14:m>
+                <a:r>
+                  <a:rPr lang="en-US" altLang="ko-KR" sz="2000" dirty="0"/>
+                  <a:t> = </a:t>
+                </a:r>
+                <a14:m>
+                  <m:oMath xmlns:m="http://schemas.openxmlformats.org/officeDocument/2006/math">
+                    <m:nary>
+                      <m:naryPr>
+                        <m:ctrlPr>
+                          <a:rPr lang="en-US" altLang="ko-KR" sz="2000" i="1">
+                            <a:latin typeface="Cambria Math" panose="02040503050406030204" pitchFamily="18" charset="0"/>
+                          </a:rPr>
+                        </m:ctrlPr>
+                      </m:naryPr>
+                      <m:sub>
+                        <m:r>
+                          <a:rPr lang="en-US" altLang="ko-KR" sz="2000" b="0" i="1" smtClean="0">
+                            <a:latin typeface="Cambria Math" panose="02040503050406030204" pitchFamily="18" charset="0"/>
+                          </a:rPr>
+                          <m:t>0</m:t>
+                        </m:r>
+                      </m:sub>
+                      <m:sup>
+                        <m:r>
+                          <a:rPr lang="en-US" altLang="ko-KR" sz="2000" b="0" i="1" smtClean="0">
+                            <a:latin typeface="Cambria Math" panose="02040503050406030204" pitchFamily="18" charset="0"/>
+                          </a:rPr>
+                          <m:t>9.5</m:t>
+                        </m:r>
+                      </m:sup>
+                      <m:e>
+                        <m:nary>
+                          <m:naryPr>
+                            <m:ctrlPr>
+                              <a:rPr lang="en-US" altLang="ko-KR" sz="2000" i="1">
+                                <a:latin typeface="Cambria Math" panose="02040503050406030204" pitchFamily="18" charset="0"/>
+                                <a:ea typeface="Cambria Math" panose="02040503050406030204" pitchFamily="18" charset="0"/>
+                              </a:rPr>
+                            </m:ctrlPr>
+                          </m:naryPr>
+                          <m:sub>
+                            <m:r>
+                              <a:rPr lang="en-US" altLang="ko-KR" sz="2000" b="0" i="1" smtClean="0">
+                                <a:latin typeface="Cambria Math" panose="02040503050406030204" pitchFamily="18" charset="0"/>
+                              </a:rPr>
+                              <m:t>0</m:t>
+                            </m:r>
+                          </m:sub>
+                          <m:sup>
+                            <m:r>
+                              <a:rPr lang="en-US" altLang="ko-KR" sz="2000" i="1">
+                                <a:latin typeface="Cambria Math" panose="02040503050406030204" pitchFamily="18" charset="0"/>
+                              </a:rPr>
+                              <m:t>9.5</m:t>
+                            </m:r>
+                            <m:r>
+                              <a:rPr lang="en-US" altLang="ko-KR" sz="2000" b="0" i="1" smtClean="0">
+                                <a:latin typeface="Cambria Math" panose="02040503050406030204" pitchFamily="18" charset="0"/>
+                              </a:rPr>
+                              <m:t>−</m:t>
+                            </m:r>
+                            <m:sSub>
+                              <m:sSubPr>
+                                <m:ctrlPr>
+                                  <a:rPr lang="ko-KR" altLang="en-US" sz="2000" i="1">
+                                    <a:latin typeface="Cambria Math" panose="02040503050406030204" pitchFamily="18" charset="0"/>
+                                  </a:rPr>
+                                </m:ctrlPr>
+                              </m:sSubPr>
+                              <m:e>
+                                <m:r>
+                                  <a:rPr lang="en-US" altLang="ko-KR" sz="2000" i="1">
+                                    <a:latin typeface="Cambria Math" panose="02040503050406030204" pitchFamily="18" charset="0"/>
+                                  </a:rPr>
+                                  <m:t>𝑥</m:t>
+                                </m:r>
+                              </m:e>
+                              <m:sub>
+                                <m:r>
+                                  <a:rPr lang="en-US" altLang="ko-KR" sz="2000" i="1">
+                                    <a:latin typeface="Cambria Math" panose="02040503050406030204" pitchFamily="18" charset="0"/>
+                                  </a:rPr>
+                                  <m:t>2</m:t>
+                                </m:r>
+                              </m:sub>
+                            </m:sSub>
+                          </m:sup>
+                          <m:e>
+                            <m:f>
+                              <m:fPr>
+                                <m:ctrlPr>
+                                  <a:rPr lang="en-US" altLang="ko-KR" sz="2000" i="1" dirty="0">
+                                    <a:latin typeface="Cambria Math" panose="02040503050406030204" pitchFamily="18" charset="0"/>
+                                  </a:rPr>
+                                </m:ctrlPr>
+                              </m:fPr>
+                              <m:num>
+                                <m:r>
+                                  <a:rPr lang="en-US" altLang="ko-KR" sz="2000" dirty="0">
+                                    <a:latin typeface="Cambria Math" panose="02040503050406030204" pitchFamily="18" charset="0"/>
+                                  </a:rPr>
+                                  <m:t>1</m:t>
+                                </m:r>
+                              </m:num>
+                              <m:den>
+                                <m:sSup>
+                                  <m:sSupPr>
+                                    <m:ctrlPr>
+                                      <a:rPr lang="en-US" altLang="ko-KR" sz="2000" i="1" dirty="0" smtClean="0">
+                                        <a:latin typeface="Cambria Math" panose="02040503050406030204" pitchFamily="18" charset="0"/>
+                                      </a:rPr>
+                                    </m:ctrlPr>
+                                  </m:sSupPr>
+                                  <m:e>
+                                    <m:r>
+                                      <a:rPr lang="en-US" altLang="ko-KR" sz="2000" i="1" dirty="0">
+                                        <a:latin typeface="Cambria Math" panose="02040503050406030204" pitchFamily="18" charset="0"/>
+                                      </a:rPr>
+                                      <m:t>2</m:t>
+                                    </m:r>
+                                  </m:e>
+                                  <m:sup>
+                                    <m:r>
+                                      <a:rPr lang="en-US" altLang="ko-KR" sz="2000" b="0" i="1" dirty="0" smtClean="0">
+                                        <a:latin typeface="Cambria Math" panose="02040503050406030204" pitchFamily="18" charset="0"/>
+                                      </a:rPr>
+                                      <m:t>2</m:t>
+                                    </m:r>
+                                  </m:sup>
+                                </m:sSup>
+                              </m:den>
+                            </m:f>
+                            <m:sSup>
+                              <m:sSupPr>
+                                <m:ctrlPr>
+                                  <a:rPr lang="en-US" altLang="ko-KR" sz="2000" i="1">
+                                    <a:latin typeface="Cambria Math" panose="02040503050406030204" pitchFamily="18" charset="0"/>
+                                  </a:rPr>
+                                </m:ctrlPr>
+                              </m:sSupPr>
+                              <m:e>
+                                <m:r>
+                                  <a:rPr lang="en-US" altLang="ko-KR" sz="2000" i="1">
+                                    <a:latin typeface="Cambria Math" panose="02040503050406030204" pitchFamily="18" charset="0"/>
+                                  </a:rPr>
+                                  <m:t>𝑒</m:t>
+                                </m:r>
+                              </m:e>
+                              <m:sup>
+                                <m:r>
+                                  <a:rPr lang="en-US" altLang="ko-KR" sz="2000" i="1">
+                                    <a:latin typeface="Cambria Math" panose="02040503050406030204" pitchFamily="18" charset="0"/>
+                                  </a:rPr>
+                                  <m:t>−</m:t>
+                                </m:r>
+                                <m:f>
+                                  <m:fPr>
+                                    <m:ctrlPr>
+                                      <a:rPr lang="en-US" altLang="ko-KR" sz="2000" i="1">
+                                        <a:latin typeface="Cambria Math" panose="02040503050406030204" pitchFamily="18" charset="0"/>
+                                      </a:rPr>
+                                    </m:ctrlPr>
+                                  </m:fPr>
+                                  <m:num>
+                                    <m:r>
+                                      <a:rPr lang="en-US" altLang="ko-KR" sz="2000" b="0" i="1" smtClean="0">
+                                        <a:latin typeface="Cambria Math" panose="02040503050406030204" pitchFamily="18" charset="0"/>
+                                      </a:rPr>
+                                      <m:t>−(</m:t>
+                                    </m:r>
+                                    <m:sSub>
+                                      <m:sSubPr>
+                                        <m:ctrlPr>
+                                          <a:rPr lang="ko-KR" altLang="en-US" sz="2000" i="1">
+                                            <a:latin typeface="Cambria Math" panose="02040503050406030204" pitchFamily="18" charset="0"/>
+                                          </a:rPr>
+                                        </m:ctrlPr>
+                                      </m:sSubPr>
+                                      <m:e>
+                                        <m:r>
+                                          <a:rPr lang="en-US" altLang="ko-KR" sz="2000" i="1">
+                                            <a:latin typeface="Cambria Math" panose="02040503050406030204" pitchFamily="18" charset="0"/>
+                                          </a:rPr>
+                                          <m:t>𝑥</m:t>
+                                        </m:r>
+                                      </m:e>
+                                      <m:sub>
+                                        <m:r>
+                                          <a:rPr lang="ko-KR" altLang="en-US" sz="2000" i="1">
+                                            <a:latin typeface="Cambria Math" panose="02040503050406030204" pitchFamily="18" charset="0"/>
+                                          </a:rPr>
+                                          <m:t>1</m:t>
+                                        </m:r>
+                                      </m:sub>
+                                    </m:sSub>
+                                    <m:r>
+                                      <m:rPr>
+                                        <m:nor/>
+                                      </m:rPr>
+                                      <a:rPr lang="en-US" altLang="ko-KR" sz="2000" b="0" i="0" smtClean="0">
+                                        <a:latin typeface="Cambria Math" panose="02040503050406030204" pitchFamily="18" charset="0"/>
+                                      </a:rPr>
+                                      <m:t>−</m:t>
+                                    </m:r>
+                                    <m:sSub>
+                                      <m:sSubPr>
+                                        <m:ctrlPr>
+                                          <a:rPr lang="ko-KR" altLang="en-US" sz="2000" i="1">
+                                            <a:latin typeface="Cambria Math" panose="02040503050406030204" pitchFamily="18" charset="0"/>
+                                          </a:rPr>
+                                        </m:ctrlPr>
+                                      </m:sSubPr>
+                                      <m:e>
+                                        <m:r>
+                                          <a:rPr lang="en-US" altLang="ko-KR" sz="2000" i="1">
+                                            <a:latin typeface="Cambria Math" panose="02040503050406030204" pitchFamily="18" charset="0"/>
+                                          </a:rPr>
+                                          <m:t>𝑥</m:t>
+                                        </m:r>
+                                      </m:e>
+                                      <m:sub>
+                                        <m:r>
+                                          <a:rPr lang="en-US" altLang="ko-KR" sz="2000" i="1">
+                                            <a:latin typeface="Cambria Math" panose="02040503050406030204" pitchFamily="18" charset="0"/>
+                                          </a:rPr>
+                                          <m:t>2</m:t>
+                                        </m:r>
+                                      </m:sub>
+                                    </m:sSub>
+                                    <m:r>
+                                      <a:rPr lang="en-US" altLang="ko-KR" sz="2000" b="0" i="1" smtClean="0">
+                                        <a:latin typeface="Cambria Math" panose="02040503050406030204" pitchFamily="18" charset="0"/>
+                                      </a:rPr>
+                                      <m:t>)</m:t>
+                                    </m:r>
+                                  </m:num>
+                                  <m:den>
+                                    <m:r>
+                                      <a:rPr lang="ko-KR" altLang="en-US" sz="2000" i="1" dirty="0">
+                                        <a:latin typeface="Cambria Math" panose="02040503050406030204" pitchFamily="18" charset="0"/>
+                                      </a:rPr>
+                                      <m:t>𝜃</m:t>
+                                    </m:r>
+                                  </m:den>
+                                </m:f>
+                              </m:sup>
+                            </m:sSup>
+                            <m:r>
+                              <a:rPr lang="en-US" altLang="ko-KR" sz="2000" i="1">
+                                <a:latin typeface="Cambria Math" panose="02040503050406030204" pitchFamily="18" charset="0"/>
+                              </a:rPr>
+                              <m:t>𝑑</m:t>
+                            </m:r>
+                            <m:sSub>
+                              <m:sSubPr>
+                                <m:ctrlPr>
+                                  <a:rPr lang="ko-KR" altLang="en-US" sz="2000" i="1">
+                                    <a:latin typeface="Cambria Math" panose="02040503050406030204" pitchFamily="18" charset="0"/>
+                                  </a:rPr>
+                                </m:ctrlPr>
+                              </m:sSubPr>
+                              <m:e>
+                                <m:r>
+                                  <a:rPr lang="en-US" altLang="ko-KR" sz="2000" b="0" i="1" smtClean="0">
+                                    <a:latin typeface="Cambria Math" panose="02040503050406030204" pitchFamily="18" charset="0"/>
+                                  </a:rPr>
+                                  <m:t>𝑥</m:t>
+                                </m:r>
+                              </m:e>
+                              <m:sub>
+                                <m:r>
+                                  <a:rPr lang="ko-KR" altLang="en-US" sz="2000" i="1">
+                                    <a:latin typeface="Cambria Math" panose="02040503050406030204" pitchFamily="18" charset="0"/>
+                                  </a:rPr>
+                                  <m:t>1</m:t>
+                                </m:r>
+                              </m:sub>
+                            </m:sSub>
+                            <m:r>
+                              <a:rPr lang="en-US" altLang="ko-KR" sz="2000" i="1">
+                                <a:latin typeface="Cambria Math" panose="02040503050406030204" pitchFamily="18" charset="0"/>
+                              </a:rPr>
+                              <m:t>𝑑</m:t>
+                            </m:r>
+                            <m:sSub>
+                              <m:sSubPr>
+                                <m:ctrlPr>
+                                  <a:rPr lang="ko-KR" altLang="en-US" sz="2000" i="1">
+                                    <a:latin typeface="Cambria Math" panose="02040503050406030204" pitchFamily="18" charset="0"/>
+                                  </a:rPr>
+                                </m:ctrlPr>
+                              </m:sSubPr>
+                              <m:e>
+                                <m:r>
+                                  <a:rPr lang="en-US" altLang="ko-KR" sz="2000" i="1">
+                                    <a:latin typeface="Cambria Math" panose="02040503050406030204" pitchFamily="18" charset="0"/>
+                                  </a:rPr>
+                                  <m:t>𝑥</m:t>
+                                </m:r>
+                              </m:e>
+                              <m:sub>
+                                <m:r>
+                                  <a:rPr lang="en-US" altLang="ko-KR" sz="2000" b="0" i="1" smtClean="0">
+                                    <a:latin typeface="Cambria Math" panose="02040503050406030204" pitchFamily="18" charset="0"/>
+                                  </a:rPr>
+                                  <m:t>2</m:t>
+                                </m:r>
+                              </m:sub>
+                            </m:sSub>
+                          </m:e>
+                        </m:nary>
+                      </m:e>
+                    </m:nary>
+                  </m:oMath>
+                </a14:m>
+                <a:r>
+                  <a:rPr lang="en-US" altLang="ko-KR" sz="2000" dirty="0"/>
+                  <a:t> = 0.9562</a:t>
+                </a:r>
+              </a:p>
+              <a:p>
+                <a:pPr marL="457200" indent="-457200">
+                  <a:buFont typeface="Arial" panose="020B0604020202020204" pitchFamily="34" charset="0"/>
+                  <a:buAutoNum type="arabicParenR"/>
+                </a:pPr>
+                <a:r>
+                  <a:rPr lang="ko-KR" altLang="en-US" sz="2000" dirty="0"/>
+                  <a:t>한편 </a:t>
+                </a:r>
+                <a14:m>
+                  <m:oMath xmlns:m="http://schemas.openxmlformats.org/officeDocument/2006/math">
+                    <m:sSub>
+                      <m:sSubPr>
+                        <m:ctrlPr>
+                          <a:rPr lang="en-US" altLang="ko-KR" sz="2000" i="1" dirty="0">
+                            <a:latin typeface="Cambria Math" panose="02040503050406030204" pitchFamily="18" charset="0"/>
+                          </a:rPr>
+                        </m:ctrlPr>
+                      </m:sSubPr>
+                      <m:e>
+                        <m:r>
+                          <a:rPr lang="en-US" altLang="ko-KR" sz="2000" i="1" dirty="0">
+                            <a:latin typeface="Cambria Math" panose="02040503050406030204" pitchFamily="18" charset="0"/>
+                          </a:rPr>
+                          <m:t>𝑃</m:t>
+                        </m:r>
+                      </m:e>
+                      <m:sub>
+                        <m:r>
+                          <a:rPr lang="ko-KR" altLang="en-US" sz="2000" i="1" dirty="0">
+                            <a:latin typeface="Cambria Math" panose="02040503050406030204" pitchFamily="18" charset="0"/>
+                          </a:rPr>
+                          <m:t>𝜃</m:t>
+                        </m:r>
+                        <m:r>
+                          <a:rPr lang="en-US" altLang="ko-KR" sz="2000" b="0" i="0" dirty="0" smtClean="0">
+                            <a:latin typeface="Cambria Math" panose="02040503050406030204" pitchFamily="18" charset="0"/>
+                          </a:rPr>
+                          <m:t>&gt;</m:t>
+                        </m:r>
+                        <m:r>
+                          <a:rPr lang="en-US" altLang="ko-KR" sz="2000" dirty="0">
+                            <a:latin typeface="Cambria Math" panose="02040503050406030204" pitchFamily="18" charset="0"/>
+                          </a:rPr>
+                          <m:t>2</m:t>
+                        </m:r>
+                      </m:sub>
+                    </m:sSub>
+                    <m:d>
+                      <m:dPr>
+                        <m:begChr m:val="["/>
+                        <m:endChr m:val="]"/>
+                        <m:ctrlPr>
+                          <a:rPr lang="en-US" altLang="ko-KR" sz="2000" i="1" dirty="0">
+                            <a:latin typeface="Cambria Math" panose="02040503050406030204" pitchFamily="18" charset="0"/>
+                          </a:rPr>
+                        </m:ctrlPr>
+                      </m:dPr>
+                      <m:e>
+                        <m:r>
+                          <a:rPr lang="en-US" altLang="ko-KR" sz="2000" i="1" dirty="0">
+                            <a:latin typeface="Cambria Math" panose="02040503050406030204" pitchFamily="18" charset="0"/>
+                          </a:rPr>
+                          <m:t>𝑋</m:t>
+                        </m:r>
+                        <m:r>
+                          <a:rPr lang="ko-KR" altLang="en-US" sz="2000" i="1">
+                            <a:latin typeface="Cambria Math" panose="02040503050406030204" pitchFamily="18" charset="0"/>
+                          </a:rPr>
+                          <m:t>∈</m:t>
+                        </m:r>
+                        <m:r>
+                          <a:rPr lang="en-US" altLang="ko-KR" sz="2000" i="1">
+                            <a:latin typeface="Cambria Math" panose="02040503050406030204" pitchFamily="18" charset="0"/>
+                          </a:rPr>
+                          <m:t>𝐶</m:t>
+                        </m:r>
+                      </m:e>
+                    </m:d>
+                  </m:oMath>
+                </a14:m>
+                <a:r>
+                  <a:rPr lang="ko-KR" altLang="en-US" sz="2000" dirty="0"/>
+                  <a:t> 는 </a:t>
+                </a:r>
+                <a14:m>
+                  <m:oMath xmlns:m="http://schemas.openxmlformats.org/officeDocument/2006/math">
+                    <m:r>
+                      <a:rPr lang="ko-KR" altLang="en-US" sz="2000" i="1" dirty="0">
+                        <a:latin typeface="Cambria Math" panose="02040503050406030204" pitchFamily="18" charset="0"/>
+                      </a:rPr>
+                      <m:t>𝜃</m:t>
+                    </m:r>
+                    <m:r>
+                      <a:rPr lang="en-US" altLang="ko-KR" sz="2000" dirty="0">
+                        <a:latin typeface="Cambria Math" panose="02040503050406030204" pitchFamily="18" charset="0"/>
+                      </a:rPr>
+                      <m:t>=2</m:t>
+                    </m:r>
+                  </m:oMath>
+                </a14:m>
+                <a:r>
+                  <a:rPr lang="ko-KR" altLang="en-US" sz="2000" dirty="0"/>
+                  <a:t>를 제외한 모든 경우이므로 </a:t>
+                </a:r>
+                <a:r>
+                  <a:rPr lang="en-US" altLang="ko-KR" sz="2000" dirty="0"/>
+                  <a:t>1 – 0.9562 =0.0438</a:t>
+                </a:r>
+                <a:endParaRPr lang="ko-KR" altLang="en-US" sz="2000" dirty="0"/>
+              </a:p>
+            </p:txBody>
+          </p:sp>
+        </mc:Choice>
+        <mc:Fallback xmlns="">
+          <p:sp>
+            <p:nvSpPr>
+              <p:cNvPr id="3" name="내용 개체 틀 2">
+                <a:extLst>
+                  <a:ext uri="{FF2B5EF4-FFF2-40B4-BE49-F238E27FC236}">
+                    <a16:creationId xmlns:a16="http://schemas.microsoft.com/office/drawing/2014/main" id="{0A55A7CF-CFA2-415D-9A88-9589E9B92620}"/>
+                  </a:ext>
+                </a:extLst>
+              </p:cNvPr>
+              <p:cNvSpPr>
+                <a:spLocks noGrp="1" noRot="1" noChangeAspect="1" noMove="1" noResize="1" noEditPoints="1" noAdjustHandles="1" noChangeArrowheads="1" noChangeShapeType="1" noTextEdit="1"/>
+              </p:cNvSpPr>
+              <p:nvPr>
+                <p:ph idx="1"/>
+              </p:nvPr>
+            </p:nvSpPr>
+            <p:spPr>
+              <a:blipFill>
+                <a:blip r:embed="rId2"/>
+                <a:stretch>
+                  <a:fillRect l="-812" t="-280"/>
+                </a:stretch>
+              </a:blipFill>
+            </p:spPr>
+            <p:txBody>
+              <a:bodyPr/>
+              <a:lstStyle/>
+              <a:p>
+                <a:r>
+                  <a:rPr lang="ko-KR" altLang="en-US">
+                    <a:noFill/>
+                  </a:rPr>
+                  <a:t> </a:t>
+                </a:r>
+              </a:p>
+            </p:txBody>
+          </p:sp>
+        </mc:Fallback>
+      </mc:AlternateContent>
+    </p:spTree>
+    <p:extLst>
+      <p:ext uri="{BB962C8B-B14F-4D97-AF65-F5344CB8AC3E}">
+        <p14:creationId xmlns:p14="http://schemas.microsoft.com/office/powerpoint/2010/main" val="928728733"/>
+      </p:ext>
+    </p:extLst>
+  </p:cSld>
+  <p:clrMapOvr>
+    <a:masterClrMapping/>
+  </p:clrMapOvr>
+</p:sld>
+</file>
+
+<file path=ppt/slides/slide7.xml><?xml version="1.0" encoding="utf-8"?>
+<p:sld xmlns:a="http://schemas.openxmlformats.org/drawingml/2006/main" xmlns:r="http://schemas.openxmlformats.org/officeDocument/2006/relationships" xmlns:p="http://schemas.openxmlformats.org/presentationml/2006/main">
+  <p:cSld>
+    <p:spTree>
+      <p:nvGrpSpPr>
+        <p:cNvPr id="1" name=""/>
+        <p:cNvGrpSpPr/>
+        <p:nvPr/>
+      </p:nvGrpSpPr>
+      <p:grpSpPr>
+        <a:xfrm>
+          <a:off x="0" y="0"/>
+          <a:ext cx="0" cy="0"/>
+          <a:chOff x="0" y="0"/>
+          <a:chExt cx="0" cy="0"/>
+        </a:xfrm>
+      </p:grpSpPr>
+      <p:sp>
+        <p:nvSpPr>
+          <p:cNvPr id="2" name="제목 1">
+            <a:extLst>
+              <a:ext uri="{FF2B5EF4-FFF2-40B4-BE49-F238E27FC236}">
+                <a16:creationId xmlns:a16="http://schemas.microsoft.com/office/drawing/2014/main" id="{4BC294F5-A7B6-4DF4-9DDD-73C67518AFC8}"/>
+              </a:ext>
+            </a:extLst>
+          </p:cNvPr>
+          <p:cNvSpPr>
+            <a:spLocks noGrp="1"/>
+          </p:cNvSpPr>
+          <p:nvPr>
+            <p:ph type="title"/>
+          </p:nvPr>
+        </p:nvSpPr>
+        <p:spPr/>
+        <p:txBody>
+          <a:bodyPr/>
+          <a:lstStyle/>
+          <a:p>
+            <a:r>
+              <a:rPr lang="ko-KR" altLang="en-US" dirty="0"/>
+              <a:t>예제</a:t>
+            </a:r>
+          </a:p>
+        </p:txBody>
+      </p:sp>
+      <mc:AlternateContent xmlns:mc="http://schemas.openxmlformats.org/markup-compatibility/2006">
+        <mc:Choice xmlns:a14="http://schemas.microsoft.com/office/drawing/2010/main" Requires="a14">
+          <p:sp>
+            <p:nvSpPr>
+              <p:cNvPr id="3" name="내용 개체 틀 2">
+                <a:extLst>
+                  <a:ext uri="{FF2B5EF4-FFF2-40B4-BE49-F238E27FC236}">
+                    <a16:creationId xmlns:a16="http://schemas.microsoft.com/office/drawing/2014/main" id="{0A55A7CF-CFA2-415D-9A88-9589E9B92620}"/>
+                  </a:ext>
+                </a:extLst>
+              </p:cNvPr>
+              <p:cNvSpPr>
+                <a:spLocks noGrp="1"/>
+              </p:cNvSpPr>
+              <p:nvPr>
+                <p:ph idx="1"/>
+              </p:nvPr>
+            </p:nvSpPr>
+            <p:spPr/>
+            <p:txBody>
+              <a:bodyPr>
+                <a:normAutofit fontScale="85000" lnSpcReduction="20000"/>
+              </a:bodyPr>
+              <a:lstStyle/>
+              <a:p>
+                <a:r>
+                  <a:rPr lang="ko-KR" altLang="en-US" sz="2000" dirty="0"/>
+                  <a:t>우도비와 </a:t>
+                </a:r>
+                <a:r>
+                  <a:rPr lang="ko-KR" altLang="en-US" sz="2000" dirty="0" err="1"/>
+                  <a:t>최량기각역</a:t>
+                </a:r>
+                <a:endParaRPr lang="en-US" altLang="ko-KR" sz="2000" dirty="0"/>
+              </a:p>
+              <a:p>
+                <a:pPr marL="457200" indent="-457200">
+                  <a:buAutoNum type="arabicPeriod"/>
+                </a:pPr>
+                <a14:m>
+                  <m:oMath xmlns:m="http://schemas.openxmlformats.org/officeDocument/2006/math">
+                    <m:sSub>
+                      <m:sSubPr>
+                        <m:ctrlPr>
+                          <a:rPr lang="ko-KR" altLang="en-US" sz="2000" i="1">
+                            <a:latin typeface="Cambria Math" panose="02040503050406030204" pitchFamily="18" charset="0"/>
+                          </a:rPr>
+                        </m:ctrlPr>
+                      </m:sSubPr>
+                      <m:e>
+                        <m:r>
+                          <a:rPr lang="en-US" altLang="ko-KR" sz="2000" i="1">
+                            <a:latin typeface="Cambria Math" panose="02040503050406030204" pitchFamily="18" charset="0"/>
+                          </a:rPr>
+                          <m:t>𝑋</m:t>
+                        </m:r>
+                      </m:e>
+                      <m:sub>
+                        <m:r>
+                          <a:rPr lang="ko-KR" altLang="en-US" sz="2000" i="1">
+                            <a:latin typeface="Cambria Math" panose="02040503050406030204" pitchFamily="18" charset="0"/>
+                          </a:rPr>
+                          <m:t>1</m:t>
+                        </m:r>
+                      </m:sub>
+                    </m:sSub>
+                    <m:r>
+                      <a:rPr lang="ko-KR" altLang="en-US" sz="2000" i="1">
+                        <a:latin typeface="Cambria Math" panose="02040503050406030204" pitchFamily="18" charset="0"/>
+                      </a:rPr>
+                      <m:t>,</m:t>
+                    </m:r>
+                    <m:r>
+                      <a:rPr lang="en-US" altLang="ko-KR" sz="2000" i="1">
+                        <a:latin typeface="Cambria Math" panose="02040503050406030204" pitchFamily="18" charset="0"/>
+                      </a:rPr>
+                      <m:t>…,</m:t>
+                    </m:r>
+                    <m:sSub>
+                      <m:sSubPr>
+                        <m:ctrlPr>
+                          <a:rPr lang="ko-KR" altLang="en-US" sz="2000" i="1">
+                            <a:latin typeface="Cambria Math" panose="02040503050406030204" pitchFamily="18" charset="0"/>
+                          </a:rPr>
+                        </m:ctrlPr>
+                      </m:sSubPr>
+                      <m:e>
+                        <m:r>
+                          <a:rPr lang="en-US" altLang="ko-KR" sz="2000" i="1">
+                            <a:latin typeface="Cambria Math" panose="02040503050406030204" pitchFamily="18" charset="0"/>
+                          </a:rPr>
+                          <m:t>𝑋</m:t>
+                        </m:r>
+                      </m:e>
+                      <m:sub>
+                        <m:r>
+                          <a:rPr lang="en-US" altLang="ko-KR" sz="2000" i="1">
+                            <a:latin typeface="Cambria Math" panose="02040503050406030204" pitchFamily="18" charset="0"/>
+                          </a:rPr>
+                          <m:t>𝑛</m:t>
+                        </m:r>
+                      </m:sub>
+                    </m:sSub>
+                  </m:oMath>
+                </a14:m>
+                <a:r>
+                  <a:rPr lang="ko-KR" altLang="en-US" sz="2000" dirty="0"/>
+                  <a:t> </a:t>
+                </a:r>
+                <a:r>
+                  <a:rPr lang="en-US" altLang="ko-KR" sz="2000" dirty="0"/>
+                  <a:t>~ N(0,</a:t>
+                </a:r>
+                <a:r>
+                  <a:rPr lang="ko-KR" altLang="en-US" sz="2000" dirty="0"/>
+                  <a:t> </a:t>
+                </a:r>
+                <a14:m>
+                  <m:oMath xmlns:m="http://schemas.openxmlformats.org/officeDocument/2006/math">
+                    <m:r>
+                      <a:rPr lang="ko-KR" altLang="en-US" sz="2000" i="1" dirty="0">
+                        <a:latin typeface="Cambria Math" panose="02040503050406030204" pitchFamily="18" charset="0"/>
+                      </a:rPr>
+                      <m:t>𝜃</m:t>
+                    </m:r>
+                  </m:oMath>
+                </a14:m>
+                <a:r>
+                  <a:rPr lang="en-US" altLang="ko-KR" sz="2000" dirty="0"/>
+                  <a:t>) </a:t>
+                </a:r>
+                <a:r>
+                  <a:rPr lang="ko-KR" altLang="en-US" sz="2000" dirty="0"/>
+                  <a:t>에서 추출한 확률표본이라고 하자</a:t>
+                </a:r>
+                <a:r>
+                  <a:rPr lang="en-US" altLang="ko-KR" sz="2000" dirty="0"/>
+                  <a:t>.</a:t>
+                </a:r>
+              </a:p>
+              <a:p>
+                <a:pPr marL="457200" indent="-457200">
+                  <a:buAutoNum type="arabicParenR"/>
+                </a:pPr>
+                <a:r>
+                  <a:rPr lang="ko-KR" altLang="en-US" sz="2000" dirty="0"/>
+                  <a:t>가설 </a:t>
+                </a:r>
+                <a14:m>
+                  <m:oMath xmlns:m="http://schemas.openxmlformats.org/officeDocument/2006/math">
+                    <m:sSub>
+                      <m:sSubPr>
+                        <m:ctrlPr>
+                          <a:rPr lang="ko-KR" altLang="en-US" sz="2000" i="1">
+                            <a:latin typeface="Cambria Math" panose="02040503050406030204" pitchFamily="18" charset="0"/>
+                          </a:rPr>
+                        </m:ctrlPr>
+                      </m:sSubPr>
+                      <m:e>
+                        <m:r>
+                          <a:rPr lang="en-US" altLang="ko-KR" sz="2000" i="1">
+                            <a:latin typeface="Cambria Math" panose="02040503050406030204" pitchFamily="18" charset="0"/>
+                          </a:rPr>
+                          <m:t>𝐻</m:t>
+                        </m:r>
+                      </m:e>
+                      <m:sub>
+                        <m:r>
+                          <a:rPr lang="en-US" altLang="ko-KR" sz="2000" i="1">
+                            <a:latin typeface="Cambria Math" panose="02040503050406030204" pitchFamily="18" charset="0"/>
+                          </a:rPr>
+                          <m:t>0</m:t>
+                        </m:r>
+                      </m:sub>
+                    </m:sSub>
+                  </m:oMath>
+                </a14:m>
+                <a:r>
+                  <a:rPr lang="en-US" altLang="ko-KR" sz="2000" dirty="0"/>
+                  <a:t> : </a:t>
+                </a:r>
+                <a14:m>
+                  <m:oMath xmlns:m="http://schemas.openxmlformats.org/officeDocument/2006/math">
+                    <m:r>
+                      <a:rPr lang="ko-KR" altLang="en-US" sz="2000" i="1" dirty="0">
+                        <a:latin typeface="Cambria Math" panose="02040503050406030204" pitchFamily="18" charset="0"/>
+                      </a:rPr>
+                      <m:t>𝜃</m:t>
+                    </m:r>
+                  </m:oMath>
+                </a14:m>
+                <a:r>
+                  <a:rPr lang="en-US" altLang="ko-KR" sz="2000" dirty="0"/>
+                  <a:t>=</a:t>
+                </a:r>
+                <a14:m>
+                  <m:oMath xmlns:m="http://schemas.openxmlformats.org/officeDocument/2006/math">
+                    <m:sSub>
+                      <m:sSubPr>
+                        <m:ctrlPr>
+                          <a:rPr lang="ko-KR" altLang="en-US" sz="2000" i="1">
+                            <a:latin typeface="Cambria Math" panose="02040503050406030204" pitchFamily="18" charset="0"/>
+                          </a:rPr>
+                        </m:ctrlPr>
+                      </m:sSubPr>
+                      <m:e>
+                        <m:r>
+                          <a:rPr lang="ko-KR" altLang="en-US" sz="2000" i="1" dirty="0">
+                            <a:latin typeface="Cambria Math" panose="02040503050406030204" pitchFamily="18" charset="0"/>
+                          </a:rPr>
+                          <m:t>𝜃</m:t>
+                        </m:r>
+                      </m:e>
+                      <m:sub>
+                        <m:r>
+                          <a:rPr lang="en-US" altLang="ko-KR" sz="2000" i="1">
+                            <a:latin typeface="Cambria Math" panose="02040503050406030204" pitchFamily="18" charset="0"/>
+                          </a:rPr>
+                          <m:t>0</m:t>
+                        </m:r>
+                      </m:sub>
+                    </m:sSub>
+                  </m:oMath>
+                </a14:m>
+                <a:r>
+                  <a:rPr lang="en-US" altLang="ko-KR" sz="2000" dirty="0"/>
+                  <a:t> VS </a:t>
+                </a:r>
+                <a14:m>
+                  <m:oMath xmlns:m="http://schemas.openxmlformats.org/officeDocument/2006/math">
+                    <m:sSub>
+                      <m:sSubPr>
+                        <m:ctrlPr>
+                          <a:rPr lang="ko-KR" altLang="en-US" sz="2000" i="1">
+                            <a:latin typeface="Cambria Math" panose="02040503050406030204" pitchFamily="18" charset="0"/>
+                          </a:rPr>
+                        </m:ctrlPr>
+                      </m:sSubPr>
+                      <m:e>
+                        <m:r>
+                          <a:rPr lang="en-US" altLang="ko-KR" sz="2000" i="1">
+                            <a:latin typeface="Cambria Math" panose="02040503050406030204" pitchFamily="18" charset="0"/>
+                          </a:rPr>
+                          <m:t>𝐻</m:t>
+                        </m:r>
+                      </m:e>
+                      <m:sub>
+                        <m:r>
+                          <a:rPr lang="en-US" altLang="ko-KR" sz="2000" i="1">
+                            <a:latin typeface="Cambria Math" panose="02040503050406030204" pitchFamily="18" charset="0"/>
+                          </a:rPr>
+                          <m:t>1</m:t>
+                        </m:r>
+                      </m:sub>
+                    </m:sSub>
+                  </m:oMath>
+                </a14:m>
+                <a:r>
+                  <a:rPr lang="en-US" altLang="ko-KR" sz="2000" dirty="0"/>
+                  <a:t> : </a:t>
+                </a:r>
+                <a14:m>
+                  <m:oMath xmlns:m="http://schemas.openxmlformats.org/officeDocument/2006/math">
+                    <m:r>
+                      <a:rPr lang="ko-KR" altLang="en-US" sz="2000" i="1" dirty="0">
+                        <a:latin typeface="Cambria Math" panose="02040503050406030204" pitchFamily="18" charset="0"/>
+                      </a:rPr>
+                      <m:t>𝜃</m:t>
+                    </m:r>
+                    <m:r>
+                      <a:rPr lang="en-US" altLang="ko-KR" sz="2000" b="0" i="0" dirty="0" smtClean="0">
+                        <a:latin typeface="Cambria Math" panose="02040503050406030204" pitchFamily="18" charset="0"/>
+                      </a:rPr>
+                      <m:t>&gt;</m:t>
+                    </m:r>
+                    <m:sSub>
+                      <m:sSubPr>
+                        <m:ctrlPr>
+                          <a:rPr lang="ko-KR" altLang="en-US" sz="2000" i="1">
+                            <a:latin typeface="Cambria Math" panose="02040503050406030204" pitchFamily="18" charset="0"/>
+                          </a:rPr>
+                        </m:ctrlPr>
+                      </m:sSubPr>
+                      <m:e>
+                        <m:r>
+                          <a:rPr lang="ko-KR" altLang="en-US" sz="2000" i="1" dirty="0">
+                            <a:latin typeface="Cambria Math" panose="02040503050406030204" pitchFamily="18" charset="0"/>
+                          </a:rPr>
+                          <m:t>𝜃</m:t>
+                        </m:r>
+                      </m:e>
+                      <m:sub>
+                        <m:r>
+                          <a:rPr lang="en-US" altLang="ko-KR" sz="2000" i="1" dirty="0">
+                            <a:latin typeface="Cambria Math" panose="02040503050406030204" pitchFamily="18" charset="0"/>
+                          </a:rPr>
+                          <m:t>0</m:t>
+                        </m:r>
+                      </m:sub>
+                    </m:sSub>
+                  </m:oMath>
+                </a14:m>
+                <a:r>
+                  <a:rPr lang="ko-KR" altLang="en-US" sz="2000" dirty="0"/>
+                  <a:t>을 검정하면</a:t>
+                </a:r>
+                <a:endParaRPr lang="en-US" altLang="ko-KR" sz="2000" dirty="0"/>
+              </a:p>
+              <a:p>
+                <a:pPr marL="457200" indent="-457200">
+                  <a:buAutoNum type="arabicParenR"/>
+                </a:pPr>
+                <a:r>
+                  <a:rPr lang="ko-KR" altLang="en-US" sz="2000" dirty="0" err="1"/>
+                  <a:t>우도비</a:t>
+                </a:r>
+                <a:r>
+                  <a:rPr lang="ko-KR" altLang="en-US" sz="2000" dirty="0"/>
+                  <a:t> </a:t>
+                </a:r>
+                <a14:m>
+                  <m:oMath xmlns:m="http://schemas.openxmlformats.org/officeDocument/2006/math">
+                    <m:f>
+                      <m:fPr>
+                        <m:ctrlPr>
+                          <a:rPr lang="en-US" altLang="ko-KR" sz="2000" i="1">
+                            <a:latin typeface="Cambria Math" panose="02040503050406030204" pitchFamily="18" charset="0"/>
+                          </a:rPr>
+                        </m:ctrlPr>
+                      </m:fPr>
+                      <m:num>
+                        <m:r>
+                          <m:rPr>
+                            <m:sty m:val="p"/>
+                          </m:rPr>
+                          <a:rPr lang="en-US" altLang="ko-KR" sz="2000" i="1" dirty="0">
+                            <a:latin typeface="Cambria Math" panose="02040503050406030204" pitchFamily="18" charset="0"/>
+                          </a:rPr>
+                          <m:t>L</m:t>
+                        </m:r>
+                        <m:d>
+                          <m:dPr>
+                            <m:ctrlPr>
+                              <a:rPr lang="en-US" altLang="ko-KR" sz="2000" i="1" dirty="0">
+                                <a:latin typeface="Cambria Math" panose="02040503050406030204" pitchFamily="18" charset="0"/>
+                              </a:rPr>
+                            </m:ctrlPr>
+                          </m:dPr>
+                          <m:e>
+                            <m:sSub>
+                              <m:sSubPr>
+                                <m:ctrlPr>
+                                  <a:rPr lang="ko-KR" altLang="en-US" sz="2000" i="1">
+                                    <a:latin typeface="Cambria Math" panose="02040503050406030204" pitchFamily="18" charset="0"/>
+                                  </a:rPr>
+                                </m:ctrlPr>
+                              </m:sSubPr>
+                              <m:e>
+                                <m:r>
+                                  <a:rPr lang="ko-KR" altLang="en-US" sz="2000" i="1" dirty="0">
+                                    <a:latin typeface="Cambria Math" panose="02040503050406030204" pitchFamily="18" charset="0"/>
+                                  </a:rPr>
+                                  <m:t>𝜃</m:t>
+                                </m:r>
+                              </m:e>
+                              <m:sub>
+                                <m:r>
+                                  <a:rPr lang="en-US" altLang="ko-KR" sz="2000" i="1">
+                                    <a:latin typeface="Cambria Math" panose="02040503050406030204" pitchFamily="18" charset="0"/>
+                                  </a:rPr>
+                                  <m:t>0</m:t>
+                                </m:r>
+                              </m:sub>
+                            </m:sSub>
+                            <m:r>
+                              <a:rPr lang="en-US" altLang="ko-KR" sz="2000" i="1" dirty="0">
+                                <a:latin typeface="Cambria Math" panose="02040503050406030204" pitchFamily="18" charset="0"/>
+                              </a:rPr>
+                              <m:t>;</m:t>
+                            </m:r>
+                            <m:sSub>
+                              <m:sSubPr>
+                                <m:ctrlPr>
+                                  <a:rPr lang="ko-KR" altLang="en-US" sz="2000" i="1">
+                                    <a:latin typeface="Cambria Math" panose="02040503050406030204" pitchFamily="18" charset="0"/>
+                                  </a:rPr>
+                                </m:ctrlPr>
+                              </m:sSubPr>
+                              <m:e>
+                                <m:r>
+                                  <a:rPr lang="en-US" altLang="ko-KR" sz="2000" i="1">
+                                    <a:latin typeface="Cambria Math" panose="02040503050406030204" pitchFamily="18" charset="0"/>
+                                  </a:rPr>
+                                  <m:t>𝑋</m:t>
+                                </m:r>
+                              </m:e>
+                              <m:sub>
+                                <m:r>
+                                  <a:rPr lang="ko-KR" altLang="en-US" sz="2000" i="1">
+                                    <a:latin typeface="Cambria Math" panose="02040503050406030204" pitchFamily="18" charset="0"/>
+                                  </a:rPr>
+                                  <m:t>1</m:t>
+                                </m:r>
+                              </m:sub>
+                            </m:sSub>
+                            <m:r>
+                              <a:rPr lang="ko-KR" altLang="en-US" sz="2000" i="1">
+                                <a:latin typeface="Cambria Math" panose="02040503050406030204" pitchFamily="18" charset="0"/>
+                              </a:rPr>
+                              <m:t>,</m:t>
+                            </m:r>
+                            <m:r>
+                              <a:rPr lang="en-US" altLang="ko-KR" sz="2000" i="1">
+                                <a:latin typeface="Cambria Math" panose="02040503050406030204" pitchFamily="18" charset="0"/>
+                              </a:rPr>
+                              <m:t>…,</m:t>
+                            </m:r>
+                            <m:sSub>
+                              <m:sSubPr>
+                                <m:ctrlPr>
+                                  <a:rPr lang="ko-KR" altLang="en-US" sz="2000" i="1">
+                                    <a:latin typeface="Cambria Math" panose="02040503050406030204" pitchFamily="18" charset="0"/>
+                                  </a:rPr>
+                                </m:ctrlPr>
+                              </m:sSubPr>
+                              <m:e>
+                                <m:r>
+                                  <a:rPr lang="en-US" altLang="ko-KR" sz="2000" i="1">
+                                    <a:latin typeface="Cambria Math" panose="02040503050406030204" pitchFamily="18" charset="0"/>
+                                  </a:rPr>
+                                  <m:t>𝑋</m:t>
+                                </m:r>
+                              </m:e>
+                              <m:sub>
+                                <m:r>
+                                  <a:rPr lang="en-US" altLang="ko-KR" sz="2000" i="1">
+                                    <a:latin typeface="Cambria Math" panose="02040503050406030204" pitchFamily="18" charset="0"/>
+                                  </a:rPr>
+                                  <m:t>𝑛</m:t>
+                                </m:r>
+                              </m:sub>
+                            </m:sSub>
+                          </m:e>
+                        </m:d>
+                      </m:num>
+                      <m:den>
+                        <m:r>
+                          <m:rPr>
+                            <m:sty m:val="p"/>
+                          </m:rPr>
+                          <a:rPr lang="en-US" altLang="ko-KR" sz="2000" i="1" dirty="0">
+                            <a:latin typeface="Cambria Math" panose="02040503050406030204" pitchFamily="18" charset="0"/>
+                          </a:rPr>
+                          <m:t>L</m:t>
+                        </m:r>
+                        <m:d>
+                          <m:dPr>
+                            <m:ctrlPr>
+                              <a:rPr lang="en-US" altLang="ko-KR" sz="2000" i="1" dirty="0">
+                                <a:latin typeface="Cambria Math" panose="02040503050406030204" pitchFamily="18" charset="0"/>
+                              </a:rPr>
+                            </m:ctrlPr>
+                          </m:dPr>
+                          <m:e>
+                            <m:sSub>
+                              <m:sSubPr>
+                                <m:ctrlPr>
+                                  <a:rPr lang="ko-KR" altLang="en-US" sz="2000" i="1">
+                                    <a:latin typeface="Cambria Math" panose="02040503050406030204" pitchFamily="18" charset="0"/>
+                                  </a:rPr>
+                                </m:ctrlPr>
+                              </m:sSubPr>
+                              <m:e>
+                                <m:r>
+                                  <a:rPr lang="ko-KR" altLang="en-US" sz="2000" i="1" dirty="0">
+                                    <a:latin typeface="Cambria Math" panose="02040503050406030204" pitchFamily="18" charset="0"/>
+                                  </a:rPr>
+                                  <m:t>𝜃</m:t>
+                                </m:r>
+                              </m:e>
+                              <m:sub>
+                                <m:r>
+                                  <a:rPr lang="en-US" altLang="ko-KR" sz="2000" i="1" dirty="0">
+                                    <a:latin typeface="Cambria Math" panose="02040503050406030204" pitchFamily="18" charset="0"/>
+                                  </a:rPr>
+                                  <m:t>𝑛</m:t>
+                                </m:r>
+                              </m:sub>
+                            </m:sSub>
+                            <m:r>
+                              <a:rPr lang="en-US" altLang="ko-KR" sz="2000" i="1" dirty="0">
+                                <a:latin typeface="Cambria Math" panose="02040503050406030204" pitchFamily="18" charset="0"/>
+                              </a:rPr>
+                              <m:t>;</m:t>
+                            </m:r>
+                            <m:sSub>
+                              <m:sSubPr>
+                                <m:ctrlPr>
+                                  <a:rPr lang="ko-KR" altLang="en-US" sz="2000" i="1">
+                                    <a:latin typeface="Cambria Math" panose="02040503050406030204" pitchFamily="18" charset="0"/>
+                                  </a:rPr>
+                                </m:ctrlPr>
+                              </m:sSubPr>
+                              <m:e>
+                                <m:r>
+                                  <a:rPr lang="en-US" altLang="ko-KR" sz="2000" i="1">
+                                    <a:latin typeface="Cambria Math" panose="02040503050406030204" pitchFamily="18" charset="0"/>
+                                  </a:rPr>
+                                  <m:t>𝑋</m:t>
+                                </m:r>
+                              </m:e>
+                              <m:sub>
+                                <m:r>
+                                  <a:rPr lang="ko-KR" altLang="en-US" sz="2000" i="1">
+                                    <a:latin typeface="Cambria Math" panose="02040503050406030204" pitchFamily="18" charset="0"/>
+                                  </a:rPr>
+                                  <m:t>1</m:t>
+                                </m:r>
+                              </m:sub>
+                            </m:sSub>
+                            <m:r>
+                              <a:rPr lang="ko-KR" altLang="en-US" sz="2000" i="1">
+                                <a:latin typeface="Cambria Math" panose="02040503050406030204" pitchFamily="18" charset="0"/>
+                              </a:rPr>
+                              <m:t>,</m:t>
+                            </m:r>
+                            <m:r>
+                              <a:rPr lang="en-US" altLang="ko-KR" sz="2000" i="1">
+                                <a:latin typeface="Cambria Math" panose="02040503050406030204" pitchFamily="18" charset="0"/>
+                              </a:rPr>
+                              <m:t>…,</m:t>
+                            </m:r>
+                            <m:sSub>
+                              <m:sSubPr>
+                                <m:ctrlPr>
+                                  <a:rPr lang="ko-KR" altLang="en-US" sz="2000" i="1">
+                                    <a:latin typeface="Cambria Math" panose="02040503050406030204" pitchFamily="18" charset="0"/>
+                                  </a:rPr>
+                                </m:ctrlPr>
+                              </m:sSubPr>
+                              <m:e>
+                                <m:r>
+                                  <a:rPr lang="en-US" altLang="ko-KR" sz="2000" i="1">
+                                    <a:latin typeface="Cambria Math" panose="02040503050406030204" pitchFamily="18" charset="0"/>
+                                  </a:rPr>
+                                  <m:t>𝑋</m:t>
+                                </m:r>
+                              </m:e>
+                              <m:sub>
+                                <m:r>
+                                  <a:rPr lang="en-US" altLang="ko-KR" sz="2000" i="1">
+                                    <a:latin typeface="Cambria Math" panose="02040503050406030204" pitchFamily="18" charset="0"/>
+                                  </a:rPr>
+                                  <m:t>𝑛</m:t>
+                                </m:r>
+                              </m:sub>
+                            </m:sSub>
+                          </m:e>
+                        </m:d>
+                      </m:den>
+                    </m:f>
+                  </m:oMath>
+                </a14:m>
+                <a:r>
+                  <a:rPr lang="en-US" altLang="ko-KR" sz="2000" dirty="0"/>
+                  <a:t> = </a:t>
+                </a:r>
+                <a14:m>
+                  <m:oMath xmlns:m="http://schemas.openxmlformats.org/officeDocument/2006/math">
+                    <m:f>
+                      <m:fPr>
+                        <m:ctrlPr>
+                          <a:rPr lang="en-US" altLang="ko-KR" sz="2000" b="0" i="1" smtClean="0">
+                            <a:latin typeface="Cambria Math" panose="02040503050406030204" pitchFamily="18" charset="0"/>
+                          </a:rPr>
+                        </m:ctrlPr>
+                      </m:fPr>
+                      <m:num>
+                        <m:sSup>
+                          <m:sSupPr>
+                            <m:ctrlPr>
+                              <a:rPr lang="en-US" altLang="ko-KR" sz="2000" i="1" smtClean="0">
+                                <a:latin typeface="Cambria Math" panose="02040503050406030204" pitchFamily="18" charset="0"/>
+                              </a:rPr>
+                            </m:ctrlPr>
+                          </m:sSupPr>
+                          <m:e>
+                            <m:d>
+                              <m:dPr>
+                                <m:begChr m:val="["/>
+                                <m:endChr m:val="]"/>
+                                <m:ctrlPr>
+                                  <a:rPr lang="en-US" altLang="ko-KR" sz="2000" b="0" i="1" smtClean="0">
+                                    <a:latin typeface="Cambria Math" panose="02040503050406030204" pitchFamily="18" charset="0"/>
+                                  </a:rPr>
+                                </m:ctrlPr>
+                              </m:dPr>
+                              <m:e>
+                                <m:f>
+                                  <m:fPr>
+                                    <m:ctrlPr>
+                                      <a:rPr lang="en-US" altLang="ko-KR" sz="2000" i="1">
+                                        <a:latin typeface="Cambria Math" panose="02040503050406030204" pitchFamily="18" charset="0"/>
+                                      </a:rPr>
+                                    </m:ctrlPr>
+                                  </m:fPr>
+                                  <m:num>
+                                    <m:r>
+                                      <a:rPr lang="en-US" altLang="ko-KR" sz="2000" i="1">
+                                        <a:latin typeface="Cambria Math" panose="02040503050406030204" pitchFamily="18" charset="0"/>
+                                      </a:rPr>
+                                      <m:t>1</m:t>
+                                    </m:r>
+                                  </m:num>
+                                  <m:den>
+                                    <m:rad>
+                                      <m:radPr>
+                                        <m:degHide m:val="on"/>
+                                        <m:ctrlPr>
+                                          <a:rPr lang="en-US" altLang="ko-KR" sz="2000" i="1">
+                                            <a:latin typeface="Cambria Math" panose="02040503050406030204" pitchFamily="18" charset="0"/>
+                                          </a:rPr>
+                                        </m:ctrlPr>
+                                      </m:radPr>
+                                      <m:deg/>
+                                      <m:e>
+                                        <m:r>
+                                          <a:rPr lang="en-US" altLang="ko-KR" sz="2000" i="1">
+                                            <a:latin typeface="Cambria Math" panose="02040503050406030204" pitchFamily="18" charset="0"/>
+                                          </a:rPr>
+                                          <m:t>2</m:t>
+                                        </m:r>
+                                        <m:r>
+                                          <a:rPr lang="ko-KR" altLang="en-US" sz="2000" i="1">
+                                            <a:latin typeface="Cambria Math" panose="02040503050406030204" pitchFamily="18" charset="0"/>
+                                          </a:rPr>
+                                          <m:t>𝜋</m:t>
+                                        </m:r>
+                                      </m:e>
+                                    </m:rad>
+                                    <m:sSub>
+                                      <m:sSubPr>
+                                        <m:ctrlPr>
+                                          <a:rPr lang="ko-KR" altLang="en-US" sz="2000" i="1">
+                                            <a:latin typeface="Cambria Math" panose="02040503050406030204" pitchFamily="18" charset="0"/>
+                                          </a:rPr>
+                                        </m:ctrlPr>
+                                      </m:sSubPr>
+                                      <m:e>
+                                        <m:r>
+                                          <a:rPr lang="ko-KR" altLang="en-US" sz="2000" i="1" dirty="0">
+                                            <a:latin typeface="Cambria Math" panose="02040503050406030204" pitchFamily="18" charset="0"/>
+                                          </a:rPr>
+                                          <m:t>𝜃</m:t>
+                                        </m:r>
+                                      </m:e>
+                                      <m:sub>
+                                        <m:r>
+                                          <a:rPr lang="en-US" altLang="ko-KR" sz="2000" i="1">
+                                            <a:latin typeface="Cambria Math" panose="02040503050406030204" pitchFamily="18" charset="0"/>
+                                          </a:rPr>
+                                          <m:t>0</m:t>
+                                        </m:r>
+                                      </m:sub>
+                                    </m:sSub>
+                                  </m:den>
+                                </m:f>
+                              </m:e>
+                            </m:d>
+                          </m:e>
+                          <m:sup>
+                            <m:f>
+                              <m:fPr>
+                                <m:ctrlPr>
+                                  <a:rPr lang="en-US" altLang="ko-KR" sz="2000" b="0" i="1" smtClean="0">
+                                    <a:latin typeface="Cambria Math" panose="02040503050406030204" pitchFamily="18" charset="0"/>
+                                  </a:rPr>
+                                </m:ctrlPr>
+                              </m:fPr>
+                              <m:num>
+                                <m:r>
+                                  <a:rPr lang="en-US" altLang="ko-KR" sz="2000" b="0" i="1" smtClean="0">
+                                    <a:latin typeface="Cambria Math" panose="02040503050406030204" pitchFamily="18" charset="0"/>
+                                  </a:rPr>
+                                  <m:t>𝑛</m:t>
+                                </m:r>
+                              </m:num>
+                              <m:den>
+                                <m:r>
+                                  <a:rPr lang="en-US" altLang="ko-KR" sz="2000" b="0" i="1" smtClean="0">
+                                    <a:latin typeface="Cambria Math" panose="02040503050406030204" pitchFamily="18" charset="0"/>
+                                  </a:rPr>
+                                  <m:t>2</m:t>
+                                </m:r>
+                              </m:den>
+                            </m:f>
+                          </m:sup>
+                        </m:sSup>
+                        <m:func>
+                          <m:funcPr>
+                            <m:ctrlPr>
+                              <a:rPr lang="en-US" altLang="ko-KR" sz="2000" i="1">
+                                <a:latin typeface="Cambria Math" panose="02040503050406030204" pitchFamily="18" charset="0"/>
+                              </a:rPr>
+                            </m:ctrlPr>
+                          </m:funcPr>
+                          <m:fName>
+                            <m:r>
+                              <m:rPr>
+                                <m:sty m:val="p"/>
+                              </m:rPr>
+                              <a:rPr lang="en-US" altLang="ko-KR" sz="2000">
+                                <a:latin typeface="Cambria Math" panose="02040503050406030204" pitchFamily="18" charset="0"/>
+                              </a:rPr>
+                              <m:t>exp</m:t>
+                            </m:r>
+                          </m:fName>
+                          <m:e>
+                            <m:d>
+                              <m:dPr>
+                                <m:ctrlPr>
+                                  <a:rPr lang="en-US" altLang="ko-KR" sz="2000" i="1">
+                                    <a:latin typeface="Cambria Math" panose="02040503050406030204" pitchFamily="18" charset="0"/>
+                                  </a:rPr>
+                                </m:ctrlPr>
+                              </m:dPr>
+                              <m:e>
+                                <m:r>
+                                  <a:rPr lang="en-US" altLang="ko-KR" sz="2000" i="1">
+                                    <a:latin typeface="Cambria Math" panose="02040503050406030204" pitchFamily="18" charset="0"/>
+                                  </a:rPr>
+                                  <m:t>−</m:t>
+                                </m:r>
+                                <m:f>
+                                  <m:fPr>
+                                    <m:ctrlPr>
+                                      <a:rPr lang="en-US" altLang="ko-KR" sz="2000" i="1">
+                                        <a:latin typeface="Cambria Math" panose="02040503050406030204" pitchFamily="18" charset="0"/>
+                                      </a:rPr>
+                                    </m:ctrlPr>
+                                  </m:fPr>
+                                  <m:num>
+                                    <m:sSup>
+                                      <m:sSupPr>
+                                        <m:ctrlPr>
+                                          <a:rPr lang="en-US" altLang="ko-KR" sz="2000" i="1">
+                                            <a:latin typeface="Cambria Math" panose="02040503050406030204" pitchFamily="18" charset="0"/>
+                                          </a:rPr>
+                                        </m:ctrlPr>
+                                      </m:sSupPr>
+                                      <m:e>
+                                        <m:nary>
+                                          <m:naryPr>
+                                            <m:chr m:val="∑"/>
+                                            <m:subHide m:val="on"/>
+                                            <m:supHide m:val="on"/>
+                                            <m:ctrlPr>
+                                              <a:rPr lang="en-US" altLang="ko-KR" sz="2000" i="1">
+                                                <a:latin typeface="Cambria Math" panose="02040503050406030204" pitchFamily="18" charset="0"/>
+                                              </a:rPr>
+                                            </m:ctrlPr>
+                                          </m:naryPr>
+                                          <m:sub/>
+                                          <m:sup/>
+                                          <m:e>
+                                            <m:sSub>
+                                              <m:sSubPr>
+                                                <m:ctrlPr>
+                                                  <a:rPr lang="ko-KR" altLang="en-US" sz="2000" i="1">
+                                                    <a:latin typeface="Cambria Math" panose="02040503050406030204" pitchFamily="18" charset="0"/>
+                                                  </a:rPr>
+                                                </m:ctrlPr>
+                                              </m:sSubPr>
+                                              <m:e>
+                                                <m:r>
+                                                  <a:rPr lang="en-US" altLang="ko-KR" sz="2000" i="1">
+                                                    <a:latin typeface="Cambria Math" panose="02040503050406030204" pitchFamily="18" charset="0"/>
+                                                  </a:rPr>
+                                                  <m:t>𝑥</m:t>
+                                                </m:r>
+                                              </m:e>
+                                              <m:sub>
+                                                <m:r>
+                                                  <a:rPr lang="en-US" altLang="ko-KR" sz="2000" i="1">
+                                                    <a:latin typeface="Cambria Math" panose="02040503050406030204" pitchFamily="18" charset="0"/>
+                                                  </a:rPr>
+                                                  <m:t>𝑖</m:t>
+                                                </m:r>
+                                              </m:sub>
+                                            </m:sSub>
+                                          </m:e>
+                                        </m:nary>
+                                      </m:e>
+                                      <m:sup>
+                                        <m:r>
+                                          <a:rPr lang="en-US" altLang="ko-KR" sz="2000" i="1">
+                                            <a:latin typeface="Cambria Math" panose="02040503050406030204" pitchFamily="18" charset="0"/>
+                                          </a:rPr>
+                                          <m:t>2</m:t>
+                                        </m:r>
+                                      </m:sup>
+                                    </m:sSup>
+                                  </m:num>
+                                  <m:den>
+                                    <m:r>
+                                      <a:rPr lang="en-US" altLang="ko-KR" sz="2000" i="1">
+                                        <a:latin typeface="Cambria Math" panose="02040503050406030204" pitchFamily="18" charset="0"/>
+                                      </a:rPr>
+                                      <m:t>2</m:t>
+                                    </m:r>
+                                    <m:sSup>
+                                      <m:sSupPr>
+                                        <m:ctrlPr>
+                                          <a:rPr lang="en-US" altLang="ko-KR" sz="2000" i="1">
+                                            <a:latin typeface="Cambria Math" panose="02040503050406030204" pitchFamily="18" charset="0"/>
+                                          </a:rPr>
+                                        </m:ctrlPr>
+                                      </m:sSupPr>
+                                      <m:e>
+                                        <m:sSub>
+                                          <m:sSubPr>
+                                            <m:ctrlPr>
+                                              <a:rPr lang="ko-KR" altLang="en-US" sz="2000" i="1">
+                                                <a:latin typeface="Cambria Math" panose="02040503050406030204" pitchFamily="18" charset="0"/>
+                                              </a:rPr>
+                                            </m:ctrlPr>
+                                          </m:sSubPr>
+                                          <m:e>
+                                            <m:r>
+                                              <a:rPr lang="ko-KR" altLang="en-US" sz="2000" i="1" dirty="0">
+                                                <a:latin typeface="Cambria Math" panose="02040503050406030204" pitchFamily="18" charset="0"/>
+                                              </a:rPr>
+                                              <m:t>𝜃</m:t>
+                                            </m:r>
+                                          </m:e>
+                                          <m:sub>
+                                            <m:r>
+                                              <a:rPr lang="en-US" altLang="ko-KR" sz="2000" i="1">
+                                                <a:latin typeface="Cambria Math" panose="02040503050406030204" pitchFamily="18" charset="0"/>
+                                              </a:rPr>
+                                              <m:t>0</m:t>
+                                            </m:r>
+                                          </m:sub>
+                                        </m:sSub>
+                                      </m:e>
+                                      <m:sup>
+                                        <m:r>
+                                          <a:rPr lang="en-US" altLang="ko-KR" sz="2000" i="1">
+                                            <a:latin typeface="Cambria Math" panose="02040503050406030204" pitchFamily="18" charset="0"/>
+                                          </a:rPr>
+                                          <m:t>2</m:t>
+                                        </m:r>
+                                      </m:sup>
+                                    </m:sSup>
+                                  </m:den>
+                                </m:f>
+                              </m:e>
+                            </m:d>
+                          </m:e>
+                        </m:func>
+                      </m:num>
+                      <m:den>
+                        <m:sSup>
+                          <m:sSupPr>
+                            <m:ctrlPr>
+                              <a:rPr lang="en-US" altLang="ko-KR" sz="2000" i="1">
+                                <a:latin typeface="Cambria Math" panose="02040503050406030204" pitchFamily="18" charset="0"/>
+                              </a:rPr>
+                            </m:ctrlPr>
+                          </m:sSupPr>
+                          <m:e>
+                            <m:d>
+                              <m:dPr>
+                                <m:begChr m:val="["/>
+                                <m:endChr m:val="]"/>
+                                <m:ctrlPr>
+                                  <a:rPr lang="en-US" altLang="ko-KR" sz="2000" i="1">
+                                    <a:latin typeface="Cambria Math" panose="02040503050406030204" pitchFamily="18" charset="0"/>
+                                  </a:rPr>
+                                </m:ctrlPr>
+                              </m:dPr>
+                              <m:e>
+                                <m:f>
+                                  <m:fPr>
+                                    <m:ctrlPr>
+                                      <a:rPr lang="en-US" altLang="ko-KR" sz="2000" i="1">
+                                        <a:latin typeface="Cambria Math" panose="02040503050406030204" pitchFamily="18" charset="0"/>
+                                      </a:rPr>
+                                    </m:ctrlPr>
+                                  </m:fPr>
+                                  <m:num>
+                                    <m:r>
+                                      <a:rPr lang="en-US" altLang="ko-KR" sz="2000" i="1">
+                                        <a:latin typeface="Cambria Math" panose="02040503050406030204" pitchFamily="18" charset="0"/>
+                                      </a:rPr>
+                                      <m:t>1</m:t>
+                                    </m:r>
+                                  </m:num>
+                                  <m:den>
+                                    <m:rad>
+                                      <m:radPr>
+                                        <m:degHide m:val="on"/>
+                                        <m:ctrlPr>
+                                          <a:rPr lang="en-US" altLang="ko-KR" sz="2000" i="1">
+                                            <a:latin typeface="Cambria Math" panose="02040503050406030204" pitchFamily="18" charset="0"/>
+                                          </a:rPr>
+                                        </m:ctrlPr>
+                                      </m:radPr>
+                                      <m:deg/>
+                                      <m:e>
+                                        <m:r>
+                                          <a:rPr lang="en-US" altLang="ko-KR" sz="2000" i="1">
+                                            <a:latin typeface="Cambria Math" panose="02040503050406030204" pitchFamily="18" charset="0"/>
+                                          </a:rPr>
+                                          <m:t>2</m:t>
+                                        </m:r>
+                                        <m:r>
+                                          <a:rPr lang="ko-KR" altLang="en-US" sz="2000" i="1">
+                                            <a:latin typeface="Cambria Math" panose="02040503050406030204" pitchFamily="18" charset="0"/>
+                                          </a:rPr>
+                                          <m:t>𝜋</m:t>
+                                        </m:r>
+                                      </m:e>
+                                    </m:rad>
+                                    <m:sSub>
+                                      <m:sSubPr>
+                                        <m:ctrlPr>
+                                          <a:rPr lang="ko-KR" altLang="en-US" sz="2000" i="1">
+                                            <a:latin typeface="Cambria Math" panose="02040503050406030204" pitchFamily="18" charset="0"/>
+                                          </a:rPr>
+                                        </m:ctrlPr>
+                                      </m:sSubPr>
+                                      <m:e>
+                                        <m:r>
+                                          <a:rPr lang="ko-KR" altLang="en-US" sz="2000" i="1" dirty="0">
+                                            <a:latin typeface="Cambria Math" panose="02040503050406030204" pitchFamily="18" charset="0"/>
+                                          </a:rPr>
+                                          <m:t>𝜃</m:t>
+                                        </m:r>
+                                      </m:e>
+                                      <m:sub>
+                                        <m:r>
+                                          <a:rPr lang="en-US" altLang="ko-KR" sz="2000" i="1" dirty="0">
+                                            <a:latin typeface="Cambria Math" panose="02040503050406030204" pitchFamily="18" charset="0"/>
+                                          </a:rPr>
+                                          <m:t>𝑛</m:t>
+                                        </m:r>
+                                      </m:sub>
+                                    </m:sSub>
+                                  </m:den>
+                                </m:f>
+                              </m:e>
+                            </m:d>
+                          </m:e>
+                          <m:sup>
+                            <m:f>
+                              <m:fPr>
+                                <m:ctrlPr>
+                                  <a:rPr lang="en-US" altLang="ko-KR" sz="2000" i="1">
+                                    <a:latin typeface="Cambria Math" panose="02040503050406030204" pitchFamily="18" charset="0"/>
+                                  </a:rPr>
+                                </m:ctrlPr>
+                              </m:fPr>
+                              <m:num>
+                                <m:r>
+                                  <a:rPr lang="en-US" altLang="ko-KR" sz="2000" i="1">
+                                    <a:latin typeface="Cambria Math" panose="02040503050406030204" pitchFamily="18" charset="0"/>
+                                  </a:rPr>
+                                  <m:t>𝑛</m:t>
+                                </m:r>
+                              </m:num>
+                              <m:den>
+                                <m:r>
+                                  <a:rPr lang="en-US" altLang="ko-KR" sz="2000" i="1">
+                                    <a:latin typeface="Cambria Math" panose="02040503050406030204" pitchFamily="18" charset="0"/>
+                                  </a:rPr>
+                                  <m:t>2</m:t>
+                                </m:r>
+                              </m:den>
+                            </m:f>
+                          </m:sup>
+                        </m:sSup>
+                        <m:func>
+                          <m:funcPr>
+                            <m:ctrlPr>
+                              <a:rPr lang="en-US" altLang="ko-KR" sz="2000" i="1">
+                                <a:latin typeface="Cambria Math" panose="02040503050406030204" pitchFamily="18" charset="0"/>
+                              </a:rPr>
+                            </m:ctrlPr>
+                          </m:funcPr>
+                          <m:fName>
+                            <m:r>
+                              <m:rPr>
+                                <m:sty m:val="p"/>
+                              </m:rPr>
+                              <a:rPr lang="en-US" altLang="ko-KR" sz="2000">
+                                <a:latin typeface="Cambria Math" panose="02040503050406030204" pitchFamily="18" charset="0"/>
+                              </a:rPr>
+                              <m:t>exp</m:t>
+                            </m:r>
+                          </m:fName>
+                          <m:e>
+                            <m:d>
+                              <m:dPr>
+                                <m:ctrlPr>
+                                  <a:rPr lang="en-US" altLang="ko-KR" sz="2000" i="1">
+                                    <a:latin typeface="Cambria Math" panose="02040503050406030204" pitchFamily="18" charset="0"/>
+                                  </a:rPr>
+                                </m:ctrlPr>
+                              </m:dPr>
+                              <m:e>
+                                <m:r>
+                                  <a:rPr lang="en-US" altLang="ko-KR" sz="2000" i="1">
+                                    <a:latin typeface="Cambria Math" panose="02040503050406030204" pitchFamily="18" charset="0"/>
+                                  </a:rPr>
+                                  <m:t>−</m:t>
+                                </m:r>
+                                <m:f>
+                                  <m:fPr>
+                                    <m:ctrlPr>
+                                      <a:rPr lang="en-US" altLang="ko-KR" sz="2000" i="1">
+                                        <a:latin typeface="Cambria Math" panose="02040503050406030204" pitchFamily="18" charset="0"/>
+                                      </a:rPr>
+                                    </m:ctrlPr>
+                                  </m:fPr>
+                                  <m:num>
+                                    <m:sSup>
+                                      <m:sSupPr>
+                                        <m:ctrlPr>
+                                          <a:rPr lang="en-US" altLang="ko-KR" sz="2000" i="1">
+                                            <a:latin typeface="Cambria Math" panose="02040503050406030204" pitchFamily="18" charset="0"/>
+                                          </a:rPr>
+                                        </m:ctrlPr>
+                                      </m:sSupPr>
+                                      <m:e>
+                                        <m:nary>
+                                          <m:naryPr>
+                                            <m:chr m:val="∑"/>
+                                            <m:subHide m:val="on"/>
+                                            <m:supHide m:val="on"/>
+                                            <m:ctrlPr>
+                                              <a:rPr lang="en-US" altLang="ko-KR" sz="2000" i="1">
+                                                <a:latin typeface="Cambria Math" panose="02040503050406030204" pitchFamily="18" charset="0"/>
+                                              </a:rPr>
+                                            </m:ctrlPr>
+                                          </m:naryPr>
+                                          <m:sub/>
+                                          <m:sup/>
+                                          <m:e>
+                                            <m:sSub>
+                                              <m:sSubPr>
+                                                <m:ctrlPr>
+                                                  <a:rPr lang="ko-KR" altLang="en-US" sz="2000" i="1">
+                                                    <a:latin typeface="Cambria Math" panose="02040503050406030204" pitchFamily="18" charset="0"/>
+                                                  </a:rPr>
+                                                </m:ctrlPr>
+                                              </m:sSubPr>
+                                              <m:e>
+                                                <m:r>
+                                                  <a:rPr lang="en-US" altLang="ko-KR" sz="2000" i="1">
+                                                    <a:latin typeface="Cambria Math" panose="02040503050406030204" pitchFamily="18" charset="0"/>
+                                                  </a:rPr>
+                                                  <m:t>𝑥</m:t>
+                                                </m:r>
+                                              </m:e>
+                                              <m:sub>
+                                                <m:r>
+                                                  <a:rPr lang="en-US" altLang="ko-KR" sz="2000" i="1">
+                                                    <a:latin typeface="Cambria Math" panose="02040503050406030204" pitchFamily="18" charset="0"/>
+                                                  </a:rPr>
+                                                  <m:t>𝑖</m:t>
+                                                </m:r>
+                                              </m:sub>
+                                            </m:sSub>
+                                          </m:e>
+                                        </m:nary>
+                                      </m:e>
+                                      <m:sup>
+                                        <m:r>
+                                          <a:rPr lang="en-US" altLang="ko-KR" sz="2000" i="1">
+                                            <a:latin typeface="Cambria Math" panose="02040503050406030204" pitchFamily="18" charset="0"/>
+                                          </a:rPr>
+                                          <m:t>2</m:t>
+                                        </m:r>
+                                      </m:sup>
+                                    </m:sSup>
+                                  </m:num>
+                                  <m:den>
+                                    <m:r>
+                                      <a:rPr lang="en-US" altLang="ko-KR" sz="2000" i="1">
+                                        <a:latin typeface="Cambria Math" panose="02040503050406030204" pitchFamily="18" charset="0"/>
+                                      </a:rPr>
+                                      <m:t>2</m:t>
+                                    </m:r>
+                                    <m:sSup>
+                                      <m:sSupPr>
+                                        <m:ctrlPr>
+                                          <a:rPr lang="en-US" altLang="ko-KR" sz="2000" i="1">
+                                            <a:latin typeface="Cambria Math" panose="02040503050406030204" pitchFamily="18" charset="0"/>
+                                          </a:rPr>
+                                        </m:ctrlPr>
+                                      </m:sSupPr>
+                                      <m:e>
+                                        <m:sSub>
+                                          <m:sSubPr>
+                                            <m:ctrlPr>
+                                              <a:rPr lang="ko-KR" altLang="en-US" sz="2000" i="1">
+                                                <a:latin typeface="Cambria Math" panose="02040503050406030204" pitchFamily="18" charset="0"/>
+                                              </a:rPr>
+                                            </m:ctrlPr>
+                                          </m:sSubPr>
+                                          <m:e>
+                                            <m:r>
+                                              <a:rPr lang="ko-KR" altLang="en-US" sz="2000" i="1" dirty="0">
+                                                <a:latin typeface="Cambria Math" panose="02040503050406030204" pitchFamily="18" charset="0"/>
+                                              </a:rPr>
+                                              <m:t>𝜃</m:t>
+                                            </m:r>
+                                          </m:e>
+                                          <m:sub>
+                                            <m:r>
+                                              <a:rPr lang="en-US" altLang="ko-KR" sz="2000" b="0" i="1" dirty="0" smtClean="0">
+                                                <a:latin typeface="Cambria Math" panose="02040503050406030204" pitchFamily="18" charset="0"/>
+                                              </a:rPr>
+                                              <m:t>𝑛</m:t>
+                                            </m:r>
+                                          </m:sub>
+                                        </m:sSub>
+                                      </m:e>
+                                      <m:sup>
+                                        <m:r>
+                                          <a:rPr lang="en-US" altLang="ko-KR" sz="2000" i="1">
+                                            <a:latin typeface="Cambria Math" panose="02040503050406030204" pitchFamily="18" charset="0"/>
+                                          </a:rPr>
+                                          <m:t>2</m:t>
+                                        </m:r>
+                                      </m:sup>
+                                    </m:sSup>
+                                  </m:den>
+                                </m:f>
+                              </m:e>
+                            </m:d>
+                          </m:e>
+                        </m:func>
+                      </m:den>
+                    </m:f>
+                  </m:oMath>
+                </a14:m>
+                <a:r>
+                  <a:rPr lang="ko-KR" altLang="en-US" sz="2000" dirty="0"/>
+                  <a:t> </a:t>
+                </a:r>
+                <a:r>
+                  <a:rPr lang="en-US" altLang="ko-KR" sz="2000" dirty="0"/>
+                  <a:t>= </a:t>
+                </a:r>
+                <a14:m>
+                  <m:oMath xmlns:m="http://schemas.openxmlformats.org/officeDocument/2006/math">
+                    <m:sSup>
+                      <m:sSupPr>
+                        <m:ctrlPr>
+                          <a:rPr lang="en-US" altLang="ko-KR" sz="2000" i="1">
+                            <a:latin typeface="Cambria Math" panose="02040503050406030204" pitchFamily="18" charset="0"/>
+                          </a:rPr>
+                        </m:ctrlPr>
+                      </m:sSupPr>
+                      <m:e>
+                        <m:d>
+                          <m:dPr>
+                            <m:begChr m:val="["/>
+                            <m:endChr m:val="]"/>
+                            <m:ctrlPr>
+                              <a:rPr lang="en-US" altLang="ko-KR" sz="2000" i="1">
+                                <a:latin typeface="Cambria Math" panose="02040503050406030204" pitchFamily="18" charset="0"/>
+                              </a:rPr>
+                            </m:ctrlPr>
+                          </m:dPr>
+                          <m:e>
+                            <m:f>
+                              <m:fPr>
+                                <m:ctrlPr>
+                                  <a:rPr lang="en-US" altLang="ko-KR" sz="2000" i="1">
+                                    <a:latin typeface="Cambria Math" panose="02040503050406030204" pitchFamily="18" charset="0"/>
+                                  </a:rPr>
+                                </m:ctrlPr>
+                              </m:fPr>
+                              <m:num>
+                                <m:sSub>
+                                  <m:sSubPr>
+                                    <m:ctrlPr>
+                                      <a:rPr lang="ko-KR" altLang="en-US" sz="2000" i="1">
+                                        <a:latin typeface="Cambria Math" panose="02040503050406030204" pitchFamily="18" charset="0"/>
+                                      </a:rPr>
+                                    </m:ctrlPr>
+                                  </m:sSubPr>
+                                  <m:e>
+                                    <m:r>
+                                      <a:rPr lang="ko-KR" altLang="en-US" sz="2000" i="1" dirty="0">
+                                        <a:latin typeface="Cambria Math" panose="02040503050406030204" pitchFamily="18" charset="0"/>
+                                      </a:rPr>
+                                      <m:t>𝜃</m:t>
+                                    </m:r>
+                                  </m:e>
+                                  <m:sub>
+                                    <m:r>
+                                      <a:rPr lang="en-US" altLang="ko-KR" sz="2000" i="1">
+                                        <a:latin typeface="Cambria Math" panose="02040503050406030204" pitchFamily="18" charset="0"/>
+                                      </a:rPr>
+                                      <m:t>0</m:t>
+                                    </m:r>
+                                  </m:sub>
+                                </m:sSub>
+                              </m:num>
+                              <m:den>
+                                <m:sSub>
+                                  <m:sSubPr>
+                                    <m:ctrlPr>
+                                      <a:rPr lang="ko-KR" altLang="en-US" sz="2000" i="1">
+                                        <a:latin typeface="Cambria Math" panose="02040503050406030204" pitchFamily="18" charset="0"/>
+                                      </a:rPr>
+                                    </m:ctrlPr>
+                                  </m:sSubPr>
+                                  <m:e>
+                                    <m:r>
+                                      <a:rPr lang="ko-KR" altLang="en-US" sz="2000" i="1" dirty="0">
+                                        <a:latin typeface="Cambria Math" panose="02040503050406030204" pitchFamily="18" charset="0"/>
+                                      </a:rPr>
+                                      <m:t>𝜃</m:t>
+                                    </m:r>
+                                  </m:e>
+                                  <m:sub>
+                                    <m:r>
+                                      <a:rPr lang="en-US" altLang="ko-KR" sz="2000" i="1" dirty="0">
+                                        <a:latin typeface="Cambria Math" panose="02040503050406030204" pitchFamily="18" charset="0"/>
+                                      </a:rPr>
+                                      <m:t>𝑛</m:t>
+                                    </m:r>
+                                  </m:sub>
+                                </m:sSub>
+                              </m:den>
+                            </m:f>
+                          </m:e>
+                        </m:d>
+                      </m:e>
+                      <m:sup>
+                        <m:f>
+                          <m:fPr>
+                            <m:ctrlPr>
+                              <a:rPr lang="en-US" altLang="ko-KR" sz="2000" i="1">
+                                <a:latin typeface="Cambria Math" panose="02040503050406030204" pitchFamily="18" charset="0"/>
+                              </a:rPr>
+                            </m:ctrlPr>
+                          </m:fPr>
+                          <m:num>
+                            <m:r>
+                              <a:rPr lang="en-US" altLang="ko-KR" sz="2000" i="1">
+                                <a:latin typeface="Cambria Math" panose="02040503050406030204" pitchFamily="18" charset="0"/>
+                              </a:rPr>
+                              <m:t>𝑛</m:t>
+                            </m:r>
+                          </m:num>
+                          <m:den>
+                            <m:r>
+                              <a:rPr lang="en-US" altLang="ko-KR" sz="2000" i="1">
+                                <a:latin typeface="Cambria Math" panose="02040503050406030204" pitchFamily="18" charset="0"/>
+                              </a:rPr>
+                              <m:t>2</m:t>
+                            </m:r>
+                          </m:den>
+                        </m:f>
+                      </m:sup>
+                    </m:sSup>
+                    <m:func>
+                      <m:funcPr>
+                        <m:ctrlPr>
+                          <a:rPr lang="en-US" altLang="ko-KR" sz="2000" i="1">
+                            <a:latin typeface="Cambria Math" panose="02040503050406030204" pitchFamily="18" charset="0"/>
+                          </a:rPr>
+                        </m:ctrlPr>
+                      </m:funcPr>
+                      <m:fName>
+                        <m:r>
+                          <m:rPr>
+                            <m:sty m:val="p"/>
+                          </m:rPr>
+                          <a:rPr lang="en-US" altLang="ko-KR" sz="2000">
+                            <a:latin typeface="Cambria Math" panose="02040503050406030204" pitchFamily="18" charset="0"/>
+                          </a:rPr>
+                          <m:t>exp</m:t>
+                        </m:r>
+                      </m:fName>
+                      <m:e>
+                        <m:d>
+                          <m:dPr>
+                            <m:begChr m:val="["/>
+                            <m:endChr m:val="]"/>
+                            <m:ctrlPr>
+                              <a:rPr lang="en-US" altLang="ko-KR" sz="2000" b="0" i="1" smtClean="0">
+                                <a:latin typeface="Cambria Math" panose="02040503050406030204" pitchFamily="18" charset="0"/>
+                              </a:rPr>
+                            </m:ctrlPr>
+                          </m:dPr>
+                          <m:e>
+                            <m:d>
+                              <m:dPr>
+                                <m:ctrlPr>
+                                  <a:rPr lang="en-US" altLang="ko-KR" sz="2000" i="1">
+                                    <a:latin typeface="Cambria Math" panose="02040503050406030204" pitchFamily="18" charset="0"/>
+                                  </a:rPr>
+                                </m:ctrlPr>
+                              </m:dPr>
+                              <m:e>
+                                <m:r>
+                                  <a:rPr lang="en-US" altLang="ko-KR" sz="2000" i="1">
+                                    <a:latin typeface="Cambria Math" panose="02040503050406030204" pitchFamily="18" charset="0"/>
+                                  </a:rPr>
+                                  <m:t>−</m:t>
+                                </m:r>
+                                <m:f>
+                                  <m:fPr>
+                                    <m:ctrlPr>
+                                      <a:rPr lang="en-US" altLang="ko-KR" sz="2000" i="1">
+                                        <a:latin typeface="Cambria Math" panose="02040503050406030204" pitchFamily="18" charset="0"/>
+                                      </a:rPr>
+                                    </m:ctrlPr>
+                                  </m:fPr>
+                                  <m:num>
+                                    <m:sSub>
+                                      <m:sSubPr>
+                                        <m:ctrlPr>
+                                          <a:rPr lang="ko-KR" altLang="en-US" sz="2000" i="1">
+                                            <a:latin typeface="Cambria Math" panose="02040503050406030204" pitchFamily="18" charset="0"/>
+                                          </a:rPr>
+                                        </m:ctrlPr>
+                                      </m:sSubPr>
+                                      <m:e>
+                                        <m:r>
+                                          <a:rPr lang="ko-KR" altLang="en-US" sz="2000" i="1" dirty="0">
+                                            <a:latin typeface="Cambria Math" panose="02040503050406030204" pitchFamily="18" charset="0"/>
+                                          </a:rPr>
+                                          <m:t>𝜃</m:t>
+                                        </m:r>
+                                      </m:e>
+                                      <m:sub>
+                                        <m:r>
+                                          <a:rPr lang="en-US" altLang="ko-KR" sz="2000" i="1">
+                                            <a:latin typeface="Cambria Math" panose="02040503050406030204" pitchFamily="18" charset="0"/>
+                                          </a:rPr>
+                                          <m:t>0</m:t>
+                                        </m:r>
+                                      </m:sub>
+                                    </m:sSub>
+                                    <m:r>
+                                      <a:rPr lang="en-US" altLang="ko-KR" sz="2000" b="0" i="1" smtClean="0">
+                                        <a:latin typeface="Cambria Math" panose="02040503050406030204" pitchFamily="18" charset="0"/>
+                                      </a:rPr>
+                                      <m:t> −</m:t>
+                                    </m:r>
+                                    <m:sSub>
+                                      <m:sSubPr>
+                                        <m:ctrlPr>
+                                          <a:rPr lang="ko-KR" altLang="en-US" sz="2000" i="1">
+                                            <a:latin typeface="Cambria Math" panose="02040503050406030204" pitchFamily="18" charset="0"/>
+                                          </a:rPr>
+                                        </m:ctrlPr>
+                                      </m:sSubPr>
+                                      <m:e>
+                                        <m:r>
+                                          <a:rPr lang="ko-KR" altLang="en-US" sz="2000" i="1" dirty="0">
+                                            <a:latin typeface="Cambria Math" panose="02040503050406030204" pitchFamily="18" charset="0"/>
+                                          </a:rPr>
+                                          <m:t>𝜃</m:t>
+                                        </m:r>
+                                      </m:e>
+                                      <m:sub>
+                                        <m:r>
+                                          <a:rPr lang="en-US" altLang="ko-KR" sz="2000" i="1" dirty="0">
+                                            <a:latin typeface="Cambria Math" panose="02040503050406030204" pitchFamily="18" charset="0"/>
+                                          </a:rPr>
+                                          <m:t>𝑛</m:t>
+                                        </m:r>
+                                      </m:sub>
+                                    </m:sSub>
+                                  </m:num>
+                                  <m:den>
+                                    <m:r>
+                                      <a:rPr lang="en-US" altLang="ko-KR" sz="2000" i="1">
+                                        <a:latin typeface="Cambria Math" panose="02040503050406030204" pitchFamily="18" charset="0"/>
+                                      </a:rPr>
+                                      <m:t>2</m:t>
+                                    </m:r>
+                                    <m:sSub>
+                                      <m:sSubPr>
+                                        <m:ctrlPr>
+                                          <a:rPr lang="ko-KR" altLang="en-US" sz="2000" i="1">
+                                            <a:latin typeface="Cambria Math" panose="02040503050406030204" pitchFamily="18" charset="0"/>
+                                          </a:rPr>
+                                        </m:ctrlPr>
+                                      </m:sSubPr>
+                                      <m:e>
+                                        <m:r>
+                                          <a:rPr lang="ko-KR" altLang="en-US" sz="2000" i="1" dirty="0">
+                                            <a:latin typeface="Cambria Math" panose="02040503050406030204" pitchFamily="18" charset="0"/>
+                                          </a:rPr>
+                                          <m:t>𝜃</m:t>
+                                        </m:r>
+                                      </m:e>
+                                      <m:sub>
+                                        <m:r>
+                                          <a:rPr lang="en-US" altLang="ko-KR" sz="2000" i="1">
+                                            <a:latin typeface="Cambria Math" panose="02040503050406030204" pitchFamily="18" charset="0"/>
+                                          </a:rPr>
+                                          <m:t>0</m:t>
+                                        </m:r>
+                                      </m:sub>
+                                    </m:sSub>
+                                    <m:sSub>
+                                      <m:sSubPr>
+                                        <m:ctrlPr>
+                                          <a:rPr lang="ko-KR" altLang="en-US" sz="2000" i="1">
+                                            <a:latin typeface="Cambria Math" panose="02040503050406030204" pitchFamily="18" charset="0"/>
+                                          </a:rPr>
+                                        </m:ctrlPr>
+                                      </m:sSubPr>
+                                      <m:e>
+                                        <m:r>
+                                          <a:rPr lang="ko-KR" altLang="en-US" sz="2000" i="1" dirty="0">
+                                            <a:latin typeface="Cambria Math" panose="02040503050406030204" pitchFamily="18" charset="0"/>
+                                          </a:rPr>
+                                          <m:t>𝜃</m:t>
+                                        </m:r>
+                                      </m:e>
+                                      <m:sub>
+                                        <m:r>
+                                          <a:rPr lang="en-US" altLang="ko-KR" sz="2000" i="1" dirty="0">
+                                            <a:latin typeface="Cambria Math" panose="02040503050406030204" pitchFamily="18" charset="0"/>
+                                          </a:rPr>
+                                          <m:t>𝑛</m:t>
+                                        </m:r>
+                                      </m:sub>
+                                    </m:sSub>
+                                  </m:den>
+                                </m:f>
+                              </m:e>
+                            </m:d>
+                            <m:sSup>
+                              <m:sSupPr>
+                                <m:ctrlPr>
+                                  <a:rPr lang="en-US" altLang="ko-KR" sz="2000" i="1">
+                                    <a:latin typeface="Cambria Math" panose="02040503050406030204" pitchFamily="18" charset="0"/>
+                                  </a:rPr>
+                                </m:ctrlPr>
+                              </m:sSupPr>
+                              <m:e>
+                                <m:nary>
+                                  <m:naryPr>
+                                    <m:chr m:val="∑"/>
+                                    <m:subHide m:val="on"/>
+                                    <m:supHide m:val="on"/>
+                                    <m:ctrlPr>
+                                      <a:rPr lang="en-US" altLang="ko-KR" sz="2000" i="1">
+                                        <a:latin typeface="Cambria Math" panose="02040503050406030204" pitchFamily="18" charset="0"/>
+                                      </a:rPr>
+                                    </m:ctrlPr>
+                                  </m:naryPr>
+                                  <m:sub/>
+                                  <m:sup/>
+                                  <m:e>
+                                    <m:sSub>
+                                      <m:sSubPr>
+                                        <m:ctrlPr>
+                                          <a:rPr lang="ko-KR" altLang="en-US" sz="2000" i="1">
+                                            <a:latin typeface="Cambria Math" panose="02040503050406030204" pitchFamily="18" charset="0"/>
+                                          </a:rPr>
+                                        </m:ctrlPr>
+                                      </m:sSubPr>
+                                      <m:e>
+                                        <m:r>
+                                          <a:rPr lang="en-US" altLang="ko-KR" sz="2000" i="1">
+                                            <a:latin typeface="Cambria Math" panose="02040503050406030204" pitchFamily="18" charset="0"/>
+                                          </a:rPr>
+                                          <m:t>𝑥</m:t>
+                                        </m:r>
+                                      </m:e>
+                                      <m:sub>
+                                        <m:r>
+                                          <a:rPr lang="en-US" altLang="ko-KR" sz="2000" i="1">
+                                            <a:latin typeface="Cambria Math" panose="02040503050406030204" pitchFamily="18" charset="0"/>
+                                          </a:rPr>
+                                          <m:t>𝑖</m:t>
+                                        </m:r>
+                                      </m:sub>
+                                    </m:sSub>
+                                  </m:e>
+                                </m:nary>
+                              </m:e>
+                              <m:sup>
+                                <m:r>
+                                  <a:rPr lang="en-US" altLang="ko-KR" sz="2000" i="1">
+                                    <a:latin typeface="Cambria Math" panose="02040503050406030204" pitchFamily="18" charset="0"/>
+                                  </a:rPr>
+                                  <m:t>2</m:t>
+                                </m:r>
+                              </m:sup>
+                            </m:sSup>
+                          </m:e>
+                        </m:d>
+                      </m:e>
+                    </m:func>
+                  </m:oMath>
+                </a14:m>
+                <a:endParaRPr lang="en-US" altLang="ko-KR" sz="2000" dirty="0"/>
+              </a:p>
+              <a:p>
+                <a:pPr marL="457200" indent="-457200">
+                  <a:buAutoNum type="arabicParenBoth"/>
+                </a:pPr>
+                <a:r>
+                  <a:rPr lang="ko-KR" altLang="en-US" sz="2000" dirty="0"/>
+                  <a:t>이 때</a:t>
+                </a:r>
+                <a:r>
+                  <a:rPr lang="en-US" altLang="ko-KR" sz="2000" dirty="0"/>
+                  <a:t>, </a:t>
+                </a:r>
+                <a:r>
+                  <a:rPr lang="ko-KR" altLang="en-US" sz="2000" dirty="0"/>
+                  <a:t>정규분포는 </a:t>
+                </a:r>
+                <a14:m>
+                  <m:oMath xmlns:m="http://schemas.openxmlformats.org/officeDocument/2006/math">
+                    <m:r>
+                      <m:rPr>
+                        <m:sty m:val="p"/>
+                      </m:rPr>
+                      <a:rPr lang="en-US" altLang="ko-KR" sz="2000" b="0" i="0" smtClean="0">
+                        <a:latin typeface="Cambria Math" panose="02040503050406030204" pitchFamily="18" charset="0"/>
+                      </a:rPr>
+                      <m:t>Y</m:t>
+                    </m:r>
+                    <m:r>
+                      <a:rPr lang="en-US" altLang="ko-KR" sz="2000" b="0" i="0" smtClean="0">
+                        <a:latin typeface="Cambria Math" panose="02040503050406030204" pitchFamily="18" charset="0"/>
+                      </a:rPr>
+                      <m:t>=</m:t>
+                    </m:r>
+                    <m:sSup>
+                      <m:sSupPr>
+                        <m:ctrlPr>
+                          <a:rPr lang="en-US" altLang="ko-KR" sz="2000" i="1">
+                            <a:latin typeface="Cambria Math" panose="02040503050406030204" pitchFamily="18" charset="0"/>
+                          </a:rPr>
+                        </m:ctrlPr>
+                      </m:sSupPr>
+                      <m:e>
+                        <m:nary>
+                          <m:naryPr>
+                            <m:chr m:val="∑"/>
+                            <m:subHide m:val="on"/>
+                            <m:supHide m:val="on"/>
+                            <m:ctrlPr>
+                              <a:rPr lang="en-US" altLang="ko-KR" sz="2000" i="1">
+                                <a:latin typeface="Cambria Math" panose="02040503050406030204" pitchFamily="18" charset="0"/>
+                              </a:rPr>
+                            </m:ctrlPr>
+                          </m:naryPr>
+                          <m:sub/>
+                          <m:sup/>
+                          <m:e>
+                            <m:sSub>
+                              <m:sSubPr>
+                                <m:ctrlPr>
+                                  <a:rPr lang="ko-KR" altLang="en-US" sz="2000" i="1">
+                                    <a:latin typeface="Cambria Math" panose="02040503050406030204" pitchFamily="18" charset="0"/>
+                                  </a:rPr>
+                                </m:ctrlPr>
+                              </m:sSubPr>
+                              <m:e>
+                                <m:r>
+                                  <a:rPr lang="en-US" altLang="ko-KR" sz="2000" i="1">
+                                    <a:latin typeface="Cambria Math" panose="02040503050406030204" pitchFamily="18" charset="0"/>
+                                  </a:rPr>
+                                  <m:t>𝑥</m:t>
+                                </m:r>
+                              </m:e>
+                              <m:sub>
+                                <m:r>
+                                  <a:rPr lang="en-US" altLang="ko-KR" sz="2000" i="1">
+                                    <a:latin typeface="Cambria Math" panose="02040503050406030204" pitchFamily="18" charset="0"/>
+                                  </a:rPr>
+                                  <m:t>𝑖</m:t>
+                                </m:r>
+                              </m:sub>
+                            </m:sSub>
+                          </m:e>
+                        </m:nary>
+                      </m:e>
+                      <m:sup>
+                        <m:r>
+                          <a:rPr lang="en-US" altLang="ko-KR" sz="2000" i="1">
+                            <a:latin typeface="Cambria Math" panose="02040503050406030204" pitchFamily="18" charset="0"/>
+                          </a:rPr>
+                          <m:t>2</m:t>
+                        </m:r>
+                      </m:sup>
+                    </m:sSup>
+                  </m:oMath>
+                </a14:m>
+                <a:r>
+                  <a:rPr lang="ko-KR" altLang="en-US" sz="2000" dirty="0"/>
+                  <a:t>를 </a:t>
+                </a:r>
+                <a:r>
+                  <a:rPr lang="ko-KR" altLang="en-US" sz="2000" dirty="0" err="1"/>
+                  <a:t>충분통계량으로</a:t>
+                </a:r>
+                <a:r>
+                  <a:rPr lang="ko-KR" altLang="en-US" sz="2000" dirty="0"/>
+                  <a:t> 갖고</a:t>
+                </a:r>
+                <a:r>
+                  <a:rPr lang="en-US" altLang="ko-KR" sz="2000" dirty="0"/>
+                  <a:t>, </a:t>
+                </a:r>
+                <a:br>
+                  <a:rPr lang="en-US" altLang="ko-KR" sz="2000" dirty="0"/>
+                </a:br>
+                <a:br>
+                  <a:rPr lang="en-US" altLang="ko-KR" sz="2000" dirty="0"/>
+                </a:br>
+                <a14:m>
+                  <m:oMath xmlns:m="http://schemas.openxmlformats.org/officeDocument/2006/math">
+                    <m:f>
+                      <m:fPr>
+                        <m:ctrlPr>
+                          <a:rPr lang="en-US" altLang="ko-KR" sz="2000" b="0" i="1" smtClean="0">
+                            <a:latin typeface="Cambria Math" panose="02040503050406030204" pitchFamily="18" charset="0"/>
+                          </a:rPr>
+                        </m:ctrlPr>
+                      </m:fPr>
+                      <m:num>
+                        <m:r>
+                          <m:rPr>
+                            <m:sty m:val="p"/>
+                          </m:rPr>
+                          <a:rPr lang="en-US" altLang="ko-KR" sz="2000">
+                            <a:latin typeface="Cambria Math" panose="02040503050406030204" pitchFamily="18" charset="0"/>
+                          </a:rPr>
+                          <m:t>Y</m:t>
+                        </m:r>
+                      </m:num>
+                      <m:den>
+                        <m:sSub>
+                          <m:sSubPr>
+                            <m:ctrlPr>
+                              <a:rPr lang="ko-KR" altLang="en-US" sz="2000" i="1">
+                                <a:latin typeface="Cambria Math" panose="02040503050406030204" pitchFamily="18" charset="0"/>
+                              </a:rPr>
+                            </m:ctrlPr>
+                          </m:sSubPr>
+                          <m:e>
+                            <m:r>
+                              <a:rPr lang="ko-KR" altLang="en-US" sz="2000" i="1" dirty="0">
+                                <a:latin typeface="Cambria Math" panose="02040503050406030204" pitchFamily="18" charset="0"/>
+                              </a:rPr>
+                              <m:t>𝜃</m:t>
+                            </m:r>
+                          </m:e>
+                          <m:sub>
+                            <m:r>
+                              <a:rPr lang="en-US" altLang="ko-KR" sz="2000" i="1">
+                                <a:latin typeface="Cambria Math" panose="02040503050406030204" pitchFamily="18" charset="0"/>
+                              </a:rPr>
+                              <m:t>0</m:t>
+                            </m:r>
+                          </m:sub>
+                        </m:sSub>
+                      </m:den>
+                    </m:f>
+                  </m:oMath>
+                </a14:m>
+                <a:r>
+                  <a:rPr lang="ko-KR" altLang="en-US" sz="2000" dirty="0"/>
+                  <a:t> </a:t>
+                </a:r>
+                <a:r>
+                  <a:rPr lang="en-US" altLang="ko-KR" sz="2000" dirty="0"/>
+                  <a:t>~ </a:t>
+                </a:r>
+                <a14:m>
+                  <m:oMath xmlns:m="http://schemas.openxmlformats.org/officeDocument/2006/math">
+                    <m:sSup>
+                      <m:sSupPr>
+                        <m:ctrlPr>
+                          <a:rPr lang="en-US" altLang="ko-KR" sz="2000" i="1">
+                            <a:latin typeface="Cambria Math" panose="02040503050406030204" pitchFamily="18" charset="0"/>
+                          </a:rPr>
+                        </m:ctrlPr>
+                      </m:sSupPr>
+                      <m:e>
+                        <m:r>
+                          <a:rPr lang="en-US" altLang="ko-KR" sz="2000" b="0" i="1" smtClean="0">
+                            <a:latin typeface="Cambria Math" panose="02040503050406030204" pitchFamily="18" charset="0"/>
+                          </a:rPr>
+                          <m:t>𝑥</m:t>
+                        </m:r>
+                      </m:e>
+                      <m:sup>
+                        <m:r>
+                          <a:rPr lang="en-US" altLang="ko-KR" sz="2000" b="0" i="1" smtClean="0">
+                            <a:latin typeface="Cambria Math" panose="02040503050406030204" pitchFamily="18" charset="0"/>
+                          </a:rPr>
+                          <m:t>2</m:t>
+                        </m:r>
+                      </m:sup>
+                    </m:sSup>
+                    <m:r>
+                      <a:rPr lang="en-US" altLang="ko-KR" sz="2000" b="0" i="1" smtClean="0">
+                        <a:latin typeface="Cambria Math" panose="02040503050406030204" pitchFamily="18" charset="0"/>
+                      </a:rPr>
+                      <m:t>(</m:t>
+                    </m:r>
+                    <m:r>
+                      <a:rPr lang="en-US" altLang="ko-KR" sz="2000" b="0" i="1" smtClean="0">
+                        <a:latin typeface="Cambria Math" panose="02040503050406030204" pitchFamily="18" charset="0"/>
+                      </a:rPr>
+                      <m:t>𝑛</m:t>
+                    </m:r>
+                    <m:r>
+                      <a:rPr lang="en-US" altLang="ko-KR" sz="2000" b="0" i="1" smtClean="0">
+                        <a:latin typeface="Cambria Math" panose="02040503050406030204" pitchFamily="18" charset="0"/>
+                      </a:rPr>
+                      <m:t>)</m:t>
+                    </m:r>
+                  </m:oMath>
+                </a14:m>
+                <a:r>
+                  <a:rPr lang="en-US" altLang="ko-KR" sz="2000" dirty="0"/>
+                  <a:t> </a:t>
+                </a:r>
+                <a:r>
+                  <a:rPr lang="ko-KR" altLang="en-US" sz="2000" dirty="0"/>
+                  <a:t>이므로</a:t>
+                </a:r>
+                <a:r>
+                  <a:rPr lang="en-US" altLang="ko-KR" sz="2000" dirty="0"/>
+                  <a:t>, </a:t>
+                </a:r>
+                <a:r>
+                  <a:rPr lang="ko-KR" altLang="en-US" sz="2000" dirty="0"/>
+                  <a:t>이</a:t>
+                </a:r>
+                <a:r>
+                  <a:rPr lang="en-US" altLang="ko-KR" sz="2000" dirty="0"/>
+                  <a:t> </a:t>
+                </a:r>
+                <a:r>
+                  <a:rPr lang="ko-KR" altLang="en-US" sz="2000" dirty="0"/>
+                  <a:t>충분통계량의 함수로 </a:t>
+                </a:r>
+                <a:r>
+                  <a:rPr lang="ko-KR" altLang="en-US" sz="2000" dirty="0" err="1"/>
+                  <a:t>최량기각역을</a:t>
+                </a:r>
+                <a:r>
+                  <a:rPr lang="ko-KR" altLang="en-US" sz="2000" dirty="0"/>
+                  <a:t> 정의하면</a:t>
+                </a:r>
+                <a:endParaRPr lang="en-US" altLang="ko-KR" sz="2000" dirty="0"/>
+              </a:p>
+              <a:p>
+                <a:pPr marL="457200" indent="-457200">
+                  <a:buAutoNum type="arabicParenBoth"/>
+                </a:pPr>
+                <a14:m>
+                  <m:oMath xmlns:m="http://schemas.openxmlformats.org/officeDocument/2006/math">
+                    <m:sSub>
+                      <m:sSubPr>
+                        <m:ctrlPr>
+                          <a:rPr lang="en-US" altLang="ko-KR" sz="2000" i="1" dirty="0">
+                            <a:latin typeface="Cambria Math" panose="02040503050406030204" pitchFamily="18" charset="0"/>
+                          </a:rPr>
+                        </m:ctrlPr>
+                      </m:sSubPr>
+                      <m:e>
+                        <m:r>
+                          <a:rPr lang="en-US" altLang="ko-KR" sz="2000" i="1" dirty="0">
+                            <a:latin typeface="Cambria Math" panose="02040503050406030204" pitchFamily="18" charset="0"/>
+                          </a:rPr>
+                          <m:t>𝑃</m:t>
+                        </m:r>
+                      </m:e>
+                      <m:sub>
+                        <m:sSub>
+                          <m:sSubPr>
+                            <m:ctrlPr>
+                              <a:rPr lang="ko-KR" altLang="en-US" sz="2000" i="1">
+                                <a:latin typeface="Cambria Math" panose="02040503050406030204" pitchFamily="18" charset="0"/>
+                              </a:rPr>
+                            </m:ctrlPr>
+                          </m:sSubPr>
+                          <m:e>
+                            <m:r>
+                              <a:rPr lang="ko-KR" altLang="en-US" sz="2000" i="1" dirty="0">
+                                <a:latin typeface="Cambria Math" panose="02040503050406030204" pitchFamily="18" charset="0"/>
+                              </a:rPr>
+                              <m:t>𝜃</m:t>
+                            </m:r>
+                          </m:e>
+                          <m:sub>
+                            <m:r>
+                              <a:rPr lang="en-US" altLang="ko-KR" sz="2000" i="1">
+                                <a:latin typeface="Cambria Math" panose="02040503050406030204" pitchFamily="18" charset="0"/>
+                              </a:rPr>
+                              <m:t>0</m:t>
+                            </m:r>
+                          </m:sub>
+                        </m:sSub>
+                      </m:sub>
+                    </m:sSub>
+                    <m:d>
+                      <m:dPr>
+                        <m:begChr m:val="["/>
+                        <m:endChr m:val="]"/>
+                        <m:ctrlPr>
+                          <a:rPr lang="en-US" altLang="ko-KR" sz="2000" b="0" i="1" dirty="0" smtClean="0">
+                            <a:latin typeface="Cambria Math" panose="02040503050406030204" pitchFamily="18" charset="0"/>
+                          </a:rPr>
+                        </m:ctrlPr>
+                      </m:dPr>
+                      <m:e>
+                        <m:f>
+                          <m:fPr>
+                            <m:ctrlPr>
+                              <a:rPr lang="en-US" altLang="ko-KR" sz="2000" i="1">
+                                <a:latin typeface="Cambria Math" panose="02040503050406030204" pitchFamily="18" charset="0"/>
+                              </a:rPr>
+                            </m:ctrlPr>
+                          </m:fPr>
+                          <m:num>
+                            <m:r>
+                              <m:rPr>
+                                <m:sty m:val="p"/>
+                              </m:rPr>
+                              <a:rPr lang="en-US" altLang="ko-KR" sz="2000">
+                                <a:latin typeface="Cambria Math" panose="02040503050406030204" pitchFamily="18" charset="0"/>
+                              </a:rPr>
+                              <m:t>Y</m:t>
+                            </m:r>
+                          </m:num>
+                          <m:den>
+                            <m:sSub>
+                              <m:sSubPr>
+                                <m:ctrlPr>
+                                  <a:rPr lang="ko-KR" altLang="en-US" sz="2000" i="1">
+                                    <a:latin typeface="Cambria Math" panose="02040503050406030204" pitchFamily="18" charset="0"/>
+                                  </a:rPr>
+                                </m:ctrlPr>
+                              </m:sSubPr>
+                              <m:e>
+                                <m:r>
+                                  <a:rPr lang="ko-KR" altLang="en-US" sz="2000" i="1" dirty="0">
+                                    <a:latin typeface="Cambria Math" panose="02040503050406030204" pitchFamily="18" charset="0"/>
+                                  </a:rPr>
+                                  <m:t>𝜃</m:t>
+                                </m:r>
+                              </m:e>
+                              <m:sub>
+                                <m:r>
+                                  <a:rPr lang="en-US" altLang="ko-KR" sz="2000" i="1">
+                                    <a:latin typeface="Cambria Math" panose="02040503050406030204" pitchFamily="18" charset="0"/>
+                                  </a:rPr>
+                                  <m:t>0</m:t>
+                                </m:r>
+                              </m:sub>
+                            </m:sSub>
+                          </m:den>
+                        </m:f>
+                        <m:r>
+                          <a:rPr lang="en-US" altLang="ko-KR" sz="2000" b="0" i="1" smtClean="0">
+                            <a:latin typeface="Cambria Math" panose="02040503050406030204" pitchFamily="18" charset="0"/>
+                          </a:rPr>
+                          <m:t>≤</m:t>
+                        </m:r>
+                        <m:f>
+                          <m:fPr>
+                            <m:ctrlPr>
+                              <a:rPr lang="en-US" altLang="ko-KR" sz="2000" b="0" i="1" smtClean="0">
+                                <a:latin typeface="Cambria Math" panose="02040503050406030204" pitchFamily="18" charset="0"/>
+                              </a:rPr>
+                            </m:ctrlPr>
+                          </m:fPr>
+                          <m:num>
+                            <m:sSup>
+                              <m:sSupPr>
+                                <m:ctrlPr>
+                                  <a:rPr lang="en-US" altLang="ko-KR" sz="2000" i="1">
+                                    <a:latin typeface="Cambria Math" panose="02040503050406030204" pitchFamily="18" charset="0"/>
+                                  </a:rPr>
+                                </m:ctrlPr>
+                              </m:sSupPr>
+                              <m:e>
+                                <m:r>
+                                  <a:rPr lang="en-US" altLang="ko-KR" sz="2000" b="0" i="1" smtClean="0">
+                                    <a:latin typeface="Cambria Math" panose="02040503050406030204" pitchFamily="18" charset="0"/>
+                                  </a:rPr>
+                                  <m:t>𝑔</m:t>
+                                </m:r>
+                              </m:e>
+                              <m:sup>
+                                <m:r>
+                                  <a:rPr lang="en-US" altLang="ko-KR" sz="2000" b="0" i="1" dirty="0" smtClean="0">
+                                    <a:latin typeface="Cambria Math" panose="02040503050406030204" pitchFamily="18" charset="0"/>
+                                  </a:rPr>
+                                  <m:t>−1</m:t>
+                                </m:r>
+                              </m:sup>
+                            </m:sSup>
+                            <m:d>
+                              <m:dPr>
+                                <m:ctrlPr>
+                                  <a:rPr lang="en-US" altLang="ko-KR" sz="2000" b="0" i="1" smtClean="0">
+                                    <a:latin typeface="Cambria Math" panose="02040503050406030204" pitchFamily="18" charset="0"/>
+                                  </a:rPr>
+                                </m:ctrlPr>
+                              </m:dPr>
+                              <m:e>
+                                <m:r>
+                                  <a:rPr lang="en-US" altLang="ko-KR" sz="2000" b="0" i="1" smtClean="0">
+                                    <a:latin typeface="Cambria Math" panose="02040503050406030204" pitchFamily="18" charset="0"/>
+                                  </a:rPr>
+                                  <m:t>𝑘</m:t>
+                                </m:r>
+                              </m:e>
+                            </m:d>
+                          </m:num>
+                          <m:den>
+                            <m:sSub>
+                              <m:sSubPr>
+                                <m:ctrlPr>
+                                  <a:rPr lang="ko-KR" altLang="en-US" sz="2000" i="1">
+                                    <a:latin typeface="Cambria Math" panose="02040503050406030204" pitchFamily="18" charset="0"/>
+                                  </a:rPr>
+                                </m:ctrlPr>
+                              </m:sSubPr>
+                              <m:e>
+                                <m:r>
+                                  <a:rPr lang="ko-KR" altLang="en-US" sz="2000" i="1" dirty="0">
+                                    <a:latin typeface="Cambria Math" panose="02040503050406030204" pitchFamily="18" charset="0"/>
+                                  </a:rPr>
+                                  <m:t>𝜃</m:t>
+                                </m:r>
+                              </m:e>
+                              <m:sub>
+                                <m:r>
+                                  <a:rPr lang="en-US" altLang="ko-KR" sz="2000" i="1">
+                                    <a:latin typeface="Cambria Math" panose="02040503050406030204" pitchFamily="18" charset="0"/>
+                                  </a:rPr>
+                                  <m:t>0</m:t>
+                                </m:r>
+                              </m:sub>
+                            </m:sSub>
+                          </m:den>
+                        </m:f>
+                      </m:e>
+                    </m:d>
+                  </m:oMath>
+                </a14:m>
+                <a:r>
+                  <a:rPr lang="en-US" altLang="ko-KR" sz="2000" dirty="0"/>
+                  <a:t> = </a:t>
+                </a:r>
+                <a14:m>
+                  <m:oMath xmlns:m="http://schemas.openxmlformats.org/officeDocument/2006/math">
+                    <m:r>
+                      <a:rPr lang="ko-KR" altLang="en-US" sz="2000" i="1" smtClean="0">
+                        <a:latin typeface="Cambria Math" panose="02040503050406030204" pitchFamily="18" charset="0"/>
+                      </a:rPr>
+                      <m:t>𝛼</m:t>
+                    </m:r>
+                  </m:oMath>
+                </a14:m>
+                <a:r>
+                  <a:rPr lang="en-US" altLang="ko-KR" sz="2000" dirty="0"/>
+                  <a:t> </a:t>
+                </a:r>
+                <a:r>
+                  <a:rPr lang="ko-KR" altLang="en-US" sz="2000" dirty="0"/>
+                  <a:t>인 </a:t>
+                </a:r>
+                <a:r>
+                  <a:rPr lang="ko-KR" altLang="en-US" sz="2000" dirty="0" err="1"/>
+                  <a:t>최량기각역</a:t>
+                </a:r>
+                <a:r>
+                  <a:rPr lang="ko-KR" altLang="en-US" sz="2000" dirty="0"/>
+                  <a:t> </a:t>
+                </a:r>
+                <a:r>
+                  <a:rPr lang="en-US" altLang="ko-KR" sz="2000" dirty="0"/>
+                  <a:t>c = </a:t>
+                </a:r>
+                <a14:m>
+                  <m:oMath xmlns:m="http://schemas.openxmlformats.org/officeDocument/2006/math">
+                    <m:f>
+                      <m:fPr>
+                        <m:ctrlPr>
+                          <a:rPr lang="en-US" altLang="ko-KR" sz="2000" i="1">
+                            <a:latin typeface="Cambria Math" panose="02040503050406030204" pitchFamily="18" charset="0"/>
+                          </a:rPr>
+                        </m:ctrlPr>
+                      </m:fPr>
+                      <m:num>
+                        <m:sSup>
+                          <m:sSupPr>
+                            <m:ctrlPr>
+                              <a:rPr lang="en-US" altLang="ko-KR" sz="2000" i="1">
+                                <a:latin typeface="Cambria Math" panose="02040503050406030204" pitchFamily="18" charset="0"/>
+                              </a:rPr>
+                            </m:ctrlPr>
+                          </m:sSupPr>
+                          <m:e>
+                            <m:r>
+                              <a:rPr lang="en-US" altLang="ko-KR" sz="2000" i="1">
+                                <a:latin typeface="Cambria Math" panose="02040503050406030204" pitchFamily="18" charset="0"/>
+                              </a:rPr>
+                              <m:t>𝑔</m:t>
+                            </m:r>
+                          </m:e>
+                          <m:sup>
+                            <m:r>
+                              <a:rPr lang="en-US" altLang="ko-KR" sz="2000" i="1" dirty="0">
+                                <a:latin typeface="Cambria Math" panose="02040503050406030204" pitchFamily="18" charset="0"/>
+                              </a:rPr>
+                              <m:t>−1</m:t>
+                            </m:r>
+                          </m:sup>
+                        </m:sSup>
+                        <m:d>
+                          <m:dPr>
+                            <m:ctrlPr>
+                              <a:rPr lang="en-US" altLang="ko-KR" sz="2000" i="1">
+                                <a:latin typeface="Cambria Math" panose="02040503050406030204" pitchFamily="18" charset="0"/>
+                              </a:rPr>
+                            </m:ctrlPr>
+                          </m:dPr>
+                          <m:e>
+                            <m:r>
+                              <a:rPr lang="en-US" altLang="ko-KR" sz="2000" i="1">
+                                <a:latin typeface="Cambria Math" panose="02040503050406030204" pitchFamily="18" charset="0"/>
+                              </a:rPr>
+                              <m:t>𝑘</m:t>
+                            </m:r>
+                          </m:e>
+                        </m:d>
+                      </m:num>
+                      <m:den>
+                        <m:sSub>
+                          <m:sSubPr>
+                            <m:ctrlPr>
+                              <a:rPr lang="ko-KR" altLang="en-US" sz="2000" i="1">
+                                <a:latin typeface="Cambria Math" panose="02040503050406030204" pitchFamily="18" charset="0"/>
+                              </a:rPr>
+                            </m:ctrlPr>
+                          </m:sSubPr>
+                          <m:e>
+                            <m:r>
+                              <a:rPr lang="ko-KR" altLang="en-US" sz="2000" i="1" dirty="0">
+                                <a:latin typeface="Cambria Math" panose="02040503050406030204" pitchFamily="18" charset="0"/>
+                              </a:rPr>
+                              <m:t>𝜃</m:t>
+                            </m:r>
+                          </m:e>
+                          <m:sub>
+                            <m:r>
+                              <a:rPr lang="en-US" altLang="ko-KR" sz="2000" i="1">
+                                <a:latin typeface="Cambria Math" panose="02040503050406030204" pitchFamily="18" charset="0"/>
+                              </a:rPr>
+                              <m:t>0</m:t>
+                            </m:r>
+                          </m:sub>
+                        </m:sSub>
+                      </m:den>
+                    </m:f>
+                    <m:r>
+                      <a:rPr lang="ko-KR" altLang="en-US" sz="2000" i="1">
+                        <a:latin typeface="Cambria Math" panose="02040503050406030204" pitchFamily="18" charset="0"/>
+                      </a:rPr>
+                      <m:t>를</m:t>
+                    </m:r>
+                  </m:oMath>
+                </a14:m>
+                <a:r>
+                  <a:rPr lang="en-US" altLang="ko-KR" sz="2000" dirty="0"/>
+                  <a:t> </a:t>
+                </a:r>
+                <a:r>
+                  <a:rPr lang="ko-KR" altLang="en-US" sz="2000" dirty="0"/>
+                  <a:t>정의할 수 있다</a:t>
+                </a:r>
+                <a:r>
+                  <a:rPr lang="en-US" altLang="ko-KR" sz="2000" dirty="0"/>
+                  <a:t>.</a:t>
+                </a:r>
+              </a:p>
+              <a:p>
+                <a:pPr marL="0" indent="0">
+                  <a:buNone/>
+                </a:pPr>
+                <a:r>
+                  <a:rPr lang="en-US" altLang="ko-KR" sz="2000" dirty="0"/>
+                  <a:t>3) N = 15, </a:t>
+                </a:r>
+                <a14:m>
+                  <m:oMath xmlns:m="http://schemas.openxmlformats.org/officeDocument/2006/math">
+                    <m:r>
+                      <a:rPr lang="ko-KR" altLang="en-US" sz="2000" i="1">
+                        <a:latin typeface="Cambria Math" panose="02040503050406030204" pitchFamily="18" charset="0"/>
+                      </a:rPr>
+                      <m:t>𝛼</m:t>
+                    </m:r>
+                  </m:oMath>
+                </a14:m>
+                <a:r>
+                  <a:rPr lang="en-US" altLang="ko-KR" sz="2000" dirty="0"/>
+                  <a:t> = 0.5, </a:t>
+                </a:r>
+                <a14:m>
+                  <m:oMath xmlns:m="http://schemas.openxmlformats.org/officeDocument/2006/math">
+                    <m:sSub>
+                      <m:sSubPr>
+                        <m:ctrlPr>
+                          <a:rPr lang="ko-KR" altLang="en-US" sz="2000" i="1">
+                            <a:latin typeface="Cambria Math" panose="02040503050406030204" pitchFamily="18" charset="0"/>
+                          </a:rPr>
+                        </m:ctrlPr>
+                      </m:sSubPr>
+                      <m:e>
+                        <m:r>
+                          <a:rPr lang="ko-KR" altLang="en-US" sz="2000" i="1" dirty="0">
+                            <a:latin typeface="Cambria Math" panose="02040503050406030204" pitchFamily="18" charset="0"/>
+                          </a:rPr>
+                          <m:t>𝜃</m:t>
+                        </m:r>
+                      </m:e>
+                      <m:sub>
+                        <m:r>
+                          <a:rPr lang="en-US" altLang="ko-KR" sz="2000" i="1">
+                            <a:latin typeface="Cambria Math" panose="02040503050406030204" pitchFamily="18" charset="0"/>
+                          </a:rPr>
+                          <m:t>0</m:t>
+                        </m:r>
+                      </m:sub>
+                    </m:sSub>
+                  </m:oMath>
+                </a14:m>
+                <a:r>
+                  <a:rPr lang="en-US" altLang="ko-KR" sz="2000" dirty="0"/>
+                  <a:t> = 3</a:t>
+                </a:r>
+                <a:r>
+                  <a:rPr lang="ko-KR" altLang="en-US" sz="2000" dirty="0"/>
+                  <a:t>일 경우</a:t>
+                </a:r>
+                <a:endParaRPr lang="en-US" altLang="ko-KR" sz="2000" dirty="0"/>
+              </a:p>
+              <a:p>
+                <a:pPr marL="457200" indent="-457200">
+                  <a:buAutoNum type="arabicParenBoth"/>
+                </a:pPr>
+                <a14:m>
+                  <m:oMath xmlns:m="http://schemas.openxmlformats.org/officeDocument/2006/math">
+                    <m:sSub>
+                      <m:sSubPr>
+                        <m:ctrlPr>
+                          <a:rPr lang="en-US" altLang="ko-KR" sz="2000" i="1" dirty="0">
+                            <a:latin typeface="Cambria Math" panose="02040503050406030204" pitchFamily="18" charset="0"/>
+                          </a:rPr>
+                        </m:ctrlPr>
+                      </m:sSubPr>
+                      <m:e>
+                        <m:r>
+                          <a:rPr lang="en-US" altLang="ko-KR" sz="2000" i="1" dirty="0">
+                            <a:latin typeface="Cambria Math" panose="02040503050406030204" pitchFamily="18" charset="0"/>
+                          </a:rPr>
+                          <m:t>𝑃</m:t>
+                        </m:r>
+                      </m:e>
+                      <m:sub>
+                        <m:sSub>
+                          <m:sSubPr>
+                            <m:ctrlPr>
+                              <a:rPr lang="ko-KR" altLang="en-US" sz="2000" i="1">
+                                <a:latin typeface="Cambria Math" panose="02040503050406030204" pitchFamily="18" charset="0"/>
+                              </a:rPr>
+                            </m:ctrlPr>
+                          </m:sSubPr>
+                          <m:e>
+                            <m:r>
+                              <a:rPr lang="ko-KR" altLang="en-US" sz="2000" i="1" dirty="0">
+                                <a:latin typeface="Cambria Math" panose="02040503050406030204" pitchFamily="18" charset="0"/>
+                              </a:rPr>
+                              <m:t>𝜃</m:t>
+                            </m:r>
+                          </m:e>
+                          <m:sub>
+                            <m:r>
+                              <a:rPr lang="en-US" altLang="ko-KR" sz="2000" i="1">
+                                <a:latin typeface="Cambria Math" panose="02040503050406030204" pitchFamily="18" charset="0"/>
+                              </a:rPr>
+                              <m:t>0</m:t>
+                            </m:r>
+                          </m:sub>
+                        </m:sSub>
+                        <m:r>
+                          <a:rPr lang="en-US" altLang="ko-KR" sz="2000" b="0" i="1" smtClean="0">
+                            <a:latin typeface="Cambria Math" panose="02040503050406030204" pitchFamily="18" charset="0"/>
+                          </a:rPr>
+                          <m:t>=3</m:t>
+                        </m:r>
+                      </m:sub>
+                    </m:sSub>
+                    <m:d>
+                      <m:dPr>
+                        <m:begChr m:val="["/>
+                        <m:endChr m:val="]"/>
+                        <m:ctrlPr>
+                          <a:rPr lang="en-US" altLang="ko-KR" sz="2000" i="1" dirty="0">
+                            <a:latin typeface="Cambria Math" panose="02040503050406030204" pitchFamily="18" charset="0"/>
+                          </a:rPr>
+                        </m:ctrlPr>
+                      </m:dPr>
+                      <m:e>
+                        <m:f>
+                          <m:fPr>
+                            <m:ctrlPr>
+                              <a:rPr lang="en-US" altLang="ko-KR" sz="2000" i="1">
+                                <a:latin typeface="Cambria Math" panose="02040503050406030204" pitchFamily="18" charset="0"/>
+                              </a:rPr>
+                            </m:ctrlPr>
+                          </m:fPr>
+                          <m:num>
+                            <m:r>
+                              <m:rPr>
+                                <m:sty m:val="p"/>
+                              </m:rPr>
+                              <a:rPr lang="en-US" altLang="ko-KR" sz="2000">
+                                <a:latin typeface="Cambria Math" panose="02040503050406030204" pitchFamily="18" charset="0"/>
+                              </a:rPr>
+                              <m:t>Y</m:t>
+                            </m:r>
+                          </m:num>
+                          <m:den>
+                            <m:r>
+                              <a:rPr lang="en-US" altLang="ko-KR" sz="2000" b="0" i="1" smtClean="0">
+                                <a:latin typeface="Cambria Math" panose="02040503050406030204" pitchFamily="18" charset="0"/>
+                              </a:rPr>
+                              <m:t>3</m:t>
+                            </m:r>
+                          </m:den>
+                        </m:f>
+                        <m:r>
+                          <a:rPr lang="en-US" altLang="ko-KR" sz="2000" i="1">
+                            <a:latin typeface="Cambria Math" panose="02040503050406030204" pitchFamily="18" charset="0"/>
+                          </a:rPr>
+                          <m:t>≤</m:t>
+                        </m:r>
+                        <m:f>
+                          <m:fPr>
+                            <m:ctrlPr>
+                              <a:rPr lang="en-US" altLang="ko-KR" sz="2000" i="1">
+                                <a:latin typeface="Cambria Math" panose="02040503050406030204" pitchFamily="18" charset="0"/>
+                              </a:rPr>
+                            </m:ctrlPr>
+                          </m:fPr>
+                          <m:num>
+                            <m:sSup>
+                              <m:sSupPr>
+                                <m:ctrlPr>
+                                  <a:rPr lang="en-US" altLang="ko-KR" sz="2000" i="1">
+                                    <a:latin typeface="Cambria Math" panose="02040503050406030204" pitchFamily="18" charset="0"/>
+                                  </a:rPr>
+                                </m:ctrlPr>
+                              </m:sSupPr>
+                              <m:e>
+                                <m:r>
+                                  <a:rPr lang="en-US" altLang="ko-KR" sz="2000" i="1">
+                                    <a:latin typeface="Cambria Math" panose="02040503050406030204" pitchFamily="18" charset="0"/>
+                                  </a:rPr>
+                                  <m:t>𝑔</m:t>
+                                </m:r>
+                              </m:e>
+                              <m:sup>
+                                <m:r>
+                                  <a:rPr lang="en-US" altLang="ko-KR" sz="2000" i="1" dirty="0">
+                                    <a:latin typeface="Cambria Math" panose="02040503050406030204" pitchFamily="18" charset="0"/>
+                                  </a:rPr>
+                                  <m:t>−1</m:t>
+                                </m:r>
+                              </m:sup>
+                            </m:sSup>
+                            <m:d>
+                              <m:dPr>
+                                <m:ctrlPr>
+                                  <a:rPr lang="en-US" altLang="ko-KR" sz="2000" i="1">
+                                    <a:latin typeface="Cambria Math" panose="02040503050406030204" pitchFamily="18" charset="0"/>
+                                  </a:rPr>
+                                </m:ctrlPr>
+                              </m:dPr>
+                              <m:e>
+                                <m:r>
+                                  <a:rPr lang="en-US" altLang="ko-KR" sz="2000" i="1">
+                                    <a:latin typeface="Cambria Math" panose="02040503050406030204" pitchFamily="18" charset="0"/>
+                                  </a:rPr>
+                                  <m:t>𝑘</m:t>
+                                </m:r>
+                              </m:e>
+                            </m:d>
+                          </m:num>
+                          <m:den>
+                            <m:r>
+                              <a:rPr lang="en-US" altLang="ko-KR" sz="2000" b="0" i="1" smtClean="0">
+                                <a:latin typeface="Cambria Math" panose="02040503050406030204" pitchFamily="18" charset="0"/>
+                              </a:rPr>
+                              <m:t>3</m:t>
+                            </m:r>
+                          </m:den>
+                        </m:f>
+                      </m:e>
+                    </m:d>
+                  </m:oMath>
+                </a14:m>
+                <a:r>
+                  <a:rPr lang="en-US" altLang="ko-KR" sz="2000" dirty="0"/>
+                  <a:t> </a:t>
+                </a:r>
+                <a:r>
+                  <a:rPr lang="ko-KR" altLang="en-US" sz="2000" dirty="0"/>
+                  <a:t>에서 </a:t>
+                </a:r>
+                <a14:m>
+                  <m:oMath xmlns:m="http://schemas.openxmlformats.org/officeDocument/2006/math">
+                    <m:f>
+                      <m:fPr>
+                        <m:ctrlPr>
+                          <a:rPr lang="en-US" altLang="ko-KR" sz="2000" i="1">
+                            <a:latin typeface="Cambria Math" panose="02040503050406030204" pitchFamily="18" charset="0"/>
+                          </a:rPr>
+                        </m:ctrlPr>
+                      </m:fPr>
+                      <m:num>
+                        <m:r>
+                          <m:rPr>
+                            <m:sty m:val="p"/>
+                          </m:rPr>
+                          <a:rPr lang="en-US" altLang="ko-KR" sz="2000">
+                            <a:latin typeface="Cambria Math" panose="02040503050406030204" pitchFamily="18" charset="0"/>
+                          </a:rPr>
+                          <m:t>Y</m:t>
+                        </m:r>
+                      </m:num>
+                      <m:den>
+                        <m:r>
+                          <a:rPr lang="en-US" altLang="ko-KR" sz="2000" i="1">
+                            <a:latin typeface="Cambria Math" panose="02040503050406030204" pitchFamily="18" charset="0"/>
+                          </a:rPr>
+                          <m:t>3</m:t>
+                        </m:r>
+                      </m:den>
+                    </m:f>
+                    <m:r>
+                      <a:rPr lang="en-US" altLang="ko-KR" sz="2000" i="1">
+                        <a:latin typeface="Cambria Math" panose="02040503050406030204" pitchFamily="18" charset="0"/>
+                      </a:rPr>
+                      <m:t> </m:t>
+                    </m:r>
+                  </m:oMath>
+                </a14:m>
+                <a:r>
+                  <a:rPr lang="en-US" altLang="ko-KR" sz="2000" dirty="0"/>
+                  <a:t>~ </a:t>
+                </a:r>
+                <a14:m>
+                  <m:oMath xmlns:m="http://schemas.openxmlformats.org/officeDocument/2006/math">
+                    <m:sSup>
+                      <m:sSupPr>
+                        <m:ctrlPr>
+                          <a:rPr lang="en-US" altLang="ko-KR" sz="2000" i="1">
+                            <a:latin typeface="Cambria Math" panose="02040503050406030204" pitchFamily="18" charset="0"/>
+                          </a:rPr>
+                        </m:ctrlPr>
+                      </m:sSupPr>
+                      <m:e>
+                        <m:r>
+                          <a:rPr lang="en-US" altLang="ko-KR" sz="2000" i="1">
+                            <a:latin typeface="Cambria Math" panose="02040503050406030204" pitchFamily="18" charset="0"/>
+                          </a:rPr>
+                          <m:t>𝑥</m:t>
+                        </m:r>
+                      </m:e>
+                      <m:sup>
+                        <m:r>
+                          <a:rPr lang="en-US" altLang="ko-KR" sz="2000" i="1">
+                            <a:latin typeface="Cambria Math" panose="02040503050406030204" pitchFamily="18" charset="0"/>
+                          </a:rPr>
+                          <m:t>2</m:t>
+                        </m:r>
+                      </m:sup>
+                    </m:sSup>
+                    <m:r>
+                      <a:rPr lang="en-US" altLang="ko-KR" sz="2000" i="1">
+                        <a:latin typeface="Cambria Math" panose="02040503050406030204" pitchFamily="18" charset="0"/>
+                      </a:rPr>
+                      <m:t>(</m:t>
+                    </m:r>
+                    <m:r>
+                      <a:rPr lang="en-US" altLang="ko-KR" sz="2000" b="0" i="1" smtClean="0">
+                        <a:latin typeface="Cambria Math" panose="02040503050406030204" pitchFamily="18" charset="0"/>
+                      </a:rPr>
+                      <m:t>15</m:t>
+                    </m:r>
+                    <m:r>
+                      <a:rPr lang="en-US" altLang="ko-KR" sz="2000" i="1">
+                        <a:latin typeface="Cambria Math" panose="02040503050406030204" pitchFamily="18" charset="0"/>
+                      </a:rPr>
+                      <m:t>)</m:t>
+                    </m:r>
+                  </m:oMath>
+                </a14:m>
+                <a:r>
+                  <a:rPr lang="en-US" altLang="ko-KR" sz="2000" dirty="0"/>
+                  <a:t> </a:t>
+                </a:r>
+                <a:r>
+                  <a:rPr lang="ko-KR" altLang="en-US" sz="2000" dirty="0"/>
+                  <a:t>이므로</a:t>
+                </a:r>
+                <a:r>
+                  <a:rPr lang="en-US" altLang="ko-KR" sz="2000" dirty="0"/>
+                  <a:t>,  </a:t>
+                </a:r>
+              </a:p>
+              <a:p>
+                <a:pPr marL="457200" indent="-457200">
+                  <a:buAutoNum type="arabicParenBoth"/>
+                </a:pPr>
+                <a14:m>
+                  <m:oMath xmlns:m="http://schemas.openxmlformats.org/officeDocument/2006/math">
+                    <m:f>
+                      <m:fPr>
+                        <m:ctrlPr>
+                          <a:rPr lang="en-US" altLang="ko-KR" sz="2000" i="1">
+                            <a:latin typeface="Cambria Math" panose="02040503050406030204" pitchFamily="18" charset="0"/>
+                          </a:rPr>
+                        </m:ctrlPr>
+                      </m:fPr>
+                      <m:num>
+                        <m:sSup>
+                          <m:sSupPr>
+                            <m:ctrlPr>
+                              <a:rPr lang="en-US" altLang="ko-KR" sz="2000" i="1">
+                                <a:latin typeface="Cambria Math" panose="02040503050406030204" pitchFamily="18" charset="0"/>
+                              </a:rPr>
+                            </m:ctrlPr>
+                          </m:sSupPr>
+                          <m:e>
+                            <m:r>
+                              <a:rPr lang="en-US" altLang="ko-KR" sz="2000" i="1">
+                                <a:latin typeface="Cambria Math" panose="02040503050406030204" pitchFamily="18" charset="0"/>
+                              </a:rPr>
+                              <m:t>𝑔</m:t>
+                            </m:r>
+                          </m:e>
+                          <m:sup>
+                            <m:r>
+                              <a:rPr lang="en-US" altLang="ko-KR" sz="2000" i="1" dirty="0">
+                                <a:latin typeface="Cambria Math" panose="02040503050406030204" pitchFamily="18" charset="0"/>
+                              </a:rPr>
+                              <m:t>−1</m:t>
+                            </m:r>
+                          </m:sup>
+                        </m:sSup>
+                        <m:d>
+                          <m:dPr>
+                            <m:ctrlPr>
+                              <a:rPr lang="en-US" altLang="ko-KR" sz="2000" i="1">
+                                <a:latin typeface="Cambria Math" panose="02040503050406030204" pitchFamily="18" charset="0"/>
+                              </a:rPr>
+                            </m:ctrlPr>
+                          </m:dPr>
+                          <m:e>
+                            <m:r>
+                              <a:rPr lang="en-US" altLang="ko-KR" sz="2000" i="1">
+                                <a:latin typeface="Cambria Math" panose="02040503050406030204" pitchFamily="18" charset="0"/>
+                              </a:rPr>
+                              <m:t>𝑘</m:t>
+                            </m:r>
+                          </m:e>
+                        </m:d>
+                      </m:num>
+                      <m:den>
+                        <m:r>
+                          <a:rPr lang="en-US" altLang="ko-KR" sz="2000" i="1">
+                            <a:latin typeface="Cambria Math" panose="02040503050406030204" pitchFamily="18" charset="0"/>
+                          </a:rPr>
+                          <m:t>3</m:t>
+                        </m:r>
+                      </m:den>
+                    </m:f>
+                  </m:oMath>
+                </a14:m>
+                <a:r>
+                  <a:rPr lang="en-US" altLang="ko-KR" sz="2000" dirty="0"/>
+                  <a:t> = </a:t>
+                </a:r>
+                <a14:m>
+                  <m:oMath xmlns:m="http://schemas.openxmlformats.org/officeDocument/2006/math">
+                    <m:sSub>
+                      <m:sSubPr>
+                        <m:ctrlPr>
+                          <a:rPr lang="en-US" altLang="ko-KR" sz="2000" i="1" smtClean="0">
+                            <a:latin typeface="Cambria Math" panose="02040503050406030204" pitchFamily="18" charset="0"/>
+                          </a:rPr>
+                        </m:ctrlPr>
+                      </m:sSubPr>
+                      <m:e>
+                        <m:sSup>
+                          <m:sSupPr>
+                            <m:ctrlPr>
+                              <a:rPr lang="en-US" altLang="ko-KR" sz="2000" i="1">
+                                <a:latin typeface="Cambria Math" panose="02040503050406030204" pitchFamily="18" charset="0"/>
+                              </a:rPr>
+                            </m:ctrlPr>
+                          </m:sSupPr>
+                          <m:e>
+                            <m:r>
+                              <a:rPr lang="en-US" altLang="ko-KR" sz="2000" i="1">
+                                <a:latin typeface="Cambria Math" panose="02040503050406030204" pitchFamily="18" charset="0"/>
+                              </a:rPr>
+                              <m:t>𝑥</m:t>
+                            </m:r>
+                          </m:e>
+                          <m:sup>
+                            <m:r>
+                              <a:rPr lang="en-US" altLang="ko-KR" sz="2000" i="1">
+                                <a:latin typeface="Cambria Math" panose="02040503050406030204" pitchFamily="18" charset="0"/>
+                              </a:rPr>
+                              <m:t>2</m:t>
+                            </m:r>
+                          </m:sup>
+                        </m:sSup>
+                      </m:e>
+                      <m:sub>
+                        <m:r>
+                          <a:rPr lang="en-US" altLang="ko-KR" sz="2000" b="0" i="1" smtClean="0">
+                            <a:latin typeface="Cambria Math" panose="02040503050406030204" pitchFamily="18" charset="0"/>
+                          </a:rPr>
+                          <m:t>0.05,15</m:t>
+                        </m:r>
+                      </m:sub>
+                    </m:sSub>
+                  </m:oMath>
+                </a14:m>
+                <a:r>
+                  <a:rPr lang="en-US" altLang="ko-KR" sz="2000" dirty="0"/>
+                  <a:t> = 25.1 </a:t>
+                </a:r>
+                <a:r>
+                  <a:rPr lang="ko-KR" altLang="en-US" sz="2000" dirty="0"/>
+                  <a:t>이므로</a:t>
+                </a:r>
+                <a:r>
+                  <a:rPr lang="en-US" altLang="ko-KR" sz="2000" dirty="0"/>
+                  <a:t>, </a:t>
+                </a:r>
+                <a:r>
+                  <a:rPr lang="ko-KR" altLang="en-US" sz="2000" dirty="0"/>
+                  <a:t>이를 벗어나면 </a:t>
+                </a:r>
+                <a14:m>
+                  <m:oMath xmlns:m="http://schemas.openxmlformats.org/officeDocument/2006/math">
+                    <m:sSub>
+                      <m:sSubPr>
+                        <m:ctrlPr>
+                          <a:rPr lang="ko-KR" altLang="en-US" sz="2000" i="1">
+                            <a:latin typeface="Cambria Math" panose="02040503050406030204" pitchFamily="18" charset="0"/>
+                          </a:rPr>
+                        </m:ctrlPr>
+                      </m:sSubPr>
+                      <m:e>
+                        <m:r>
+                          <a:rPr lang="en-US" altLang="ko-KR" sz="2000" i="1">
+                            <a:latin typeface="Cambria Math" panose="02040503050406030204" pitchFamily="18" charset="0"/>
+                          </a:rPr>
+                          <m:t>𝐻</m:t>
+                        </m:r>
+                      </m:e>
+                      <m:sub>
+                        <m:r>
+                          <a:rPr lang="en-US" altLang="ko-KR" sz="2000" i="1">
+                            <a:latin typeface="Cambria Math" panose="02040503050406030204" pitchFamily="18" charset="0"/>
+                          </a:rPr>
+                          <m:t>0</m:t>
+                        </m:r>
+                      </m:sub>
+                    </m:sSub>
+                  </m:oMath>
+                </a14:m>
+                <a:r>
+                  <a:rPr lang="en-US" altLang="ko-KR" sz="2000" dirty="0"/>
+                  <a:t> </a:t>
+                </a:r>
+                <a:r>
+                  <a:rPr lang="ko-KR" altLang="en-US" sz="2000" dirty="0"/>
+                  <a:t>를 기각하고 </a:t>
+                </a:r>
+                <a14:m>
+                  <m:oMath xmlns:m="http://schemas.openxmlformats.org/officeDocument/2006/math">
+                    <m:sSub>
+                      <m:sSubPr>
+                        <m:ctrlPr>
+                          <a:rPr lang="ko-KR" altLang="en-US" sz="2000" i="1">
+                            <a:latin typeface="Cambria Math" panose="02040503050406030204" pitchFamily="18" charset="0"/>
+                          </a:rPr>
+                        </m:ctrlPr>
+                      </m:sSubPr>
+                      <m:e>
+                        <m:r>
+                          <a:rPr lang="en-US" altLang="ko-KR" sz="2000" i="1">
+                            <a:latin typeface="Cambria Math" panose="02040503050406030204" pitchFamily="18" charset="0"/>
+                          </a:rPr>
+                          <m:t>𝐻</m:t>
+                        </m:r>
+                      </m:e>
+                      <m:sub>
+                        <m:r>
+                          <a:rPr lang="en-US" altLang="ko-KR" sz="2000" b="0" i="1" smtClean="0">
+                            <a:latin typeface="Cambria Math" panose="02040503050406030204" pitchFamily="18" charset="0"/>
+                          </a:rPr>
+                          <m:t>1</m:t>
+                        </m:r>
+                      </m:sub>
+                    </m:sSub>
+                  </m:oMath>
+                </a14:m>
+                <a:r>
+                  <a:rPr lang="ko-KR" altLang="en-US" sz="2000" dirty="0"/>
+                  <a:t>을 채택한다</a:t>
+                </a:r>
+                <a:r>
+                  <a:rPr lang="en-US" altLang="ko-KR" sz="2000" dirty="0"/>
+                  <a:t>. </a:t>
+                </a:r>
+              </a:p>
+            </p:txBody>
+          </p:sp>
+        </mc:Choice>
+        <mc:Fallback>
+          <p:sp>
+            <p:nvSpPr>
+              <p:cNvPr id="3" name="내용 개체 틀 2">
+                <a:extLst>
+                  <a:ext uri="{FF2B5EF4-FFF2-40B4-BE49-F238E27FC236}">
+                    <a16:creationId xmlns:a16="http://schemas.microsoft.com/office/drawing/2014/main" id="{0A55A7CF-CFA2-415D-9A88-9589E9B92620}"/>
+                  </a:ext>
+                </a:extLst>
+              </p:cNvPr>
+              <p:cNvSpPr>
+                <a:spLocks noGrp="1" noRot="1" noChangeAspect="1" noMove="1" noResize="1" noEditPoints="1" noAdjustHandles="1" noChangeArrowheads="1" noChangeShapeType="1" noTextEdit="1"/>
+              </p:cNvSpPr>
+              <p:nvPr>
+                <p:ph idx="1"/>
+              </p:nvPr>
+            </p:nvSpPr>
+            <p:spPr>
+              <a:blipFill>
+                <a:blip r:embed="rId2"/>
+                <a:stretch>
+                  <a:fillRect l="-522" t="-2241"/>
+                </a:stretch>
+              </a:blipFill>
+            </p:spPr>
+            <p:txBody>
+              <a:bodyPr/>
+              <a:lstStyle/>
+              <a:p>
+                <a:r>
+                  <a:rPr lang="ko-KR" altLang="en-US">
+                    <a:noFill/>
+                  </a:rPr>
+                  <a:t> </a:t>
+                </a:r>
+              </a:p>
+            </p:txBody>
+          </p:sp>
+        </mc:Fallback>
+      </mc:AlternateContent>
+    </p:spTree>
+    <p:extLst>
+      <p:ext uri="{BB962C8B-B14F-4D97-AF65-F5344CB8AC3E}">
+        <p14:creationId xmlns:p14="http://schemas.microsoft.com/office/powerpoint/2010/main" val="2417894855"/>
       </p:ext>
     </p:extLst>
   </p:cSld>

--- a/Study/statistics/PPT/54. 균일최강력검정.pptx
+++ b/Study/statistics/PPT/54. 균일최강력검정.pptx
@@ -276,7 +276,7 @@
           <a:p>
             <a:fld id="{577C5D98-BDFB-4418-BE07-A48B8D25269B}" type="datetimeFigureOut">
               <a:rPr lang="ko-KR" altLang="en-US" smtClean="0"/>
-              <a:t>2020-01-06</a:t>
+              <a:t>2020-01-11</a:t>
             </a:fld>
             <a:endParaRPr lang="ko-KR" altLang="en-US"/>
           </a:p>
@@ -474,7 +474,7 @@
           <a:p>
             <a:fld id="{577C5D98-BDFB-4418-BE07-A48B8D25269B}" type="datetimeFigureOut">
               <a:rPr lang="ko-KR" altLang="en-US" smtClean="0"/>
-              <a:t>2020-01-06</a:t>
+              <a:t>2020-01-11</a:t>
             </a:fld>
             <a:endParaRPr lang="ko-KR" altLang="en-US"/>
           </a:p>
@@ -682,7 +682,7 @@
           <a:p>
             <a:fld id="{577C5D98-BDFB-4418-BE07-A48B8D25269B}" type="datetimeFigureOut">
               <a:rPr lang="ko-KR" altLang="en-US" smtClean="0"/>
-              <a:t>2020-01-06</a:t>
+              <a:t>2020-01-11</a:t>
             </a:fld>
             <a:endParaRPr lang="ko-KR" altLang="en-US"/>
           </a:p>
@@ -880,7 +880,7 @@
           <a:p>
             <a:fld id="{577C5D98-BDFB-4418-BE07-A48B8D25269B}" type="datetimeFigureOut">
               <a:rPr lang="ko-KR" altLang="en-US" smtClean="0"/>
-              <a:t>2020-01-06</a:t>
+              <a:t>2020-01-11</a:t>
             </a:fld>
             <a:endParaRPr lang="ko-KR" altLang="en-US"/>
           </a:p>
@@ -1155,7 +1155,7 @@
           <a:p>
             <a:fld id="{577C5D98-BDFB-4418-BE07-A48B8D25269B}" type="datetimeFigureOut">
               <a:rPr lang="ko-KR" altLang="en-US" smtClean="0"/>
-              <a:t>2020-01-06</a:t>
+              <a:t>2020-01-11</a:t>
             </a:fld>
             <a:endParaRPr lang="ko-KR" altLang="en-US"/>
           </a:p>
@@ -1420,7 +1420,7 @@
           <a:p>
             <a:fld id="{577C5D98-BDFB-4418-BE07-A48B8D25269B}" type="datetimeFigureOut">
               <a:rPr lang="ko-KR" altLang="en-US" smtClean="0"/>
-              <a:t>2020-01-06</a:t>
+              <a:t>2020-01-11</a:t>
             </a:fld>
             <a:endParaRPr lang="ko-KR" altLang="en-US"/>
           </a:p>
@@ -1832,7 +1832,7 @@
           <a:p>
             <a:fld id="{577C5D98-BDFB-4418-BE07-A48B8D25269B}" type="datetimeFigureOut">
               <a:rPr lang="ko-KR" altLang="en-US" smtClean="0"/>
-              <a:t>2020-01-06</a:t>
+              <a:t>2020-01-11</a:t>
             </a:fld>
             <a:endParaRPr lang="ko-KR" altLang="en-US"/>
           </a:p>
@@ -1973,7 +1973,7 @@
           <a:p>
             <a:fld id="{577C5D98-BDFB-4418-BE07-A48B8D25269B}" type="datetimeFigureOut">
               <a:rPr lang="ko-KR" altLang="en-US" smtClean="0"/>
-              <a:t>2020-01-06</a:t>
+              <a:t>2020-01-11</a:t>
             </a:fld>
             <a:endParaRPr lang="ko-KR" altLang="en-US"/>
           </a:p>
@@ -2086,7 +2086,7 @@
           <a:p>
             <a:fld id="{577C5D98-BDFB-4418-BE07-A48B8D25269B}" type="datetimeFigureOut">
               <a:rPr lang="ko-KR" altLang="en-US" smtClean="0"/>
-              <a:t>2020-01-06</a:t>
+              <a:t>2020-01-11</a:t>
             </a:fld>
             <a:endParaRPr lang="ko-KR" altLang="en-US"/>
           </a:p>
@@ -2397,7 +2397,7 @@
           <a:p>
             <a:fld id="{577C5D98-BDFB-4418-BE07-A48B8D25269B}" type="datetimeFigureOut">
               <a:rPr lang="ko-KR" altLang="en-US" smtClean="0"/>
-              <a:t>2020-01-06</a:t>
+              <a:t>2020-01-11</a:t>
             </a:fld>
             <a:endParaRPr lang="ko-KR" altLang="en-US"/>
           </a:p>
@@ -2685,7 +2685,7 @@
           <a:p>
             <a:fld id="{577C5D98-BDFB-4418-BE07-A48B8D25269B}" type="datetimeFigureOut">
               <a:rPr lang="ko-KR" altLang="en-US" smtClean="0"/>
-              <a:t>2020-01-06</a:t>
+              <a:t>2020-01-11</a:t>
             </a:fld>
             <a:endParaRPr lang="ko-KR" altLang="en-US"/>
           </a:p>
@@ -2926,7 +2926,7 @@
           <a:p>
             <a:fld id="{577C5D98-BDFB-4418-BE07-A48B8D25269B}" type="datetimeFigureOut">
               <a:rPr lang="ko-KR" altLang="en-US" smtClean="0"/>
-              <a:t>2020-01-06</a:t>
+              <a:t>2020-01-11</a:t>
             </a:fld>
             <a:endParaRPr lang="ko-KR" altLang="en-US"/>
           </a:p>
@@ -3815,8 +3815,8 @@
           </a:p>
         </p:txBody>
       </p:sp>
-      <mc:AlternateContent xmlns:mc="http://schemas.openxmlformats.org/markup-compatibility/2006" xmlns:a14="http://schemas.microsoft.com/office/drawing/2010/main">
-        <mc:Choice Requires="a14">
+      <mc:AlternateContent xmlns:mc="http://schemas.openxmlformats.org/markup-compatibility/2006">
+        <mc:Choice xmlns:a14="http://schemas.microsoft.com/office/drawing/2010/main" Requires="a14">
           <p:sp>
             <p:nvSpPr>
               <p:cNvPr id="3" name="내용 개체 틀 2">
@@ -5691,6 +5691,156 @@
               </a:p>
               <a:p>
                 <a:pPr marL="457200" indent="-457200">
+                  <a:buAutoNum type="arabicParenBoth"/>
+                </a:pPr>
+                <a:r>
+                  <a:rPr lang="ko-KR" altLang="en-US" sz="2000" dirty="0"/>
+                  <a:t>이는 인수분해 정리에 의해 </a:t>
+                </a:r>
+                <a:r>
+                  <a:rPr lang="ko-KR" altLang="en-US" sz="2000" u="sng" dirty="0" err="1"/>
+                  <a:t>모수에</a:t>
+                </a:r>
+                <a:r>
+                  <a:rPr lang="ko-KR" altLang="en-US" sz="2000" u="sng" dirty="0"/>
+                  <a:t> 의존하지 않는 </a:t>
+                </a:r>
+                <a14:m>
+                  <m:oMath xmlns:m="http://schemas.openxmlformats.org/officeDocument/2006/math">
+                    <m:sSub>
+                      <m:sSubPr>
+                        <m:ctrlPr>
+                          <a:rPr lang="ko-KR" altLang="en-US" sz="2000" i="1" u="sng">
+                            <a:latin typeface="Cambria Math" panose="02040503050406030204" pitchFamily="18" charset="0"/>
+                          </a:rPr>
+                        </m:ctrlPr>
+                      </m:sSubPr>
+                      <m:e>
+                        <m:r>
+                          <a:rPr lang="en-US" altLang="ko-KR" sz="2000" i="1" u="sng">
+                            <a:latin typeface="Cambria Math" panose="02040503050406030204" pitchFamily="18" charset="0"/>
+                          </a:rPr>
+                          <m:t>𝑘</m:t>
+                        </m:r>
+                      </m:e>
+                      <m:sub>
+                        <m:r>
+                          <a:rPr lang="en-US" altLang="ko-KR" sz="2000" i="1" u="sng">
+                            <a:latin typeface="Cambria Math" panose="02040503050406030204" pitchFamily="18" charset="0"/>
+                          </a:rPr>
+                          <m:t>2</m:t>
+                        </m:r>
+                      </m:sub>
+                    </m:sSub>
+                    <m:d>
+                      <m:dPr>
+                        <m:ctrlPr>
+                          <a:rPr lang="ko-KR" altLang="en-US" sz="2000" i="1" u="sng">
+                            <a:latin typeface="Cambria Math" panose="02040503050406030204" pitchFamily="18" charset="0"/>
+                          </a:rPr>
+                        </m:ctrlPr>
+                      </m:dPr>
+                      <m:e>
+                        <m:sSub>
+                          <m:sSubPr>
+                            <m:ctrlPr>
+                              <a:rPr lang="ko-KR" altLang="en-US" sz="2000" i="1" u="sng">
+                                <a:latin typeface="Cambria Math" panose="02040503050406030204" pitchFamily="18" charset="0"/>
+                              </a:rPr>
+                            </m:ctrlPr>
+                          </m:sSubPr>
+                          <m:e>
+                            <m:r>
+                              <a:rPr lang="en-US" altLang="ko-KR" sz="2000" i="1" u="sng">
+                                <a:latin typeface="Cambria Math" panose="02040503050406030204" pitchFamily="18" charset="0"/>
+                              </a:rPr>
+                              <m:t>𝑋</m:t>
+                            </m:r>
+                          </m:e>
+                          <m:sub>
+                            <m:r>
+                              <a:rPr lang="ko-KR" altLang="en-US" sz="2000" i="1" u="sng">
+                                <a:latin typeface="Cambria Math" panose="02040503050406030204" pitchFamily="18" charset="0"/>
+                              </a:rPr>
+                              <m:t>1</m:t>
+                            </m:r>
+                          </m:sub>
+                        </m:sSub>
+                        <m:r>
+                          <a:rPr lang="ko-KR" altLang="en-US" sz="2000" i="1" u="sng">
+                            <a:latin typeface="Cambria Math" panose="02040503050406030204" pitchFamily="18" charset="0"/>
+                          </a:rPr>
+                          <m:t>,</m:t>
+                        </m:r>
+                        <m:r>
+                          <a:rPr lang="en-US" altLang="ko-KR" sz="2000" i="1" u="sng">
+                            <a:latin typeface="Cambria Math" panose="02040503050406030204" pitchFamily="18" charset="0"/>
+                          </a:rPr>
+                          <m:t>…,</m:t>
+                        </m:r>
+                        <m:sSub>
+                          <m:sSubPr>
+                            <m:ctrlPr>
+                              <a:rPr lang="ko-KR" altLang="en-US" sz="2000" i="1" u="sng">
+                                <a:latin typeface="Cambria Math" panose="02040503050406030204" pitchFamily="18" charset="0"/>
+                              </a:rPr>
+                            </m:ctrlPr>
+                          </m:sSubPr>
+                          <m:e>
+                            <m:r>
+                              <a:rPr lang="en-US" altLang="ko-KR" sz="2000" i="1" u="sng">
+                                <a:latin typeface="Cambria Math" panose="02040503050406030204" pitchFamily="18" charset="0"/>
+                              </a:rPr>
+                              <m:t>𝑋</m:t>
+                            </m:r>
+                          </m:e>
+                          <m:sub>
+                            <m:r>
+                              <a:rPr lang="en-US" altLang="ko-KR" sz="2000" i="1" u="sng">
+                                <a:latin typeface="Cambria Math" panose="02040503050406030204" pitchFamily="18" charset="0"/>
+                              </a:rPr>
+                              <m:t>𝑛</m:t>
+                            </m:r>
+                          </m:sub>
+                        </m:sSub>
+                      </m:e>
+                    </m:d>
+                  </m:oMath>
+                </a14:m>
+                <a:r>
+                  <a:rPr lang="en-US" altLang="ko-KR" sz="2000" u="sng" dirty="0"/>
+                  <a:t> </a:t>
+                </a:r>
+                <a:r>
+                  <a:rPr lang="ko-KR" altLang="en-US" sz="2000" u="sng" dirty="0"/>
+                  <a:t>부분</a:t>
+                </a:r>
+                <a:r>
+                  <a:rPr lang="ko-KR" altLang="en-US" sz="2000" dirty="0"/>
+                  <a:t>이 </a:t>
+                </a:r>
+                <a:br>
+                  <a:rPr lang="en-US" altLang="ko-KR" sz="2000" dirty="0"/>
+                </a:br>
+                <a:r>
+                  <a:rPr lang="ko-KR" altLang="en-US" sz="2000" dirty="0">
+                    <a:solidFill>
+                      <a:srgbClr val="FF0000"/>
+                    </a:solidFill>
+                  </a:rPr>
+                  <a:t>소거</a:t>
+                </a:r>
+                <a:r>
+                  <a:rPr lang="ko-KR" altLang="en-US" sz="2000" dirty="0"/>
+                  <a:t>되기 때문에 가능하다</a:t>
+                </a:r>
+                <a:r>
+                  <a:rPr lang="en-US" altLang="ko-KR" sz="2000" dirty="0"/>
+                  <a:t>.</a:t>
+                </a:r>
+              </a:p>
+              <a:p>
+                <a:pPr marL="457200" indent="-457200">
                   <a:buAutoNum type="arabicParenR"/>
                 </a:pPr>
                 <a:endParaRPr lang="en-US" altLang="ko-KR" sz="2000" dirty="0"/>
@@ -5704,7 +5854,7 @@
             </p:txBody>
           </p:sp>
         </mc:Choice>
-        <mc:Fallback xmlns="">
+        <mc:Fallback>
           <p:sp>
             <p:nvSpPr>
               <p:cNvPr id="3" name="내용 개체 틀 2">
@@ -5744,6 +5894,88 @@
           </p:sp>
         </mc:Fallback>
       </mc:AlternateContent>
+      <p:cxnSp>
+        <p:nvCxnSpPr>
+          <p:cNvPr id="5" name="직선 연결선 4">
+            <a:extLst>
+              <a:ext uri="{FF2B5EF4-FFF2-40B4-BE49-F238E27FC236}">
+                <a16:creationId xmlns:a16="http://schemas.microsoft.com/office/drawing/2014/main" id="{E528656C-C492-40C4-8D75-532EE4FD700E}"/>
+              </a:ext>
+            </a:extLst>
+          </p:cNvPr>
+          <p:cNvCxnSpPr/>
+          <p:nvPr/>
+        </p:nvCxnSpPr>
+        <p:spPr>
+          <a:xfrm flipH="1">
+            <a:off x="4528457" y="3429000"/>
+            <a:ext cx="1097280" cy="211183"/>
+          </a:xfrm>
+          <a:prstGeom prst="line">
+            <a:avLst/>
+          </a:prstGeom>
+          <a:ln w="28575">
+            <a:solidFill>
+              <a:srgbClr val="FF0000"/>
+            </a:solidFill>
+          </a:ln>
+        </p:spPr>
+        <p:style>
+          <a:lnRef idx="1">
+            <a:schemeClr val="accent1"/>
+          </a:lnRef>
+          <a:fillRef idx="0">
+            <a:schemeClr val="accent1"/>
+          </a:fillRef>
+          <a:effectRef idx="0">
+            <a:schemeClr val="accent1"/>
+          </a:effectRef>
+          <a:fontRef idx="minor">
+            <a:schemeClr val="tx1"/>
+          </a:fontRef>
+        </p:style>
+      </p:cxnSp>
+      <p:cxnSp>
+        <p:nvCxnSpPr>
+          <p:cNvPr id="6" name="직선 연결선 5">
+            <a:extLst>
+              <a:ext uri="{FF2B5EF4-FFF2-40B4-BE49-F238E27FC236}">
+                <a16:creationId xmlns:a16="http://schemas.microsoft.com/office/drawing/2014/main" id="{EED760B4-6997-4C5B-932E-110964124B4F}"/>
+              </a:ext>
+            </a:extLst>
+          </p:cNvPr>
+          <p:cNvCxnSpPr/>
+          <p:nvPr/>
+        </p:nvCxnSpPr>
+        <p:spPr>
+          <a:xfrm flipH="1">
+            <a:off x="4528457" y="3775120"/>
+            <a:ext cx="1097280" cy="211183"/>
+          </a:xfrm>
+          <a:prstGeom prst="line">
+            <a:avLst/>
+          </a:prstGeom>
+          <a:ln w="28575">
+            <a:solidFill>
+              <a:srgbClr val="FF0000"/>
+            </a:solidFill>
+          </a:ln>
+        </p:spPr>
+        <p:style>
+          <a:lnRef idx="1">
+            <a:schemeClr val="accent1"/>
+          </a:lnRef>
+          <a:fillRef idx="0">
+            <a:schemeClr val="accent1"/>
+          </a:fillRef>
+          <a:effectRef idx="0">
+            <a:schemeClr val="accent1"/>
+          </a:effectRef>
+          <a:fontRef idx="minor">
+            <a:schemeClr val="tx1"/>
+          </a:fontRef>
+        </p:style>
+      </p:cxnSp>
     </p:spTree>
     <p:extLst>
       <p:ext uri="{BB962C8B-B14F-4D97-AF65-F5344CB8AC3E}">
@@ -5802,8 +6034,8 @@
           </a:p>
         </p:txBody>
       </p:sp>
-      <mc:AlternateContent xmlns:mc="http://schemas.openxmlformats.org/markup-compatibility/2006" xmlns:a14="http://schemas.microsoft.com/office/drawing/2010/main">
-        <mc:Choice Requires="a14">
+      <mc:AlternateContent xmlns:mc="http://schemas.openxmlformats.org/markup-compatibility/2006">
+        <mc:Choice xmlns:a14="http://schemas.microsoft.com/office/drawing/2010/main" Requires="a14">
           <p:sp>
             <p:nvSpPr>
               <p:cNvPr id="3" name="내용 개체 틀 2">
@@ -6905,6 +7137,9 @@
                   <m:oMath xmlns:m="http://schemas.openxmlformats.org/officeDocument/2006/math">
                     <m:r>
                       <a:rPr lang="ko-KR" altLang="en-US" sz="2000" i="1" smtClean="0">
+                        <a:solidFill>
+                          <a:srgbClr val="FF0000"/>
+                        </a:solidFill>
                         <a:latin typeface="Cambria Math" panose="02040503050406030204" pitchFamily="18" charset="0"/>
                       </a:rPr>
                       <m:t>𝛼</m:t>
@@ -6912,7 +7147,11 @@
                   </m:oMath>
                 </a14:m>
                 <a:r>
-                  <a:rPr lang="en-US" altLang="ko-KR" sz="2000" dirty="0"/>
+                  <a:rPr lang="en-US" altLang="ko-KR" sz="2000" dirty="0">
+                    <a:solidFill>
+                      <a:srgbClr val="FF0000"/>
+                    </a:solidFill>
+                  </a:rPr>
                   <a:t> = </a:t>
                 </a:r>
                 <a14:m>
@@ -6921,6 +7160,9 @@
                       <m:sSubPr>
                         <m:ctrlPr>
                           <a:rPr lang="en-US" altLang="ko-KR" sz="2000" i="1" dirty="0" smtClean="0">
+                            <a:solidFill>
+                              <a:srgbClr val="FF0000"/>
+                            </a:solidFill>
                             <a:latin typeface="Cambria Math" panose="02040503050406030204" pitchFamily="18" charset="0"/>
                           </a:rPr>
                         </m:ctrlPr>
@@ -6928,6 +7170,9 @@
                       <m:e>
                         <m:r>
                           <a:rPr lang="en-US" altLang="ko-KR" sz="2000" i="1" dirty="0" smtClean="0">
+                            <a:solidFill>
+                              <a:srgbClr val="FF0000"/>
+                            </a:solidFill>
                             <a:latin typeface="Cambria Math" panose="02040503050406030204" pitchFamily="18" charset="0"/>
                           </a:rPr>
                           <m:t>𝑃</m:t>
@@ -6938,6 +7183,9 @@
                           <m:sSubPr>
                             <m:ctrlPr>
                               <a:rPr lang="ko-KR" altLang="en-US" sz="2000" i="1" smtClean="0">
+                                <a:solidFill>
+                                  <a:srgbClr val="FF0000"/>
+                                </a:solidFill>
                                 <a:latin typeface="Cambria Math" panose="02040503050406030204" pitchFamily="18" charset="0"/>
                               </a:rPr>
                             </m:ctrlPr>
@@ -6945,6 +7193,9 @@
                           <m:e>
                             <m:r>
                               <a:rPr lang="ko-KR" altLang="en-US" sz="2000" i="1" dirty="0" smtClean="0">
+                                <a:solidFill>
+                                  <a:srgbClr val="FF0000"/>
+                                </a:solidFill>
                                 <a:latin typeface="Cambria Math" panose="02040503050406030204" pitchFamily="18" charset="0"/>
                               </a:rPr>
                               <m:t>𝜃</m:t>
@@ -6953,6 +7204,9 @@
                           <m:sub>
                             <m:r>
                               <a:rPr lang="en-US" altLang="ko-KR" sz="2000" b="0" i="1" dirty="0" smtClean="0">
+                                <a:solidFill>
+                                  <a:srgbClr val="FF0000"/>
+                                </a:solidFill>
                                 <a:latin typeface="Cambria Math" panose="02040503050406030204" pitchFamily="18" charset="0"/>
                               </a:rPr>
                               <m:t>0</m:t>
@@ -6963,12 +7217,18 @@
                     </m:sSub>
                     <m:r>
                       <a:rPr lang="en-US" altLang="ko-KR" sz="2000" b="0" i="1" dirty="0" smtClean="0">
+                        <a:solidFill>
+                          <a:srgbClr val="FF0000"/>
+                        </a:solidFill>
                         <a:latin typeface="Cambria Math" panose="02040503050406030204" pitchFamily="18" charset="0"/>
                       </a:rPr>
                       <m:t>[</m:t>
                     </m:r>
                     <m:r>
                       <a:rPr lang="en-US" altLang="ko-KR" sz="2000" b="0" i="1" dirty="0" smtClean="0">
+                        <a:solidFill>
+                          <a:srgbClr val="FF0000"/>
+                        </a:solidFill>
                         <a:latin typeface="Cambria Math" panose="02040503050406030204" pitchFamily="18" charset="0"/>
                       </a:rPr>
                       <m:t>𝑔</m:t>
@@ -6977,6 +7237,9 @@
                       <m:dPr>
                         <m:ctrlPr>
                           <a:rPr lang="en-US" altLang="ko-KR" sz="2000" b="0" i="1" dirty="0" smtClean="0">
+                            <a:solidFill>
+                              <a:srgbClr val="FF0000"/>
+                            </a:solidFill>
                             <a:latin typeface="Cambria Math" panose="02040503050406030204" pitchFamily="18" charset="0"/>
                           </a:rPr>
                         </m:ctrlPr>
@@ -6984,6 +7247,9 @@
                       <m:e>
                         <m:r>
                           <a:rPr lang="en-US" altLang="ko-KR" sz="2000" b="0" i="1" dirty="0" smtClean="0">
+                            <a:solidFill>
+                              <a:srgbClr val="FF0000"/>
+                            </a:solidFill>
                             <a:latin typeface="Cambria Math" panose="02040503050406030204" pitchFamily="18" charset="0"/>
                           </a:rPr>
                           <m:t>𝑌</m:t>
@@ -6992,6 +7258,9 @@
                     </m:d>
                     <m:r>
                       <a:rPr lang="en-US" altLang="ko-KR" sz="2000" b="0" i="1" dirty="0" smtClean="0">
+                        <a:solidFill>
+                          <a:srgbClr val="FF0000"/>
+                        </a:solidFill>
                         <a:latin typeface="Cambria Math" panose="02040503050406030204" pitchFamily="18" charset="0"/>
                       </a:rPr>
                       <m:t>≥</m:t>
@@ -7000,6 +7269,9 @@
                       <m:sSubPr>
                         <m:ctrlPr>
                           <a:rPr lang="ko-KR" altLang="en-US" sz="2000" i="1" smtClean="0">
+                            <a:solidFill>
+                              <a:srgbClr val="FF0000"/>
+                            </a:solidFill>
                             <a:latin typeface="Cambria Math" panose="02040503050406030204" pitchFamily="18" charset="0"/>
                           </a:rPr>
                         </m:ctrlPr>
@@ -7007,6 +7279,9 @@
                       <m:e>
                         <m:r>
                           <a:rPr lang="en-US" altLang="ko-KR" sz="2000" b="0" i="1" smtClean="0">
+                            <a:solidFill>
+                              <a:srgbClr val="FF0000"/>
+                            </a:solidFill>
                             <a:latin typeface="Cambria Math" panose="02040503050406030204" pitchFamily="18" charset="0"/>
                           </a:rPr>
                           <m:t>𝐶</m:t>
@@ -7015,6 +7290,9 @@
                       <m:sub>
                         <m:r>
                           <a:rPr lang="en-US" altLang="ko-KR" sz="2000" b="0" i="1" smtClean="0">
+                            <a:solidFill>
+                              <a:srgbClr val="FF0000"/>
+                            </a:solidFill>
                             <a:latin typeface="Cambria Math" panose="02040503050406030204" pitchFamily="18" charset="0"/>
                           </a:rPr>
                           <m:t>𝑌</m:t>
@@ -7023,6 +7301,9 @@
                     </m:sSub>
                     <m:r>
                       <a:rPr lang="en-US" altLang="ko-KR" sz="2000" b="0" i="1" smtClean="0">
+                        <a:solidFill>
+                          <a:srgbClr val="FF0000"/>
+                        </a:solidFill>
                         <a:latin typeface="Cambria Math" panose="02040503050406030204" pitchFamily="18" charset="0"/>
                       </a:rPr>
                       <m:t>]</m:t>
@@ -7030,7 +7311,11 @@
                   </m:oMath>
                 </a14:m>
                 <a:r>
-                  <a:rPr lang="en-US" altLang="ko-KR" sz="2000" dirty="0"/>
+                  <a:rPr lang="en-US" altLang="ko-KR" sz="2000" dirty="0">
+                    <a:solidFill>
+                      <a:srgbClr val="FF0000"/>
+                    </a:solidFill>
+                  </a:rPr>
                   <a:t> </a:t>
                 </a:r>
                 <a:r>
@@ -7095,10 +7380,206 @@
                   <a:rPr lang="en-US" altLang="ko-KR" sz="2000" dirty="0"/>
                   <a:t>, </a:t>
                 </a:r>
+              </a:p>
+              <a:p>
+                <a:pPr>
+                  <a:buFontTx/>
+                  <a:buChar char="-"/>
+                </a:pPr>
                 <a14:m>
                   <m:oMath xmlns:m="http://schemas.openxmlformats.org/officeDocument/2006/math">
                     <m:r>
+                      <a:rPr lang="en-US" altLang="ko-KR" sz="2000" i="1" dirty="0" smtClean="0">
+                        <a:solidFill>
+                          <a:schemeClr val="tx1"/>
+                        </a:solidFill>
+                        <a:latin typeface="Cambria Math" panose="02040503050406030204" pitchFamily="18" charset="0"/>
+                      </a:rPr>
+                      <m:t>𝑔</m:t>
+                    </m:r>
+                    <m:r>
+                      <a:rPr lang="en-US" altLang="ko-KR" sz="2000" i="1" dirty="0" smtClean="0">
+                        <a:solidFill>
+                          <a:schemeClr val="tx1"/>
+                        </a:solidFill>
+                        <a:latin typeface="Cambria Math" panose="02040503050406030204" pitchFamily="18" charset="0"/>
+                      </a:rPr>
+                      <m:t> </m:t>
+                    </m:r>
+                    <m:r>
+                      <a:rPr lang="ko-KR" altLang="en-US" sz="2000" i="1" dirty="0" smtClean="0">
+                        <a:solidFill>
+                          <a:schemeClr val="tx1"/>
+                        </a:solidFill>
+                        <a:latin typeface="Cambria Math" panose="02040503050406030204" pitchFamily="18" charset="0"/>
+                      </a:rPr>
+                      <m:t>의</m:t>
+                    </m:r>
+                    <m:r>
+                      <a:rPr lang="en-US" altLang="ko-KR" sz="2000" b="0" i="1" dirty="0" smtClean="0">
+                        <a:solidFill>
+                          <a:schemeClr val="tx1"/>
+                        </a:solidFill>
+                        <a:latin typeface="Cambria Math" panose="02040503050406030204" pitchFamily="18" charset="0"/>
+                      </a:rPr>
+                      <m:t> </m:t>
+                    </m:r>
+                    <m:r>
+                      <a:rPr lang="ko-KR" altLang="en-US" sz="2000" i="1" dirty="0">
+                        <a:solidFill>
+                          <a:schemeClr val="tx1"/>
+                        </a:solidFill>
+                        <a:latin typeface="Cambria Math" panose="02040503050406030204" pitchFamily="18" charset="0"/>
+                      </a:rPr>
+                      <m:t>역</m:t>
+                    </m:r>
+                    <m:r>
+                      <a:rPr lang="ko-KR" altLang="en-US" sz="2000" i="1" dirty="0" smtClean="0">
+                        <a:solidFill>
+                          <a:schemeClr val="tx1"/>
+                        </a:solidFill>
+                        <a:latin typeface="Cambria Math" panose="02040503050406030204" pitchFamily="18" charset="0"/>
+                      </a:rPr>
+                      <m:t>함</m:t>
+                    </m:r>
+                    <m:r>
+                      <a:rPr lang="ko-KR" altLang="en-US" sz="2000" i="1" dirty="0">
+                        <a:solidFill>
+                          <a:schemeClr val="tx1"/>
+                        </a:solidFill>
+                        <a:latin typeface="Cambria Math" panose="02040503050406030204" pitchFamily="18" charset="0"/>
+                      </a:rPr>
+                      <m:t>수</m:t>
+                    </m:r>
+                    <m:r>
+                      <a:rPr lang="ko-KR" altLang="en-US" sz="2000" i="1" dirty="0" smtClean="0">
+                        <a:solidFill>
+                          <a:schemeClr val="tx1"/>
+                        </a:solidFill>
+                        <a:latin typeface="Cambria Math" panose="02040503050406030204" pitchFamily="18" charset="0"/>
+                      </a:rPr>
+                      <m:t>를</m:t>
+                    </m:r>
+                    <m:r>
+                      <a:rPr lang="en-US" altLang="ko-KR" sz="2000" b="0" i="1" dirty="0" smtClean="0">
+                        <a:solidFill>
+                          <a:schemeClr val="tx1"/>
+                        </a:solidFill>
+                        <a:latin typeface="Cambria Math" panose="02040503050406030204" pitchFamily="18" charset="0"/>
+                      </a:rPr>
+                      <m:t> </m:t>
+                    </m:r>
+                    <m:sSup>
+                      <m:sSupPr>
+                        <m:ctrlPr>
+                          <a:rPr lang="en-US" altLang="ko-KR" sz="2000" i="1">
+                            <a:solidFill>
+                              <a:schemeClr val="tx1"/>
+                            </a:solidFill>
+                            <a:latin typeface="Cambria Math" panose="02040503050406030204" pitchFamily="18" charset="0"/>
+                          </a:rPr>
+                        </m:ctrlPr>
+                      </m:sSupPr>
+                      <m:e>
+                        <m:r>
+                          <a:rPr lang="en-US" altLang="ko-KR" sz="2000" i="1">
+                            <a:solidFill>
+                              <a:schemeClr val="tx1"/>
+                            </a:solidFill>
+                            <a:latin typeface="Cambria Math" panose="02040503050406030204" pitchFamily="18" charset="0"/>
+                          </a:rPr>
+                          <m:t>𝑔</m:t>
+                        </m:r>
+                      </m:e>
+                      <m:sup>
+                        <m:r>
+                          <a:rPr lang="en-US" altLang="ko-KR" sz="2000" i="1">
+                            <a:solidFill>
+                              <a:schemeClr val="tx1"/>
+                            </a:solidFill>
+                            <a:latin typeface="Cambria Math" panose="02040503050406030204" pitchFamily="18" charset="0"/>
+                          </a:rPr>
+                          <m:t>−1</m:t>
+                        </m:r>
+                      </m:sup>
+                    </m:sSup>
+                    <m:r>
+                      <a:rPr lang="en-US" altLang="ko-KR" sz="2000" b="0" i="1" smtClean="0">
+                        <a:solidFill>
+                          <a:schemeClr val="tx1"/>
+                        </a:solidFill>
+                        <a:latin typeface="Cambria Math" panose="02040503050406030204" pitchFamily="18" charset="0"/>
+                      </a:rPr>
+                      <m:t> </m:t>
+                    </m:r>
+                    <m:r>
+                      <a:rPr lang="ko-KR" altLang="en-US" sz="2000" i="1">
+                        <a:solidFill>
+                          <a:schemeClr val="tx1"/>
+                        </a:solidFill>
+                        <a:latin typeface="Cambria Math" panose="02040503050406030204" pitchFamily="18" charset="0"/>
+                      </a:rPr>
+                      <m:t>라</m:t>
+                    </m:r>
+                    <m:r>
                       <a:rPr lang="ko-KR" altLang="en-US" sz="2000" i="1" smtClean="0">
+                        <a:solidFill>
+                          <a:schemeClr val="tx1"/>
+                        </a:solidFill>
+                        <a:latin typeface="Cambria Math" panose="02040503050406030204" pitchFamily="18" charset="0"/>
+                      </a:rPr>
+                      <m:t>고</m:t>
+                    </m:r>
+                    <m:r>
+                      <a:rPr lang="en-US" altLang="ko-KR" sz="2000" b="0" i="1" smtClean="0">
+                        <a:solidFill>
+                          <a:schemeClr val="tx1"/>
+                        </a:solidFill>
+                        <a:latin typeface="Cambria Math" panose="02040503050406030204" pitchFamily="18" charset="0"/>
+                      </a:rPr>
+                      <m:t> </m:t>
+                    </m:r>
+                    <m:r>
+                      <a:rPr lang="ko-KR" altLang="en-US" sz="2000" i="1">
+                        <a:solidFill>
+                          <a:schemeClr val="tx1"/>
+                        </a:solidFill>
+                        <a:latin typeface="Cambria Math" panose="02040503050406030204" pitchFamily="18" charset="0"/>
+                      </a:rPr>
+                      <m:t>할</m:t>
+                    </m:r>
+                    <m:r>
+                      <a:rPr lang="en-US" altLang="ko-KR" sz="2000" b="0" i="1" smtClean="0">
+                        <a:solidFill>
+                          <a:schemeClr val="tx1"/>
+                        </a:solidFill>
+                        <a:latin typeface="Cambria Math" panose="02040503050406030204" pitchFamily="18" charset="0"/>
+                      </a:rPr>
+                      <m:t> </m:t>
+                    </m:r>
+                    <m:r>
+                      <a:rPr lang="ko-KR" altLang="en-US" sz="2000" i="1">
+                        <a:solidFill>
+                          <a:schemeClr val="tx1"/>
+                        </a:solidFill>
+                        <a:latin typeface="Cambria Math" panose="02040503050406030204" pitchFamily="18" charset="0"/>
+                      </a:rPr>
+                      <m:t>때</m:t>
+                    </m:r>
+                    <m:r>
+                      <a:rPr lang="en-US" altLang="ko-KR" sz="2000" b="0" i="1" smtClean="0">
+                        <a:solidFill>
+                          <a:schemeClr val="tx1"/>
+                        </a:solidFill>
+                        <a:latin typeface="Cambria Math" panose="02040503050406030204" pitchFamily="18" charset="0"/>
+                      </a:rPr>
+                      <m:t>⇒ </m:t>
+                    </m:r>
+                    <m:r>
+                      <a:rPr lang="ko-KR" altLang="en-US" sz="2000" i="1" smtClean="0">
+                        <a:solidFill>
+                          <a:srgbClr val="0070C0"/>
+                        </a:solidFill>
                         <a:latin typeface="Cambria Math" panose="02040503050406030204" pitchFamily="18" charset="0"/>
                       </a:rPr>
                       <m:t>𝛼</m:t>
@@ -7106,7 +7587,11 @@
                   </m:oMath>
                 </a14:m>
                 <a:r>
-                  <a:rPr lang="en-US" altLang="ko-KR" sz="2000" dirty="0"/>
+                  <a:rPr lang="en-US" altLang="ko-KR" sz="2000" dirty="0">
+                    <a:solidFill>
+                      <a:srgbClr val="0070C0"/>
+                    </a:solidFill>
+                  </a:rPr>
                   <a:t> = </a:t>
                 </a:r>
                 <a14:m>
@@ -7115,6 +7600,9 @@
                       <m:sSubPr>
                         <m:ctrlPr>
                           <a:rPr lang="en-US" altLang="ko-KR" sz="2000" i="1" dirty="0" smtClean="0">
+                            <a:solidFill>
+                              <a:srgbClr val="0070C0"/>
+                            </a:solidFill>
                             <a:latin typeface="Cambria Math" panose="02040503050406030204" pitchFamily="18" charset="0"/>
                           </a:rPr>
                         </m:ctrlPr>
@@ -7122,6 +7610,9 @@
                       <m:e>
                         <m:r>
                           <a:rPr lang="en-US" altLang="ko-KR" sz="2000" i="1" dirty="0" smtClean="0">
+                            <a:solidFill>
+                              <a:srgbClr val="0070C0"/>
+                            </a:solidFill>
                             <a:latin typeface="Cambria Math" panose="02040503050406030204" pitchFamily="18" charset="0"/>
                           </a:rPr>
                           <m:t>𝑃</m:t>
@@ -7132,6 +7623,9 @@
                           <m:sSubPr>
                             <m:ctrlPr>
                               <a:rPr lang="ko-KR" altLang="en-US" sz="2000" i="1" smtClean="0">
+                                <a:solidFill>
+                                  <a:srgbClr val="0070C0"/>
+                                </a:solidFill>
                                 <a:latin typeface="Cambria Math" panose="02040503050406030204" pitchFamily="18" charset="0"/>
                               </a:rPr>
                             </m:ctrlPr>
@@ -7139,6 +7633,9 @@
                           <m:e>
                             <m:r>
                               <a:rPr lang="ko-KR" altLang="en-US" sz="2000" i="1" dirty="0" smtClean="0">
+                                <a:solidFill>
+                                  <a:srgbClr val="0070C0"/>
+                                </a:solidFill>
                                 <a:latin typeface="Cambria Math" panose="02040503050406030204" pitchFamily="18" charset="0"/>
                               </a:rPr>
                               <m:t>𝜃</m:t>
@@ -7147,6 +7644,9 @@
                           <m:sub>
                             <m:r>
                               <a:rPr lang="en-US" altLang="ko-KR" sz="2000" b="0" i="1" dirty="0" smtClean="0">
+                                <a:solidFill>
+                                  <a:srgbClr val="0070C0"/>
+                                </a:solidFill>
                                 <a:latin typeface="Cambria Math" panose="02040503050406030204" pitchFamily="18" charset="0"/>
                               </a:rPr>
                               <m:t>0</m:t>
@@ -7157,18 +7657,27 @@
                     </m:sSub>
                     <m:r>
                       <a:rPr lang="en-US" altLang="ko-KR" sz="2000" b="0" i="1" dirty="0" smtClean="0">
+                        <a:solidFill>
+                          <a:srgbClr val="0070C0"/>
+                        </a:solidFill>
                         <a:latin typeface="Cambria Math" panose="02040503050406030204" pitchFamily="18" charset="0"/>
                       </a:rPr>
                       <m:t>[</m:t>
                     </m:r>
                     <m:r>
                       <a:rPr lang="en-US" altLang="ko-KR" sz="2000" b="0" i="1" dirty="0" smtClean="0">
+                        <a:solidFill>
+                          <a:srgbClr val="0070C0"/>
+                        </a:solidFill>
                         <a:latin typeface="Cambria Math" panose="02040503050406030204" pitchFamily="18" charset="0"/>
                       </a:rPr>
                       <m:t>𝑌</m:t>
                     </m:r>
                     <m:r>
                       <a:rPr lang="en-US" altLang="ko-KR" sz="2000" b="0" i="1" dirty="0" smtClean="0">
+                        <a:solidFill>
+                          <a:srgbClr val="0070C0"/>
+                        </a:solidFill>
                         <a:latin typeface="Cambria Math" panose="02040503050406030204" pitchFamily="18" charset="0"/>
                       </a:rPr>
                       <m:t>≥</m:t>
@@ -7177,6 +7686,9 @@
                       <m:sSubPr>
                         <m:ctrlPr>
                           <a:rPr lang="ko-KR" altLang="en-US" sz="2000" i="1" smtClean="0">
+                            <a:solidFill>
+                              <a:srgbClr val="0070C0"/>
+                            </a:solidFill>
                             <a:latin typeface="Cambria Math" panose="02040503050406030204" pitchFamily="18" charset="0"/>
                           </a:rPr>
                         </m:ctrlPr>
@@ -7186,6 +7698,9 @@
                           <m:sSupPr>
                             <m:ctrlPr>
                               <a:rPr lang="en-US" altLang="ko-KR" sz="2000" b="0" i="1" smtClean="0">
+                                <a:solidFill>
+                                  <a:srgbClr val="0070C0"/>
+                                </a:solidFill>
                                 <a:latin typeface="Cambria Math" panose="02040503050406030204" pitchFamily="18" charset="0"/>
                               </a:rPr>
                             </m:ctrlPr>
@@ -7193,6 +7708,9 @@
                           <m:e>
                             <m:r>
                               <a:rPr lang="en-US" altLang="ko-KR" sz="2000" b="0" i="1" smtClean="0">
+                                <a:solidFill>
+                                  <a:srgbClr val="0070C0"/>
+                                </a:solidFill>
                                 <a:latin typeface="Cambria Math" panose="02040503050406030204" pitchFamily="18" charset="0"/>
                               </a:rPr>
                               <m:t>𝑔</m:t>
@@ -7201,6 +7719,9 @@
                           <m:sup>
                             <m:r>
                               <a:rPr lang="en-US" altLang="ko-KR" sz="2000" b="0" i="1" smtClean="0">
+                                <a:solidFill>
+                                  <a:srgbClr val="0070C0"/>
+                                </a:solidFill>
                                 <a:latin typeface="Cambria Math" panose="02040503050406030204" pitchFamily="18" charset="0"/>
                               </a:rPr>
                               <m:t>−1</m:t>
@@ -7209,12 +7730,18 @@
                         </m:sSup>
                         <m:r>
                           <a:rPr lang="en-US" altLang="ko-KR" sz="2000" b="0" i="1" smtClean="0">
+                            <a:solidFill>
+                              <a:srgbClr val="0070C0"/>
+                            </a:solidFill>
                             <a:latin typeface="Cambria Math" panose="02040503050406030204" pitchFamily="18" charset="0"/>
                           </a:rPr>
                           <m:t>(</m:t>
                         </m:r>
                         <m:r>
                           <a:rPr lang="en-US" altLang="ko-KR" sz="2000" b="0" i="1" smtClean="0">
+                            <a:solidFill>
+                              <a:srgbClr val="0070C0"/>
+                            </a:solidFill>
                             <a:latin typeface="Cambria Math" panose="02040503050406030204" pitchFamily="18" charset="0"/>
                           </a:rPr>
                           <m:t>𝐶</m:t>
@@ -7223,6 +7750,9 @@
                       <m:sub>
                         <m:r>
                           <a:rPr lang="en-US" altLang="ko-KR" sz="2000" b="0" i="1" smtClean="0">
+                            <a:solidFill>
+                              <a:srgbClr val="0070C0"/>
+                            </a:solidFill>
                             <a:latin typeface="Cambria Math" panose="02040503050406030204" pitchFamily="18" charset="0"/>
                           </a:rPr>
                           <m:t>𝑌</m:t>
@@ -7231,6 +7761,9 @@
                     </m:sSub>
                     <m:r>
                       <a:rPr lang="en-US" altLang="ko-KR" sz="2000" b="0" i="1" smtClean="0">
+                        <a:solidFill>
+                          <a:srgbClr val="0070C0"/>
+                        </a:solidFill>
                         <a:latin typeface="Cambria Math" panose="02040503050406030204" pitchFamily="18" charset="0"/>
                       </a:rPr>
                       <m:t>)]</m:t>
@@ -7245,24 +7778,44 @@
                   <a:rPr lang="ko-KR" altLang="en-US" sz="2000" dirty="0"/>
                   <a:t>로 재정의 할 수 있고</a:t>
                 </a:r>
-                <a:r>
-                  <a:rPr lang="en-US" altLang="ko-KR" sz="2000" dirty="0"/>
-                  <a:t>, </a:t>
-                </a:r>
-                <a:br>
-                  <a:rPr lang="en-US" altLang="ko-KR" sz="2000" dirty="0"/>
-                </a:br>
+                <a:endParaRPr lang="en-US" altLang="ko-KR" sz="2000" dirty="0"/>
+              </a:p>
+              <a:p>
+                <a:pPr>
+                  <a:buFontTx/>
+                  <a:buChar char="-"/>
+                </a:pPr>
                 <a:r>
                   <a:rPr lang="ko-KR" altLang="en-US" sz="2000" dirty="0"/>
                   <a:t>이는 다시 말해 </a:t>
                 </a:r>
                 <a:r>
-                  <a:rPr lang="ko-KR" altLang="en-US" sz="2000" dirty="0" err="1"/>
+                  <a:rPr lang="ko-KR" altLang="en-US" sz="2000" dirty="0" err="1">
+                    <a:effectLst>
+                      <a:outerShdw blurRad="38100" dist="38100" dir="2700000" algn="tl">
+                        <a:srgbClr val="000000">
+                          <a:alpha val="43137"/>
+                        </a:srgbClr>
+                      </a:outerShdw>
+                    </a:effectLst>
+                  </a:rPr>
                   <a:t>충분통계량을</a:t>
                 </a:r>
                 <a:r>
+                  <a:rPr lang="ko-KR" altLang="en-US" sz="2000" dirty="0">
+                    <a:effectLst>
+                      <a:outerShdw blurRad="38100" dist="38100" dir="2700000" algn="tl">
+                        <a:srgbClr val="000000">
+                          <a:alpha val="43137"/>
+                        </a:srgbClr>
+                      </a:outerShdw>
+                    </a:effectLst>
+                  </a:rPr>
+                  <a:t> 이용해 가설 검정을 수행할 수 있음</a:t>
+                </a:r>
+                <a:r>
                   <a:rPr lang="ko-KR" altLang="en-US" sz="2000" dirty="0"/>
-                  <a:t> 이용해 가설 검정을 수행할 수 있음을 암시한다</a:t>
+                  <a:t>을 암시한다</a:t>
                 </a:r>
                 <a:r>
                   <a:rPr lang="en-US" altLang="ko-KR" sz="2000" dirty="0"/>
@@ -7290,7 +7843,7 @@
             </p:txBody>
           </p:sp>
         </mc:Choice>
-        <mc:Fallback xmlns="">
+        <mc:Fallback>
           <p:sp>
             <p:nvSpPr>
               <p:cNvPr id="3" name="내용 개체 틀 2">
@@ -7311,7 +7864,7 @@
               <a:blipFill>
                 <a:blip r:embed="rId2"/>
                 <a:stretch>
-                  <a:fillRect l="-812" t="-1401"/>
+                  <a:fillRect l="-812" t="-1401" b="-2941"/>
                 </a:stretch>
               </a:blipFill>
             </p:spPr>
@@ -7388,8 +7941,8 @@
           </a:p>
         </p:txBody>
       </p:sp>
-      <mc:AlternateContent xmlns:mc="http://schemas.openxmlformats.org/markup-compatibility/2006" xmlns:a14="http://schemas.microsoft.com/office/drawing/2010/main">
-        <mc:Choice Requires="a14">
+      <mc:AlternateContent xmlns:mc="http://schemas.openxmlformats.org/markup-compatibility/2006">
+        <mc:Choice xmlns:a14="http://schemas.microsoft.com/office/drawing/2010/main" Requires="a14">
           <p:sp>
             <p:nvSpPr>
               <p:cNvPr id="3" name="내용 개체 틀 2">
@@ -7409,7 +7962,7 @@
             <p:spPr/>
             <p:txBody>
               <a:bodyPr>
-                <a:normAutofit/>
+                <a:normAutofit fontScale="92500" lnSpcReduction="20000"/>
               </a:bodyPr>
               <a:lstStyle/>
               <a:p>
@@ -7638,6 +8191,12 @@
                 </a:r>
                 <a14:m>
                   <m:oMath xmlns:m="http://schemas.openxmlformats.org/officeDocument/2006/math">
+                    <m:r>
+                      <a:rPr lang="en-US" altLang="ko-KR" sz="2000" b="0" i="1" smtClean="0">
+                        <a:latin typeface="Cambria Math" panose="02040503050406030204" pitchFamily="18" charset="0"/>
+                      </a:rPr>
+                      <m:t>∧=</m:t>
+                    </m:r>
                     <m:f>
                       <m:fPr>
                         <m:ctrlPr>
@@ -7852,28 +8411,44 @@
                           <m:rPr>
                             <m:nor/>
                           </m:rPr>
-                          <a:rPr lang="en-US" altLang="ko-KR" sz="2000" dirty="0"/>
+                          <a:rPr lang="en-US" altLang="ko-KR" sz="2000" dirty="0" smtClean="0">
+                            <a:solidFill>
+                              <a:srgbClr val="FF0000"/>
+                            </a:solidFill>
+                          </a:rPr>
                           <m:t>k</m:t>
                         </m:r>
                         <m:r>
                           <m:rPr>
                             <m:nor/>
                           </m:rPr>
-                          <a:rPr lang="en-US" altLang="ko-KR" sz="2000" dirty="0"/>
+                          <a:rPr lang="en-US" altLang="ko-KR" sz="2000" dirty="0" smtClean="0">
+                            <a:solidFill>
+                              <a:srgbClr val="FF0000"/>
+                            </a:solidFill>
+                          </a:rPr>
                           <m:t>(</m:t>
                         </m:r>
                         <m:r>
                           <m:rPr>
                             <m:nor/>
                           </m:rPr>
-                          <a:rPr lang="en-US" altLang="ko-KR" sz="2000" dirty="0"/>
+                          <a:rPr lang="en-US" altLang="ko-KR" sz="2000" dirty="0" smtClean="0">
+                            <a:solidFill>
+                              <a:srgbClr val="FF0000"/>
+                            </a:solidFill>
+                          </a:rPr>
                           <m:t>x</m:t>
                         </m:r>
                         <m:r>
                           <m:rPr>
                             <m:nor/>
                           </m:rPr>
-                          <a:rPr lang="en-US" altLang="ko-KR" sz="2000" dirty="0"/>
+                          <a:rPr lang="en-US" altLang="ko-KR" sz="2000" dirty="0" smtClean="0">
+                            <a:solidFill>
+                              <a:srgbClr val="FF0000"/>
+                            </a:solidFill>
+                          </a:rPr>
                           <m:t>) + </m:t>
                         </m:r>
                         <m:r>
@@ -8016,28 +8591,44 @@
                           <m:rPr>
                             <m:nor/>
                           </m:rPr>
-                          <a:rPr lang="en-US" altLang="ko-KR" sz="2000" dirty="0"/>
+                          <a:rPr lang="en-US" altLang="ko-KR" sz="2000" dirty="0" smtClean="0">
+                            <a:solidFill>
+                              <a:srgbClr val="FF0000"/>
+                            </a:solidFill>
+                          </a:rPr>
                           <m:t>k</m:t>
                         </m:r>
                         <m:r>
                           <m:rPr>
                             <m:nor/>
                           </m:rPr>
-                          <a:rPr lang="en-US" altLang="ko-KR" sz="2000" dirty="0"/>
+                          <a:rPr lang="en-US" altLang="ko-KR" sz="2000" dirty="0" smtClean="0">
+                            <a:solidFill>
+                              <a:srgbClr val="FF0000"/>
+                            </a:solidFill>
+                          </a:rPr>
                           <m:t>(</m:t>
                         </m:r>
                         <m:r>
                           <m:rPr>
                             <m:nor/>
                           </m:rPr>
-                          <a:rPr lang="en-US" altLang="ko-KR" sz="2000" dirty="0"/>
+                          <a:rPr lang="en-US" altLang="ko-KR" sz="2000" dirty="0" smtClean="0">
+                            <a:solidFill>
+                              <a:srgbClr val="FF0000"/>
+                            </a:solidFill>
+                          </a:rPr>
                           <m:t>x</m:t>
                         </m:r>
                         <m:r>
                           <m:rPr>
                             <m:nor/>
                           </m:rPr>
-                          <a:rPr lang="en-US" altLang="ko-KR" sz="2000" dirty="0"/>
+                          <a:rPr lang="en-US" altLang="ko-KR" sz="2000" dirty="0" smtClean="0">
+                            <a:solidFill>
+                              <a:srgbClr val="FF0000"/>
+                            </a:solidFill>
+                          </a:rPr>
                           <m:t>) + </m:t>
                         </m:r>
                         <m:r>
@@ -8258,28 +8849,44 @@
                       <m:rPr>
                         <m:nor/>
                       </m:rPr>
-                      <a:rPr lang="en-US" altLang="ko-KR" sz="2000" dirty="0"/>
+                      <a:rPr lang="en-US" altLang="ko-KR" sz="2000" dirty="0" smtClean="0">
+                        <a:solidFill>
+                          <a:srgbClr val="FF0000"/>
+                        </a:solidFill>
+                      </a:rPr>
                       <m:t>k</m:t>
                     </m:r>
                     <m:r>
                       <m:rPr>
                         <m:nor/>
                       </m:rPr>
-                      <a:rPr lang="en-US" altLang="ko-KR" sz="2000" dirty="0"/>
+                      <a:rPr lang="en-US" altLang="ko-KR" sz="2000" dirty="0" smtClean="0">
+                        <a:solidFill>
+                          <a:srgbClr val="FF0000"/>
+                        </a:solidFill>
+                      </a:rPr>
                       <m:t>(</m:t>
                     </m:r>
                     <m:r>
                       <m:rPr>
                         <m:nor/>
                       </m:rPr>
-                      <a:rPr lang="en-US" altLang="ko-KR" sz="2000" dirty="0"/>
+                      <a:rPr lang="en-US" altLang="ko-KR" sz="2000" dirty="0" smtClean="0">
+                        <a:solidFill>
+                          <a:srgbClr val="FF0000"/>
+                        </a:solidFill>
+                      </a:rPr>
                       <m:t>x</m:t>
                     </m:r>
                     <m:r>
                       <m:rPr>
                         <m:nor/>
                       </m:rPr>
-                      <a:rPr lang="en-US" altLang="ko-KR" sz="2000" dirty="0"/>
+                      <a:rPr lang="en-US" altLang="ko-KR" sz="2000" dirty="0" smtClean="0">
+                        <a:solidFill>
+                          <a:srgbClr val="FF0000"/>
+                        </a:solidFill>
+                      </a:rPr>
                       <m:t>) + </m:t>
                     </m:r>
                     <m:r>
@@ -8440,15 +9047,7 @@
                 </a:pPr>
                 <a:r>
                   <a:rPr lang="ko-KR" altLang="en-US" sz="2000" dirty="0"/>
-                  <a:t>이는 </a:t>
-                </a:r>
-                <a:r>
-                  <a:rPr lang="ko-KR" altLang="en-US" sz="2000" dirty="0" err="1"/>
-                  <a:t>다시말해</a:t>
-                </a:r>
-                <a:r>
-                  <a:rPr lang="ko-KR" altLang="en-US" sz="2000" dirty="0"/>
-                  <a:t> </a:t>
+                  <a:t>이는 다시 말해 </a:t>
                 </a:r>
                 <a14:m>
                   <m:oMath xmlns:m="http://schemas.openxmlformats.org/officeDocument/2006/math">
@@ -8474,6 +9073,9 @@
                         <m:supHide m:val="on"/>
                         <m:ctrlPr>
                           <a:rPr lang="en-US" altLang="ko-KR" sz="2000" i="1" smtClean="0">
+                            <a:solidFill>
+                              <a:srgbClr val="FF0000"/>
+                            </a:solidFill>
                             <a:latin typeface="Cambria Math" panose="02040503050406030204" pitchFamily="18" charset="0"/>
                           </a:rPr>
                         </m:ctrlPr>
@@ -8485,6 +9087,9 @@
                           <m:sSubPr>
                             <m:ctrlPr>
                               <a:rPr lang="ko-KR" altLang="en-US" sz="2000" i="1">
+                                <a:solidFill>
+                                  <a:srgbClr val="FF0000"/>
+                                </a:solidFill>
                                 <a:latin typeface="Cambria Math" panose="02040503050406030204" pitchFamily="18" charset="0"/>
                               </a:rPr>
                             </m:ctrlPr>
@@ -8492,18 +9097,27 @@
                           <m:e>
                             <m:r>
                               <a:rPr lang="en-US" altLang="ko-KR" sz="2000" b="0" i="1" smtClean="0">
+                                <a:solidFill>
+                                  <a:srgbClr val="FF0000"/>
+                                </a:solidFill>
                                 <a:latin typeface="Cambria Math" panose="02040503050406030204" pitchFamily="18" charset="0"/>
                               </a:rPr>
                               <m:t>𝑘</m:t>
                             </m:r>
                             <m:r>
                               <a:rPr lang="en-US" altLang="ko-KR" sz="2000" b="0" i="1" smtClean="0">
+                                <a:solidFill>
+                                  <a:srgbClr val="FF0000"/>
+                                </a:solidFill>
                                 <a:latin typeface="Cambria Math" panose="02040503050406030204" pitchFamily="18" charset="0"/>
                               </a:rPr>
                               <m:t>(</m:t>
                             </m:r>
                             <m:r>
                               <a:rPr lang="en-US" altLang="ko-KR" sz="2000" i="1">
+                                <a:solidFill>
+                                  <a:srgbClr val="FF0000"/>
+                                </a:solidFill>
                                 <a:latin typeface="Cambria Math" panose="02040503050406030204" pitchFamily="18" charset="0"/>
                               </a:rPr>
                               <m:t>𝑥</m:t>
@@ -8512,6 +9126,9 @@
                           <m:sub>
                             <m:r>
                               <a:rPr lang="en-US" altLang="ko-KR" sz="2000" i="1">
+                                <a:solidFill>
+                                  <a:srgbClr val="FF0000"/>
+                                </a:solidFill>
                                 <a:latin typeface="Cambria Math" panose="02040503050406030204" pitchFamily="18" charset="0"/>
                               </a:rPr>
                               <m:t>𝑖</m:t>
@@ -8520,6 +9137,9 @@
                         </m:sSub>
                         <m:r>
                           <a:rPr lang="en-US" altLang="ko-KR" sz="2000" b="0" i="1" smtClean="0">
+                            <a:solidFill>
+                              <a:srgbClr val="FF0000"/>
+                            </a:solidFill>
                             <a:latin typeface="Cambria Math" panose="02040503050406030204" pitchFamily="18" charset="0"/>
                           </a:rPr>
                           <m:t>)</m:t>
@@ -8538,7 +9158,291 @@
                 </a:r>
                 <a:r>
                   <a:rPr lang="ko-KR" altLang="en-US" sz="2000" dirty="0"/>
-                  <a:t> 가지는 분포이고</a:t>
+                  <a:t> 가지는 분포이다</a:t>
+                </a:r>
+                <a:r>
+                  <a:rPr lang="en-US" altLang="ko-KR" sz="2000"/>
+                  <a:t>.</a:t>
+                </a:r>
+                <a:endParaRPr lang="en-US" altLang="ko-KR" sz="2000" dirty="0"/>
+              </a:p>
+              <a:p>
+                <a:pPr marL="0" indent="0">
+                  <a:buNone/>
+                </a:pPr>
+                <a:endParaRPr lang="en-US" altLang="ko-KR" sz="2000" dirty="0"/>
+              </a:p>
+              <a:p>
+                <a:pPr marL="0" indent="0">
+                  <a:buNone/>
+                </a:pPr>
+                <a:r>
+                  <a:rPr lang="en-US" altLang="ko-KR" sz="2000" b="0" dirty="0"/>
+                  <a:t>2. </a:t>
+                </a:r>
+                <a14:m>
+                  <m:oMath xmlns:m="http://schemas.openxmlformats.org/officeDocument/2006/math">
+                    <m:r>
+                      <a:rPr lang="en-US" altLang="ko-KR" sz="2000" i="1">
+                        <a:latin typeface="Cambria Math" panose="02040503050406030204" pitchFamily="18" charset="0"/>
+                      </a:rPr>
+                      <m:t>∧ </m:t>
+                    </m:r>
+                    <m:r>
+                      <a:rPr lang="en-US" altLang="ko-KR" sz="2000" b="0" i="0" smtClean="0">
+                        <a:latin typeface="Cambria Math" panose="02040503050406030204" pitchFamily="18" charset="0"/>
+                      </a:rPr>
+                      <m:t>=</m:t>
+                    </m:r>
+                    <m:r>
+                      <m:rPr>
+                        <m:sty m:val="p"/>
+                      </m:rPr>
+                      <a:rPr lang="en-US" altLang="ko-KR" sz="2000" b="0" i="0" smtClean="0">
+                        <a:latin typeface="Cambria Math" panose="02040503050406030204" pitchFamily="18" charset="0"/>
+                      </a:rPr>
+                      <m:t>g</m:t>
+                    </m:r>
+                    <m:r>
+                      <a:rPr lang="en-US" altLang="ko-KR" sz="2000" b="0" i="0" smtClean="0">
+                        <a:latin typeface="Cambria Math" panose="02040503050406030204" pitchFamily="18" charset="0"/>
+                      </a:rPr>
+                      <m:t>(</m:t>
+                    </m:r>
+                    <m:r>
+                      <m:rPr>
+                        <m:sty m:val="p"/>
+                      </m:rPr>
+                      <a:rPr lang="en-US" altLang="ko-KR" sz="2000" b="0" i="0" smtClean="0">
+                        <a:latin typeface="Cambria Math" panose="02040503050406030204" pitchFamily="18" charset="0"/>
+                      </a:rPr>
+                      <m:t>Y</m:t>
+                    </m:r>
+                    <m:r>
+                      <a:rPr lang="en-US" altLang="ko-KR" sz="2000" b="0" i="0" smtClean="0">
+                        <a:latin typeface="Cambria Math" panose="02040503050406030204" pitchFamily="18" charset="0"/>
+                      </a:rPr>
+                      <m:t>)</m:t>
+                    </m:r>
+                  </m:oMath>
+                </a14:m>
+                <a:r>
+                  <a:rPr lang="ko-KR" altLang="en-US" sz="2000" dirty="0"/>
+                  <a:t>를 </a:t>
+                </a:r>
+                <a14:m>
+                  <m:oMath xmlns:m="http://schemas.openxmlformats.org/officeDocument/2006/math">
+                    <m:r>
+                      <m:rPr>
+                        <m:sty m:val="p"/>
+                      </m:rPr>
+                      <a:rPr lang="en-US" altLang="ko-KR" sz="2000" b="0" i="0" smtClean="0">
+                        <a:latin typeface="Cambria Math" panose="02040503050406030204" pitchFamily="18" charset="0"/>
+                      </a:rPr>
+                      <m:t>Y</m:t>
+                    </m:r>
+                  </m:oMath>
+                </a14:m>
+                <a:r>
+                  <a:rPr lang="ko-KR" altLang="en-US" sz="2000" dirty="0"/>
+                  <a:t>에 대한 함수라고 했을 때</a:t>
+                </a:r>
+                <a:r>
+                  <a:rPr lang="en-US" altLang="ko-KR" sz="2000" dirty="0"/>
+                  <a:t>, </a:t>
+                </a:r>
+                <a:r>
+                  <a:rPr lang="ko-KR" altLang="en-US" sz="2000" dirty="0"/>
+                  <a:t>이에 대한 </a:t>
+                </a:r>
+                <a:r>
+                  <a:rPr lang="ko-KR" altLang="en-US" sz="2000" dirty="0" err="1"/>
+                  <a:t>단조우도비를</a:t>
+                </a:r>
+                <a:r>
+                  <a:rPr lang="ko-KR" altLang="en-US" sz="2000" dirty="0"/>
+                  <a:t> 갖는다</a:t>
+                </a:r>
+                <a:r>
+                  <a:rPr lang="en-US" altLang="ko-KR" sz="2000" dirty="0"/>
+                  <a:t>.</a:t>
+                </a:r>
+              </a:p>
+              <a:p>
+                <a:pPr marL="0" indent="0">
+                  <a:buNone/>
+                </a:pPr>
+                <a:r>
+                  <a:rPr lang="en-US" altLang="ko-KR" sz="2000" dirty="0"/>
+                  <a:t>1) </a:t>
+                </a:r>
+                <a:r>
+                  <a:rPr lang="ko-KR" altLang="en-US" sz="2000" dirty="0"/>
+                  <a:t>따라서 </a:t>
+                </a:r>
+                <a14:m>
+                  <m:oMath xmlns:m="http://schemas.openxmlformats.org/officeDocument/2006/math">
+                    <m:sSub>
+                      <m:sSubPr>
+                        <m:ctrlPr>
+                          <a:rPr lang="ko-KR" altLang="en-US" sz="2000" i="1" smtClean="0">
+                            <a:latin typeface="Cambria Math" panose="02040503050406030204" pitchFamily="18" charset="0"/>
+                          </a:rPr>
+                        </m:ctrlPr>
+                      </m:sSubPr>
+                      <m:e>
+                        <m:r>
+                          <a:rPr lang="en-US" altLang="ko-KR" sz="2000" b="0" i="1" smtClean="0">
+                            <a:latin typeface="Cambria Math" panose="02040503050406030204" pitchFamily="18" charset="0"/>
+                          </a:rPr>
+                          <m:t>𝐻</m:t>
+                        </m:r>
+                      </m:e>
+                      <m:sub>
+                        <m:r>
+                          <a:rPr lang="en-US" altLang="ko-KR" sz="2000" b="0" i="1" smtClean="0">
+                            <a:latin typeface="Cambria Math" panose="02040503050406030204" pitchFamily="18" charset="0"/>
+                          </a:rPr>
+                          <m:t>0</m:t>
+                        </m:r>
+                      </m:sub>
+                    </m:sSub>
+                  </m:oMath>
+                </a14:m>
+                <a:r>
+                  <a:rPr lang="en-US" altLang="ko-KR" sz="2000" dirty="0"/>
+                  <a:t> : </a:t>
+                </a:r>
+                <a14:m>
+                  <m:oMath xmlns:m="http://schemas.openxmlformats.org/officeDocument/2006/math">
+                    <m:r>
+                      <a:rPr lang="ko-KR" altLang="en-US" sz="2000" i="1" dirty="0" smtClean="0">
+                        <a:latin typeface="Cambria Math" panose="02040503050406030204" pitchFamily="18" charset="0"/>
+                      </a:rPr>
+                      <m:t>𝜃</m:t>
+                    </m:r>
+                    <m:r>
+                      <a:rPr lang="en-US" altLang="ko-KR" sz="2000" b="0" i="0" dirty="0" smtClean="0">
+                        <a:latin typeface="Cambria Math" panose="02040503050406030204" pitchFamily="18" charset="0"/>
+                      </a:rPr>
+                      <m:t>&lt;</m:t>
+                    </m:r>
+                    <m:sSub>
+                      <m:sSubPr>
+                        <m:ctrlPr>
+                          <a:rPr lang="ko-KR" altLang="en-US" sz="2000" i="1" smtClean="0">
+                            <a:latin typeface="Cambria Math" panose="02040503050406030204" pitchFamily="18" charset="0"/>
+                          </a:rPr>
+                        </m:ctrlPr>
+                      </m:sSubPr>
+                      <m:e>
+                        <m:r>
+                          <a:rPr lang="ko-KR" altLang="en-US" sz="2000" i="1" dirty="0" smtClean="0">
+                            <a:latin typeface="Cambria Math" panose="02040503050406030204" pitchFamily="18" charset="0"/>
+                          </a:rPr>
+                          <m:t>𝜃</m:t>
+                        </m:r>
+                      </m:e>
+                      <m:sub>
+                        <m:r>
+                          <a:rPr lang="en-US" altLang="ko-KR" sz="2000" b="0" i="1" smtClean="0">
+                            <a:latin typeface="Cambria Math" panose="02040503050406030204" pitchFamily="18" charset="0"/>
+                          </a:rPr>
+                          <m:t>0</m:t>
+                        </m:r>
+                      </m:sub>
+                    </m:sSub>
+                  </m:oMath>
+                </a14:m>
+                <a:r>
+                  <a:rPr lang="en-US" altLang="ko-KR" sz="2000" dirty="0"/>
+                  <a:t> VS </a:t>
+                </a:r>
+                <a14:m>
+                  <m:oMath xmlns:m="http://schemas.openxmlformats.org/officeDocument/2006/math">
+                    <m:sSub>
+                      <m:sSubPr>
+                        <m:ctrlPr>
+                          <a:rPr lang="ko-KR" altLang="en-US" sz="2000" i="1" smtClean="0">
+                            <a:latin typeface="Cambria Math" panose="02040503050406030204" pitchFamily="18" charset="0"/>
+                          </a:rPr>
+                        </m:ctrlPr>
+                      </m:sSubPr>
+                      <m:e>
+                        <m:r>
+                          <a:rPr lang="en-US" altLang="ko-KR" sz="2000" b="0" i="1" smtClean="0">
+                            <a:latin typeface="Cambria Math" panose="02040503050406030204" pitchFamily="18" charset="0"/>
+                          </a:rPr>
+                          <m:t>𝐻</m:t>
+                        </m:r>
+                      </m:e>
+                      <m:sub>
+                        <m:r>
+                          <a:rPr lang="en-US" altLang="ko-KR" sz="2000" b="0" i="1" smtClean="0">
+                            <a:latin typeface="Cambria Math" panose="02040503050406030204" pitchFamily="18" charset="0"/>
+                          </a:rPr>
+                          <m:t>1</m:t>
+                        </m:r>
+                      </m:sub>
+                    </m:sSub>
+                  </m:oMath>
+                </a14:m>
+                <a:r>
+                  <a:rPr lang="en-US" altLang="ko-KR" sz="2000" dirty="0"/>
+                  <a:t> : </a:t>
+                </a:r>
+                <a14:m>
+                  <m:oMath xmlns:m="http://schemas.openxmlformats.org/officeDocument/2006/math">
+                    <m:r>
+                      <a:rPr lang="ko-KR" altLang="en-US" sz="2000" i="1" dirty="0" smtClean="0">
+                        <a:latin typeface="Cambria Math" panose="02040503050406030204" pitchFamily="18" charset="0"/>
+                      </a:rPr>
+                      <m:t>𝜃</m:t>
+                    </m:r>
+                    <m:r>
+                      <a:rPr lang="en-US" altLang="ko-KR" sz="2000" b="0" i="0" dirty="0" smtClean="0">
+                        <a:latin typeface="Cambria Math" panose="02040503050406030204" pitchFamily="18" charset="0"/>
+                      </a:rPr>
+                      <m:t>&gt;</m:t>
+                    </m:r>
+                    <m:sSub>
+                      <m:sSubPr>
+                        <m:ctrlPr>
+                          <a:rPr lang="ko-KR" altLang="en-US" sz="2000" i="1" smtClean="0">
+                            <a:latin typeface="Cambria Math" panose="02040503050406030204" pitchFamily="18" charset="0"/>
+                          </a:rPr>
+                        </m:ctrlPr>
+                      </m:sSubPr>
+                      <m:e>
+                        <m:r>
+                          <a:rPr lang="ko-KR" altLang="en-US" sz="2000" i="1" dirty="0" smtClean="0">
+                            <a:latin typeface="Cambria Math" panose="02040503050406030204" pitchFamily="18" charset="0"/>
+                          </a:rPr>
+                          <m:t>𝜃</m:t>
+                        </m:r>
+                      </m:e>
+                      <m:sub>
+                        <m:r>
+                          <a:rPr lang="en-US" altLang="ko-KR" sz="2000" b="0" i="1" dirty="0" smtClean="0">
+                            <a:latin typeface="Cambria Math" panose="02040503050406030204" pitchFamily="18" charset="0"/>
+                          </a:rPr>
+                          <m:t>0</m:t>
+                        </m:r>
+                      </m:sub>
+                    </m:sSub>
+                  </m:oMath>
+                </a14:m>
+                <a:r>
+                  <a:rPr lang="ko-KR" altLang="en-US" sz="2000" dirty="0"/>
+                  <a:t>라는 가설을 검정할 경우</a:t>
+                </a:r>
+                <a:r>
+                  <a:rPr lang="en-US" altLang="ko-KR" sz="2000" dirty="0"/>
+                  <a:t>, </a:t>
+                </a:r>
+                <a:r>
+                  <a:rPr lang="ko-KR" altLang="en-US" sz="2000" dirty="0"/>
+                  <a:t>앞에서 설명했듯이</a:t>
                 </a:r>
                 <a:endParaRPr lang="en-US" altLang="ko-KR" sz="2000" dirty="0"/>
               </a:p>
@@ -8549,242 +9453,155 @@
                 <a14:m>
                   <m:oMath xmlns:m="http://schemas.openxmlformats.org/officeDocument/2006/math">
                     <m:r>
-                      <m:rPr>
-                        <m:sty m:val="p"/>
-                      </m:rPr>
-                      <a:rPr lang="en-US" altLang="ko-KR" sz="2000" b="0" i="0" smtClean="0">
+                      <a:rPr lang="ko-KR" altLang="en-US" sz="2000" i="1" smtClean="0">
                         <a:latin typeface="Cambria Math" panose="02040503050406030204" pitchFamily="18" charset="0"/>
                       </a:rPr>
-                      <m:t>g</m:t>
-                    </m:r>
-                    <m:r>
-                      <a:rPr lang="en-US" altLang="ko-KR" sz="2000" b="0" i="0" smtClean="0">
-                        <a:latin typeface="Cambria Math" panose="02040503050406030204" pitchFamily="18" charset="0"/>
-                      </a:rPr>
-                      <m:t>(</m:t>
-                    </m:r>
-                    <m:r>
-                      <m:rPr>
-                        <m:sty m:val="p"/>
-                      </m:rPr>
-                      <a:rPr lang="en-US" altLang="ko-KR" sz="2000" b="0" i="0" smtClean="0">
-                        <a:latin typeface="Cambria Math" panose="02040503050406030204" pitchFamily="18" charset="0"/>
-                      </a:rPr>
-                      <m:t>Y</m:t>
-                    </m:r>
-                    <m:r>
-                      <a:rPr lang="en-US" altLang="ko-KR" sz="2000" b="0" i="0" smtClean="0">
-                        <a:latin typeface="Cambria Math" panose="02040503050406030204" pitchFamily="18" charset="0"/>
-                      </a:rPr>
-                      <m:t>)</m:t>
+                      <m:t>𝛼</m:t>
                     </m:r>
                   </m:oMath>
                 </a14:m>
                 <a:r>
-                  <a:rPr lang="ko-KR" altLang="en-US" sz="2000" dirty="0"/>
-                  <a:t>를 </a:t>
-                </a:r>
-                <a14:m>
-                  <m:oMath xmlns:m="http://schemas.openxmlformats.org/officeDocument/2006/math">
-                    <m:r>
-                      <m:rPr>
-                        <m:sty m:val="p"/>
-                      </m:rPr>
-                      <a:rPr lang="en-US" altLang="ko-KR" sz="2000" b="0" i="0" smtClean="0">
-                        <a:latin typeface="Cambria Math" panose="02040503050406030204" pitchFamily="18" charset="0"/>
-                      </a:rPr>
-                      <m:t>Y</m:t>
-                    </m:r>
-                  </m:oMath>
-                </a14:m>
-                <a:r>
-                  <a:rPr lang="ko-KR" altLang="en-US" sz="2000" dirty="0"/>
-                  <a:t>에 대한 함수라고 했을 때</a:t>
-                </a:r>
-                <a:r>
                   <a:rPr lang="en-US" altLang="ko-KR" sz="2000" dirty="0"/>
-                  <a:t>, </a:t>
-                </a:r>
-                <a:r>
-                  <a:rPr lang="ko-KR" altLang="en-US" sz="2000" dirty="0"/>
-                  <a:t>이에 대한 </a:t>
-                </a:r>
-                <a:r>
-                  <a:rPr lang="ko-KR" altLang="en-US" sz="2000" dirty="0" err="1"/>
-                  <a:t>단조우도비를</a:t>
-                </a:r>
-                <a:r>
-                  <a:rPr lang="ko-KR" altLang="en-US" sz="2000" dirty="0"/>
-                  <a:t> 갖는다</a:t>
-                </a:r>
-                <a:r>
-                  <a:rPr lang="en-US" altLang="ko-KR" sz="2000" dirty="0"/>
-                  <a:t>.</a:t>
-                </a:r>
-              </a:p>
-              <a:p>
-                <a:pPr marL="457200" indent="-457200">
-                  <a:buAutoNum type="arabicParenBoth"/>
-                </a:pPr>
-                <a:r>
-                  <a:rPr lang="ko-KR" altLang="en-US" sz="2000" dirty="0"/>
-                  <a:t>따라서 </a:t>
+                  <a:t> = </a:t>
                 </a:r>
                 <a14:m>
                   <m:oMath xmlns:m="http://schemas.openxmlformats.org/officeDocument/2006/math">
                     <m:sSub>
                       <m:sSubPr>
                         <m:ctrlPr>
-                          <a:rPr lang="ko-KR" altLang="en-US" sz="2000" i="1" smtClean="0">
+                          <a:rPr lang="en-US" altLang="ko-KR" sz="2000" i="1" dirty="0" smtClean="0">
                             <a:latin typeface="Cambria Math" panose="02040503050406030204" pitchFamily="18" charset="0"/>
                           </a:rPr>
                         </m:ctrlPr>
                       </m:sSubPr>
                       <m:e>
                         <m:r>
-                          <a:rPr lang="en-US" altLang="ko-KR" sz="2000" b="0" i="1" smtClean="0">
-                            <a:latin typeface="Cambria Math" panose="02040503050406030204" pitchFamily="18" charset="0"/>
-                          </a:rPr>
-                          <m:t>𝐻</m:t>
+                          <a:rPr lang="en-US" altLang="ko-KR" sz="2000" i="1" dirty="0" smtClean="0">
+                            <a:latin typeface="Cambria Math" panose="02040503050406030204" pitchFamily="18" charset="0"/>
+                          </a:rPr>
+                          <m:t>𝑃</m:t>
                         </m:r>
                       </m:e>
                       <m:sub>
-                        <m:r>
-                          <a:rPr lang="en-US" altLang="ko-KR" sz="2000" b="0" i="1" smtClean="0">
-                            <a:latin typeface="Cambria Math" panose="02040503050406030204" pitchFamily="18" charset="0"/>
-                          </a:rPr>
-                          <m:t>0</m:t>
-                        </m:r>
+                        <m:sSub>
+                          <m:sSubPr>
+                            <m:ctrlPr>
+                              <a:rPr lang="ko-KR" altLang="en-US" sz="2000" i="1" smtClean="0">
+                                <a:latin typeface="Cambria Math" panose="02040503050406030204" pitchFamily="18" charset="0"/>
+                              </a:rPr>
+                            </m:ctrlPr>
+                          </m:sSubPr>
+                          <m:e>
+                            <m:r>
+                              <a:rPr lang="ko-KR" altLang="en-US" sz="2000" i="1" dirty="0" smtClean="0">
+                                <a:latin typeface="Cambria Math" panose="02040503050406030204" pitchFamily="18" charset="0"/>
+                              </a:rPr>
+                              <m:t>𝜃</m:t>
+                            </m:r>
+                          </m:e>
+                          <m:sub>
+                            <m:r>
+                              <a:rPr lang="en-US" altLang="ko-KR" sz="2000" b="0" i="1" dirty="0" smtClean="0">
+                                <a:latin typeface="Cambria Math" panose="02040503050406030204" pitchFamily="18" charset="0"/>
+                              </a:rPr>
+                              <m:t>0</m:t>
+                            </m:r>
+                          </m:sub>
+                        </m:sSub>
                       </m:sub>
                     </m:sSub>
+                    <m:r>
+                      <a:rPr lang="en-US" altLang="ko-KR" sz="2000" b="0" i="1" dirty="0" smtClean="0">
+                        <a:latin typeface="Cambria Math" panose="02040503050406030204" pitchFamily="18" charset="0"/>
+                      </a:rPr>
+                      <m:t>[</m:t>
+                    </m:r>
+                    <m:r>
+                      <a:rPr lang="en-US" altLang="ko-KR" sz="2000" b="0" i="1" dirty="0" smtClean="0">
+                        <a:latin typeface="Cambria Math" panose="02040503050406030204" pitchFamily="18" charset="0"/>
+                      </a:rPr>
+                      <m:t>𝑌</m:t>
+                    </m:r>
+                    <m:r>
+                      <a:rPr lang="en-US" altLang="ko-KR" sz="2000" b="0" i="1" dirty="0" smtClean="0">
+                        <a:latin typeface="Cambria Math" panose="02040503050406030204" pitchFamily="18" charset="0"/>
+                      </a:rPr>
+                      <m:t>≥</m:t>
+                    </m:r>
+                    <m:sSup>
+                      <m:sSupPr>
+                        <m:ctrlPr>
+                          <a:rPr lang="en-US" altLang="ko-KR" sz="2000" b="0" i="1" smtClean="0">
+                            <a:latin typeface="Cambria Math" panose="02040503050406030204" pitchFamily="18" charset="0"/>
+                          </a:rPr>
+                        </m:ctrlPr>
+                      </m:sSupPr>
+                      <m:e>
+                        <m:r>
+                          <a:rPr lang="en-US" altLang="ko-KR" sz="2000" b="0" i="1" smtClean="0">
+                            <a:latin typeface="Cambria Math" panose="02040503050406030204" pitchFamily="18" charset="0"/>
+                          </a:rPr>
+                          <m:t>𝑔</m:t>
+                        </m:r>
+                      </m:e>
+                      <m:sup>
+                        <m:r>
+                          <a:rPr lang="en-US" altLang="ko-KR" sz="2000" b="0" i="1" smtClean="0">
+                            <a:latin typeface="Cambria Math" panose="02040503050406030204" pitchFamily="18" charset="0"/>
+                          </a:rPr>
+                          <m:t>−1</m:t>
+                        </m:r>
+                      </m:sup>
+                    </m:sSup>
+                    <m:r>
+                      <a:rPr lang="en-US" altLang="ko-KR" sz="2000" b="0" i="1" smtClean="0">
+                        <a:latin typeface="Cambria Math" panose="02040503050406030204" pitchFamily="18" charset="0"/>
+                      </a:rPr>
+                      <m:t>(</m:t>
+                    </m:r>
+                    <m:r>
+                      <a:rPr lang="en-US" altLang="ko-KR" sz="2000" b="0" i="1" smtClean="0">
+                        <a:latin typeface="Cambria Math" panose="02040503050406030204" pitchFamily="18" charset="0"/>
+                      </a:rPr>
+                      <m:t>𝑘</m:t>
+                    </m:r>
+                    <m:r>
+                      <a:rPr lang="en-US" altLang="ko-KR" sz="2000" b="0" i="1" smtClean="0">
+                        <a:latin typeface="Cambria Math" panose="02040503050406030204" pitchFamily="18" charset="0"/>
+                      </a:rPr>
+                      <m:t>)]</m:t>
+                    </m:r>
                   </m:oMath>
                 </a14:m>
                 <a:r>
                   <a:rPr lang="en-US" altLang="ko-KR" sz="2000" dirty="0"/>
-                  <a:t> : </a:t>
-                </a:r>
-                <a14:m>
-                  <m:oMath xmlns:m="http://schemas.openxmlformats.org/officeDocument/2006/math">
-                    <m:r>
-                      <a:rPr lang="ko-KR" altLang="en-US" sz="2000" i="1" dirty="0" smtClean="0">
-                        <a:latin typeface="Cambria Math" panose="02040503050406030204" pitchFamily="18" charset="0"/>
-                      </a:rPr>
-                      <m:t>𝜃</m:t>
-                    </m:r>
-                    <m:r>
-                      <a:rPr lang="en-US" altLang="ko-KR" sz="2000" b="0" i="0" dirty="0" smtClean="0">
-                        <a:latin typeface="Cambria Math" panose="02040503050406030204" pitchFamily="18" charset="0"/>
-                      </a:rPr>
-                      <m:t>&lt;</m:t>
-                    </m:r>
-                    <m:sSub>
-                      <m:sSubPr>
-                        <m:ctrlPr>
-                          <a:rPr lang="ko-KR" altLang="en-US" sz="2000" i="1" smtClean="0">
-                            <a:latin typeface="Cambria Math" panose="02040503050406030204" pitchFamily="18" charset="0"/>
-                          </a:rPr>
-                        </m:ctrlPr>
-                      </m:sSubPr>
-                      <m:e>
-                        <m:r>
-                          <a:rPr lang="ko-KR" altLang="en-US" sz="2000" i="1" dirty="0" smtClean="0">
-                            <a:latin typeface="Cambria Math" panose="02040503050406030204" pitchFamily="18" charset="0"/>
-                          </a:rPr>
-                          <m:t>𝜃</m:t>
-                        </m:r>
-                      </m:e>
-                      <m:sub>
-                        <m:r>
-                          <a:rPr lang="en-US" altLang="ko-KR" sz="2000" b="0" i="1" smtClean="0">
-                            <a:latin typeface="Cambria Math" panose="02040503050406030204" pitchFamily="18" charset="0"/>
-                          </a:rPr>
-                          <m:t>0</m:t>
-                        </m:r>
-                      </m:sub>
-                    </m:sSub>
-                  </m:oMath>
-                </a14:m>
+                  <a:t> </a:t>
+                </a:r>
+                <a:r>
+                  <a:rPr lang="ko-KR" altLang="en-US" sz="2000" dirty="0"/>
+                  <a:t>를 만족하는 </a:t>
+                </a:r>
+                <a:endParaRPr lang="en-US" altLang="ko-KR" sz="2000" dirty="0"/>
+              </a:p>
+              <a:p>
+                <a:pPr marL="457200" indent="-457200">
+                  <a:buAutoNum type="arabicParenBoth" startAt="2"/>
+                </a:pPr>
+                <a:r>
+                  <a:rPr lang="ko-KR" altLang="en-US" sz="2000" dirty="0" err="1"/>
+                  <a:t>완비충분통계량</a:t>
+                </a:r>
+                <a:r>
+                  <a:rPr lang="ko-KR" altLang="en-US" sz="2000" dirty="0"/>
+                  <a:t> </a:t>
+                </a:r>
                 <a:r>
                   <a:rPr lang="en-US" altLang="ko-KR" sz="2000" dirty="0"/>
-                  <a:t> VS </a:t>
-                </a:r>
-                <a14:m>
-                  <m:oMath xmlns:m="http://schemas.openxmlformats.org/officeDocument/2006/math">
-                    <m:sSub>
-                      <m:sSubPr>
-                        <m:ctrlPr>
-                          <a:rPr lang="ko-KR" altLang="en-US" sz="2000" i="1" smtClean="0">
-                            <a:latin typeface="Cambria Math" panose="02040503050406030204" pitchFamily="18" charset="0"/>
-                          </a:rPr>
-                        </m:ctrlPr>
-                      </m:sSubPr>
-                      <m:e>
-                        <m:r>
-                          <a:rPr lang="en-US" altLang="ko-KR" sz="2000" b="0" i="1" smtClean="0">
-                            <a:latin typeface="Cambria Math" panose="02040503050406030204" pitchFamily="18" charset="0"/>
-                          </a:rPr>
-                          <m:t>𝐻</m:t>
-                        </m:r>
-                      </m:e>
-                      <m:sub>
-                        <m:r>
-                          <a:rPr lang="en-US" altLang="ko-KR" sz="2000" b="0" i="1" smtClean="0">
-                            <a:latin typeface="Cambria Math" panose="02040503050406030204" pitchFamily="18" charset="0"/>
-                          </a:rPr>
-                          <m:t>1</m:t>
-                        </m:r>
-                      </m:sub>
-                    </m:sSub>
-                  </m:oMath>
-                </a14:m>
-                <a:r>
-                  <a:rPr lang="en-US" altLang="ko-KR" sz="2000" dirty="0"/>
-                  <a:t> : </a:t>
-                </a:r>
-                <a14:m>
-                  <m:oMath xmlns:m="http://schemas.openxmlformats.org/officeDocument/2006/math">
-                    <m:r>
-                      <a:rPr lang="ko-KR" altLang="en-US" sz="2000" i="1" dirty="0" smtClean="0">
-                        <a:latin typeface="Cambria Math" panose="02040503050406030204" pitchFamily="18" charset="0"/>
-                      </a:rPr>
-                      <m:t>𝜃</m:t>
-                    </m:r>
-                    <m:r>
-                      <a:rPr lang="en-US" altLang="ko-KR" sz="2000" b="0" i="0" dirty="0" smtClean="0">
-                        <a:latin typeface="Cambria Math" panose="02040503050406030204" pitchFamily="18" charset="0"/>
-                      </a:rPr>
-                      <m:t>&gt;</m:t>
-                    </m:r>
-                    <m:sSub>
-                      <m:sSubPr>
-                        <m:ctrlPr>
-                          <a:rPr lang="ko-KR" altLang="en-US" sz="2000" i="1" smtClean="0">
-                            <a:latin typeface="Cambria Math" panose="02040503050406030204" pitchFamily="18" charset="0"/>
-                          </a:rPr>
-                        </m:ctrlPr>
-                      </m:sSubPr>
-                      <m:e>
-                        <m:r>
-                          <a:rPr lang="ko-KR" altLang="en-US" sz="2000" i="1" dirty="0" smtClean="0">
-                            <a:latin typeface="Cambria Math" panose="02040503050406030204" pitchFamily="18" charset="0"/>
-                          </a:rPr>
-                          <m:t>𝜃</m:t>
-                        </m:r>
-                      </m:e>
-                      <m:sub>
-                        <m:r>
-                          <a:rPr lang="en-US" altLang="ko-KR" sz="2000" b="0" i="1" dirty="0" smtClean="0">
-                            <a:latin typeface="Cambria Math" panose="02040503050406030204" pitchFamily="18" charset="0"/>
-                          </a:rPr>
-                          <m:t>0</m:t>
-                        </m:r>
-                      </m:sub>
-                    </m:sSub>
-                  </m:oMath>
-                </a14:m>
+                  <a:t>Y</a:t>
+                </a:r>
                 <a:r>
                   <a:rPr lang="ko-KR" altLang="en-US" sz="2000" dirty="0"/>
-                  <a:t>라는 가설을 검정할 경우</a:t>
+                  <a:t>와</a:t>
                 </a:r>
                 <a:endParaRPr lang="en-US" altLang="ko-KR" sz="2000" dirty="0"/>
               </a:p>
@@ -8794,97 +9611,29 @@
                 </a:pPr>
                 <a:r>
                   <a:rPr lang="en-US" altLang="ko-KR" sz="2000" dirty="0"/>
-                  <a:t>- </a:t>
+                  <a:t>(3)  </a:t>
+                </a:r>
+                <a:r>
+                  <a:rPr lang="ko-KR" altLang="en-US" sz="2000" dirty="0" err="1"/>
+                  <a:t>최량기각역</a:t>
+                </a:r>
+                <a:r>
+                  <a:rPr lang="ko-KR" altLang="en-US" sz="2000" dirty="0"/>
+                  <a:t> </a:t>
                 </a:r>
                 <a14:m>
                   <m:oMath xmlns:m="http://schemas.openxmlformats.org/officeDocument/2006/math">
-                    <m:r>
-                      <a:rPr lang="ko-KR" altLang="en-US" sz="2000" i="1" smtClean="0">
-                        <a:latin typeface="Cambria Math" panose="02040503050406030204" pitchFamily="18" charset="0"/>
-                      </a:rPr>
-                      <m:t>𝛼</m:t>
-                    </m:r>
-                  </m:oMath>
-                </a14:m>
-                <a:r>
-                  <a:rPr lang="en-US" altLang="ko-KR" sz="2000" dirty="0"/>
-                  <a:t> = </a:t>
-                </a:r>
-                <a14:m>
-                  <m:oMath xmlns:m="http://schemas.openxmlformats.org/officeDocument/2006/math">
-                    <m:sSub>
-                      <m:sSubPr>
-                        <m:ctrlPr>
-                          <a:rPr lang="en-US" altLang="ko-KR" sz="2000" i="1" dirty="0" smtClean="0">
-                            <a:latin typeface="Cambria Math" panose="02040503050406030204" pitchFamily="18" charset="0"/>
-                          </a:rPr>
-                        </m:ctrlPr>
-                      </m:sSubPr>
-                      <m:e>
-                        <m:r>
-                          <a:rPr lang="en-US" altLang="ko-KR" sz="2000" i="1" dirty="0" smtClean="0">
-                            <a:latin typeface="Cambria Math" panose="02040503050406030204" pitchFamily="18" charset="0"/>
-                          </a:rPr>
-                          <m:t>𝑃</m:t>
-                        </m:r>
-                      </m:e>
-                      <m:sub>
-                        <m:sSub>
-                          <m:sSubPr>
-                            <m:ctrlPr>
-                              <a:rPr lang="ko-KR" altLang="en-US" sz="2000" i="1" smtClean="0">
-                                <a:latin typeface="Cambria Math" panose="02040503050406030204" pitchFamily="18" charset="0"/>
-                              </a:rPr>
-                            </m:ctrlPr>
-                          </m:sSubPr>
-                          <m:e>
-                            <m:r>
-                              <a:rPr lang="ko-KR" altLang="en-US" sz="2000" i="1" dirty="0" smtClean="0">
-                                <a:latin typeface="Cambria Math" panose="02040503050406030204" pitchFamily="18" charset="0"/>
-                              </a:rPr>
-                              <m:t>𝜃</m:t>
-                            </m:r>
-                          </m:e>
-                          <m:sub>
-                            <m:r>
-                              <a:rPr lang="en-US" altLang="ko-KR" sz="2000" b="0" i="1" dirty="0" smtClean="0">
-                                <a:latin typeface="Cambria Math" panose="02040503050406030204" pitchFamily="18" charset="0"/>
-                              </a:rPr>
-                              <m:t>0</m:t>
-                            </m:r>
-                          </m:sub>
-                        </m:sSub>
-                      </m:sub>
-                    </m:sSub>
-                    <m:r>
-                      <a:rPr lang="en-US" altLang="ko-KR" sz="2000" b="0" i="1" dirty="0" smtClean="0">
-                        <a:latin typeface="Cambria Math" panose="02040503050406030204" pitchFamily="18" charset="0"/>
-                      </a:rPr>
-                      <m:t>[</m:t>
-                    </m:r>
-                    <m:r>
-                      <a:rPr lang="en-US" altLang="ko-KR" sz="2000" b="0" i="1" dirty="0" smtClean="0">
-                        <a:latin typeface="Cambria Math" panose="02040503050406030204" pitchFamily="18" charset="0"/>
-                      </a:rPr>
-                      <m:t>𝑌</m:t>
-                    </m:r>
-                    <m:r>
-                      <a:rPr lang="en-US" altLang="ko-KR" sz="2000" b="0" i="1" dirty="0" smtClean="0">
-                        <a:latin typeface="Cambria Math" panose="02040503050406030204" pitchFamily="18" charset="0"/>
-                      </a:rPr>
-                      <m:t>≥</m:t>
-                    </m:r>
                     <m:sSup>
                       <m:sSupPr>
                         <m:ctrlPr>
-                          <a:rPr lang="en-US" altLang="ko-KR" sz="2000" b="0" i="1" smtClean="0">
+                          <a:rPr lang="en-US" altLang="ko-KR" sz="2000" i="1">
                             <a:latin typeface="Cambria Math" panose="02040503050406030204" pitchFamily="18" charset="0"/>
                           </a:rPr>
                         </m:ctrlPr>
                       </m:sSupPr>
                       <m:e>
                         <m:r>
-                          <a:rPr lang="en-US" altLang="ko-KR" sz="2000" b="0" i="1" smtClean="0">
+                          <a:rPr lang="en-US" altLang="ko-KR" sz="2000" i="1">
                             <a:latin typeface="Cambria Math" panose="02040503050406030204" pitchFamily="18" charset="0"/>
                           </a:rPr>
                           <m:t>𝑔</m:t>
@@ -8892,7 +9641,7 @@
                       </m:e>
                       <m:sup>
                         <m:r>
-                          <a:rPr lang="en-US" altLang="ko-KR" sz="2000" b="0" i="1" smtClean="0">
+                          <a:rPr lang="en-US" altLang="ko-KR" sz="2000" i="1">
                             <a:latin typeface="Cambria Math" panose="02040503050406030204" pitchFamily="18" charset="0"/>
                           </a:rPr>
                           <m:t>−1</m:t>
@@ -8900,66 +9649,38 @@
                       </m:sup>
                     </m:sSup>
                     <m:r>
-                      <a:rPr lang="en-US" altLang="ko-KR" sz="2000" b="0" i="1" smtClean="0">
+                      <a:rPr lang="en-US" altLang="ko-KR" sz="2000" i="1">
                         <a:latin typeface="Cambria Math" panose="02040503050406030204" pitchFamily="18" charset="0"/>
                       </a:rPr>
                       <m:t>(</m:t>
                     </m:r>
                     <m:r>
-                      <a:rPr lang="en-US" altLang="ko-KR" sz="2000" b="0" i="1" smtClean="0">
+                      <a:rPr lang="en-US" altLang="ko-KR" sz="2000" i="1">
                         <a:latin typeface="Cambria Math" panose="02040503050406030204" pitchFamily="18" charset="0"/>
                       </a:rPr>
                       <m:t>𝑘</m:t>
                     </m:r>
                     <m:r>
-                      <a:rPr lang="en-US" altLang="ko-KR" sz="2000" b="0" i="1" smtClean="0">
+                      <a:rPr lang="en-US" altLang="ko-KR" sz="2000" i="1">
                         <a:latin typeface="Cambria Math" panose="02040503050406030204" pitchFamily="18" charset="0"/>
                       </a:rPr>
-                      <m:t>)]</m:t>
+                      <m:t>)</m:t>
                     </m:r>
                   </m:oMath>
                 </a14:m>
                 <a:r>
-                  <a:rPr lang="en-US" altLang="ko-KR" sz="2000" dirty="0"/>
-                  <a:t> </a:t>
-                </a:r>
-                <a:r>
-                  <a:rPr lang="ko-KR" altLang="en-US" sz="2000" dirty="0"/>
-                  <a:t>를 만족하는 </a:t>
-                </a:r>
-                <a:r>
-                  <a:rPr lang="ko-KR" altLang="en-US" sz="2000" dirty="0" err="1"/>
-                  <a:t>최량기각역과</a:t>
-                </a:r>
-                <a:r>
-                  <a:rPr lang="ko-KR" altLang="en-US" sz="2000" dirty="0"/>
-                  <a:t> </a:t>
-                </a:r>
-                <a:r>
-                  <a:rPr lang="ko-KR" altLang="en-US" sz="2000" dirty="0" err="1"/>
-                  <a:t>완비충분통계량</a:t>
-                </a:r>
-                <a:r>
-                  <a:rPr lang="ko-KR" altLang="en-US" sz="2000" dirty="0"/>
-                  <a:t> </a:t>
-                </a:r>
-                <a:r>
-                  <a:rPr lang="en-US" altLang="ko-KR" sz="2000" dirty="0"/>
-                  <a:t>Y</a:t>
-                </a:r>
-                <a:r>
                   <a:rPr lang="ko-KR" altLang="en-US" sz="2000" dirty="0"/>
                   <a:t>를 정의 가능하다</a:t>
                 </a:r>
                 <a:r>
                   <a:rPr lang="en-US" altLang="ko-KR" sz="2000" dirty="0"/>
-                  <a:t>.</a:t>
+                  <a:t>. </a:t>
                 </a:r>
               </a:p>
             </p:txBody>
           </p:sp>
         </mc:Choice>
-        <mc:Fallback xmlns="">
+        <mc:Fallback>
           <p:sp>
             <p:nvSpPr>
               <p:cNvPr id="3" name="내용 개체 틀 2">
@@ -8980,7 +9701,7 @@
               <a:blipFill>
                 <a:blip r:embed="rId2"/>
                 <a:stretch>
-                  <a:fillRect l="-812" t="-1401"/>
+                  <a:fillRect l="-754" t="-2661" b="-980"/>
                 </a:stretch>
               </a:blipFill>
             </p:spPr>
@@ -10262,8 +10983,8 @@
           </a:p>
         </p:txBody>
       </p:sp>
-      <mc:AlternateContent xmlns:mc="http://schemas.openxmlformats.org/markup-compatibility/2006">
-        <mc:Choice xmlns:a14="http://schemas.microsoft.com/office/drawing/2010/main" Requires="a14">
+      <mc:AlternateContent xmlns:mc="http://schemas.openxmlformats.org/markup-compatibility/2006" xmlns:a14="http://schemas.microsoft.com/office/drawing/2010/main">
+        <mc:Choice Requires="a14">
           <p:sp>
             <p:nvSpPr>
               <p:cNvPr id="3" name="내용 개체 틀 2">
@@ -12919,7 +13640,7 @@
             </p:txBody>
           </p:sp>
         </mc:Choice>
-        <mc:Fallback>
+        <mc:Fallback xmlns="">
           <p:sp>
             <p:nvSpPr>
               <p:cNvPr id="3" name="내용 개체 틀 2">
